--- a/slides/06_Beyond Android.pptx
+++ b/slides/06_Beyond Android.pptx
@@ -5,7 +5,7 @@
     <p:sldMasterId id="2147483648" r:id="rId1"/>
   </p:sldMasterIdLst>
   <p:notesMasterIdLst>
-    <p:notesMasterId r:id="rId9"/>
+    <p:notesMasterId r:id="rId16"/>
   </p:notesMasterIdLst>
   <p:sldIdLst>
     <p:sldId id="256" r:id="rId2"/>
@@ -13,8 +13,15 @@
     <p:sldId id="293" r:id="rId4"/>
     <p:sldId id="294" r:id="rId5"/>
     <p:sldId id="295" r:id="rId6"/>
-    <p:sldId id="296" r:id="rId7"/>
-    <p:sldId id="291" r:id="rId8"/>
+    <p:sldId id="306" r:id="rId7"/>
+    <p:sldId id="304" r:id="rId8"/>
+    <p:sldId id="303" r:id="rId9"/>
+    <p:sldId id="301" r:id="rId10"/>
+    <p:sldId id="300" r:id="rId11"/>
+    <p:sldId id="299" r:id="rId12"/>
+    <p:sldId id="307" r:id="rId13"/>
+    <p:sldId id="298" r:id="rId14"/>
+    <p:sldId id="291" r:id="rId15"/>
   </p:sldIdLst>
   <p:sldSz cx="24384000" cy="13716000"/>
   <p:notesSz cx="6858000" cy="9144000"/>
@@ -369,7 +376,7 @@
           <a:bodyPr/>
           <a:lstStyle/>
           <a:p>
-            <a:endParaRPr/>
+            <a:endParaRPr dirty="0"/>
           </a:p>
         </p:txBody>
       </p:sp>
@@ -996,7 +1003,7 @@
           </a:ln>
           <a:extLst>
             <a:ext uri="{C572A759-6A51-4108-AA02-DFA0A04FC94B}">
-              <ma14:wrappingTextBoxFlag xmlns:ma14="http://schemas.microsoft.com/office/mac/drawingml/2011/main" xmlns:a14="http://schemas.microsoft.com/office/drawing/2010/main" xmlns:m="http://schemas.openxmlformats.org/officeDocument/2006/math" xmlns="" val="1"/>
+              <ma14:wrappingTextBoxFlag xmlns="" xmlns:m="http://schemas.openxmlformats.org/officeDocument/2006/math" xmlns:a14="http://schemas.microsoft.com/office/drawing/2010/main" xmlns:ma14="http://schemas.microsoft.com/office/mac/drawingml/2011/main" val="1"/>
             </a:ext>
           </a:extLst>
         </p:spPr>
@@ -1037,7 +1044,7 @@
           </a:ln>
           <a:extLst>
             <a:ext uri="{C572A759-6A51-4108-AA02-DFA0A04FC94B}">
-              <ma14:wrappingTextBoxFlag xmlns:ma14="http://schemas.microsoft.com/office/mac/drawingml/2011/main" xmlns:a14="http://schemas.microsoft.com/office/drawing/2010/main" xmlns:m="http://schemas.openxmlformats.org/officeDocument/2006/math" xmlns="" val="1"/>
+              <ma14:wrappingTextBoxFlag xmlns="" xmlns:m="http://schemas.openxmlformats.org/officeDocument/2006/math" xmlns:a14="http://schemas.microsoft.com/office/drawing/2010/main" xmlns:ma14="http://schemas.microsoft.com/office/mac/drawingml/2011/main" val="1"/>
             </a:ext>
           </a:extLst>
         </p:spPr>
@@ -1934,7 +1941,7 @@
           <a:blip r:embed="rId2">
             <a:extLst>
               <a:ext uri="{28A0092B-C50C-407E-A947-70E740481C1C}">
-                <a14:useLocalDpi xmlns:a14="http://schemas.microsoft.com/office/drawing/2010/main" val="0"/>
+                <a14:useLocalDpi xmlns:a14="http://schemas.microsoft.com/office/drawing/2010/main"/>
               </a:ext>
             </a:extLst>
           </a:blip>
@@ -1988,7 +1995,7 @@
           </a:ln>
           <a:extLst>
             <a:ext uri="{C572A759-6A51-4108-AA02-DFA0A04FC94B}">
-              <ma14:wrappingTextBoxFlag xmlns:ma14="http://schemas.microsoft.com/office/mac/drawingml/2011/main" xmlns:a14="http://schemas.microsoft.com/office/drawing/2010/main" xmlns:m="http://schemas.openxmlformats.org/officeDocument/2006/math" xmlns="" val="1"/>
+              <ma14:wrappingTextBoxFlag xmlns="" xmlns:m="http://schemas.openxmlformats.org/officeDocument/2006/math" xmlns:a14="http://schemas.microsoft.com/office/drawing/2010/main" xmlns:ma14="http://schemas.microsoft.com/office/mac/drawingml/2011/main" val="1"/>
             </a:ext>
           </a:extLst>
         </p:spPr>
@@ -2009,9 +2016,17 @@
             <a:pPr algn="l"/>
             <a:r>
               <a:rPr lang="de-DE" dirty="0"/>
-              <a:t>https://unsplash.com/photos/VYOrErmJes4</a:t>
-            </a:r>
-            <a:endParaRPr dirty="0"/>
+              <a:t>https://</a:t>
+            </a:r>
+            <a:r>
+              <a:rPr lang="de-DE" dirty="0" err="1"/>
+              <a:t>unsplash.com</a:t>
+            </a:r>
+            <a:r>
+              <a:rPr lang="de-DE"/>
+              <a:t>/photos/VYOrErmJes4</a:t>
+            </a:r>
+            <a:endParaRPr/>
           </a:p>
         </p:txBody>
       </p:sp>
@@ -2044,19 +2059,19 @@
               <a:defRPr sz="9856"/>
             </a:pPr>
             <a:r>
-              <a:rPr lang="en-US" dirty="0"/>
+              <a:rPr lang="en-US"/>
               <a:t>Beyond Android</a:t>
             </a:r>
             <a:br>
-              <a:rPr lang="en-US" sz="9600" dirty="0">
+              <a:rPr lang="en-US" sz="9600">
                 <a:latin typeface="+mj-lt"/>
               </a:rPr>
             </a:br>
             <a:r>
-              <a:rPr lang="en-US" sz="4000" dirty="0"/>
+              <a:rPr lang="en-US" sz="4000"/>
               <a:t>Thomas Künneth</a:t>
             </a:r>
-            <a:endParaRPr lang="en-US" dirty="0"/>
+            <a:endParaRPr lang="en-US"/>
           </a:p>
         </p:txBody>
       </p:sp>
@@ -2071,7 +2086,215 @@
 </p:sld>
 </file>
 
-<file path=ppt/slides/slide2.xml><?xml version="1.0" encoding="utf-8"?>
+<file path=ppt/slides/slide10.xml><?xml version="1.0" encoding="utf-8"?>
+<p:sld xmlns:a="http://schemas.openxmlformats.org/drawingml/2006/main" xmlns:r="http://schemas.openxmlformats.org/officeDocument/2006/relationships" xmlns:p="http://schemas.openxmlformats.org/presentationml/2006/main">
+  <p:cSld>
+    <p:spTree>
+      <p:nvGrpSpPr>
+        <p:cNvPr id="1" name=""/>
+        <p:cNvGrpSpPr/>
+        <p:nvPr/>
+      </p:nvGrpSpPr>
+      <p:grpSpPr>
+        <a:xfrm>
+          <a:off x="0" y="0"/>
+          <a:ext cx="0" cy="0"/>
+          <a:chOff x="0" y="0"/>
+          <a:chExt cx="0" cy="0"/>
+        </a:xfrm>
+      </p:grpSpPr>
+      <p:sp>
+        <p:nvSpPr>
+          <p:cNvPr id="4" name="Titel 3">
+            <a:extLst>
+              <a:ext uri="{FF2B5EF4-FFF2-40B4-BE49-F238E27FC236}">
+                <a16:creationId xmlns:a16="http://schemas.microsoft.com/office/drawing/2014/main" id="{255D7BA0-B459-3C9A-6444-4D06645715DB}"/>
+              </a:ext>
+            </a:extLst>
+          </p:cNvPr>
+          <p:cNvSpPr>
+            <a:spLocks noGrp="1"/>
+          </p:cNvSpPr>
+          <p:nvPr>
+            <p:ph type="title"/>
+          </p:nvPr>
+        </p:nvSpPr>
+        <p:spPr/>
+        <p:txBody>
+          <a:bodyPr/>
+          <a:lstStyle/>
+          <a:p>
+            <a:r>
+              <a:rPr lang="en-GB" dirty="0"/>
+              <a:t>Targets</a:t>
+            </a:r>
+          </a:p>
+        </p:txBody>
+      </p:sp>
+      <p:sp>
+        <p:nvSpPr>
+          <p:cNvPr id="3" name="Textplatzhalter 2">
+            <a:extLst>
+              <a:ext uri="{FF2B5EF4-FFF2-40B4-BE49-F238E27FC236}">
+                <a16:creationId xmlns:a16="http://schemas.microsoft.com/office/drawing/2014/main" id="{E22F424D-42D7-878E-E400-615ACFE8716D}"/>
+              </a:ext>
+            </a:extLst>
+          </p:cNvPr>
+          <p:cNvSpPr>
+            <a:spLocks noGrp="1"/>
+          </p:cNvSpPr>
+          <p:nvPr>
+            <p:ph type="body" sz="half" idx="4294967295"/>
+          </p:nvPr>
+        </p:nvSpPr>
+        <p:spPr/>
+        <p:txBody>
+          <a:bodyPr/>
+          <a:lstStyle/>
+          <a:p>
+            <a:r>
+              <a:rPr lang="en-GB" dirty="0"/>
+              <a:t>Build, test, and package artefacts for a platform</a:t>
+            </a:r>
+          </a:p>
+          <a:p>
+            <a:r>
+              <a:rPr lang="en-GB" dirty="0"/>
+              <a:t>Are fuelled by one or more source sets</a:t>
+            </a:r>
+          </a:p>
+          <a:p>
+            <a:r>
+              <a:rPr lang="en-GB" dirty="0"/>
+              <a:t>Consist of one or more compilations</a:t>
+            </a:r>
+          </a:p>
+        </p:txBody>
+      </p:sp>
+    </p:spTree>
+    <p:extLst>
+      <p:ext uri="{BB962C8B-B14F-4D97-AF65-F5344CB8AC3E}">
+        <p14:creationId xmlns:p14="http://schemas.microsoft.com/office/powerpoint/2010/main" val="1472415937"/>
+      </p:ext>
+    </p:extLst>
+  </p:cSld>
+  <p:clrMapOvr>
+    <a:masterClrMapping/>
+  </p:clrMapOvr>
+  <p:transition spd="med">
+    <p:pull/>
+  </p:transition>
+</p:sld>
+</file>
+
+<file path=ppt/slides/slide11.xml><?xml version="1.0" encoding="utf-8"?>
+<p:sld xmlns:a="http://schemas.openxmlformats.org/drawingml/2006/main" xmlns:r="http://schemas.openxmlformats.org/officeDocument/2006/relationships" xmlns:p="http://schemas.openxmlformats.org/presentationml/2006/main">
+  <p:cSld>
+    <p:spTree>
+      <p:nvGrpSpPr>
+        <p:cNvPr id="1" name=""/>
+        <p:cNvGrpSpPr/>
+        <p:nvPr/>
+      </p:nvGrpSpPr>
+      <p:grpSpPr>
+        <a:xfrm>
+          <a:off x="0" y="0"/>
+          <a:ext cx="0" cy="0"/>
+          <a:chOff x="0" y="0"/>
+          <a:chExt cx="0" cy="0"/>
+        </a:xfrm>
+      </p:grpSpPr>
+      <p:sp>
+        <p:nvSpPr>
+          <p:cNvPr id="4" name="Titel 3">
+            <a:extLst>
+              <a:ext uri="{FF2B5EF4-FFF2-40B4-BE49-F238E27FC236}">
+                <a16:creationId xmlns:a16="http://schemas.microsoft.com/office/drawing/2014/main" id="{46730A7B-428B-79B8-E9DF-4D77082E1193}"/>
+              </a:ext>
+            </a:extLst>
+          </p:cNvPr>
+          <p:cNvSpPr>
+            <a:spLocks noGrp="1"/>
+          </p:cNvSpPr>
+          <p:nvPr>
+            <p:ph type="title"/>
+          </p:nvPr>
+        </p:nvSpPr>
+        <p:spPr/>
+        <p:txBody>
+          <a:bodyPr/>
+          <a:lstStyle/>
+          <a:p>
+            <a:r>
+              <a:rPr lang="en-GB" dirty="0"/>
+              <a:t>Compilations</a:t>
+            </a:r>
+          </a:p>
+        </p:txBody>
+      </p:sp>
+      <p:sp>
+        <p:nvSpPr>
+          <p:cNvPr id="3" name="Textplatzhalter 2">
+            <a:extLst>
+              <a:ext uri="{FF2B5EF4-FFF2-40B4-BE49-F238E27FC236}">
+                <a16:creationId xmlns:a16="http://schemas.microsoft.com/office/drawing/2014/main" id="{CABD9C34-2065-21E1-E8D4-CBD67043CED0}"/>
+              </a:ext>
+            </a:extLst>
+          </p:cNvPr>
+          <p:cNvSpPr>
+            <a:spLocks noGrp="1"/>
+          </p:cNvSpPr>
+          <p:nvPr>
+            <p:ph type="body" sz="half" idx="4294967295"/>
+          </p:nvPr>
+        </p:nvSpPr>
+        <p:spPr/>
+        <p:txBody>
+          <a:bodyPr/>
+          <a:lstStyle/>
+          <a:p>
+            <a:r>
+              <a:rPr lang="en-GB" dirty="0"/>
+              <a:t>Structure code regarding usage (test, production)</a:t>
+            </a:r>
+          </a:p>
+          <a:p>
+            <a:r>
+              <a:rPr lang="en-GB" dirty="0"/>
+              <a:t>Standard compilations: main and test</a:t>
+            </a:r>
+          </a:p>
+          <a:p>
+            <a:r>
+              <a:rPr lang="en-GB" dirty="0"/>
+              <a:t>Each compilation has a default source set</a:t>
+            </a:r>
+          </a:p>
+          <a:p>
+            <a:r>
+              <a:rPr lang="en-GB" dirty="0"/>
+              <a:t>If needed custom compilations can be configured</a:t>
+            </a:r>
+          </a:p>
+        </p:txBody>
+      </p:sp>
+    </p:spTree>
+    <p:extLst>
+      <p:ext uri="{BB962C8B-B14F-4D97-AF65-F5344CB8AC3E}">
+        <p14:creationId xmlns:p14="http://schemas.microsoft.com/office/powerpoint/2010/main" val="2077557950"/>
+      </p:ext>
+    </p:extLst>
+  </p:cSld>
+  <p:clrMapOvr>
+    <a:masterClrMapping/>
+  </p:clrMapOvr>
+  <p:transition spd="med">
+    <p:pull/>
+  </p:transition>
+</p:sld>
+</file>
+
+<file path=ppt/slides/slide12.xml><?xml version="1.0" encoding="utf-8"?>
 <p:sld xmlns:a="http://schemas.openxmlformats.org/drawingml/2006/main" xmlns:r="http://schemas.openxmlformats.org/officeDocument/2006/relationships" xmlns:p="http://schemas.openxmlformats.org/presentationml/2006/main">
   <p:cSld>
     <p:spTree>
@@ -2093,7 +2316,7 @@
           <p:cNvPr id="2" name="Titel 1">
             <a:extLst>
               <a:ext uri="{FF2B5EF4-FFF2-40B4-BE49-F238E27FC236}">
-                <a16:creationId xmlns:a16="http://schemas.microsoft.com/office/drawing/2014/main" id="{3A441235-4753-B750-92CA-44BC46A9AEFB}"/>
+                <a16:creationId xmlns:a16="http://schemas.microsoft.com/office/drawing/2014/main" id="{7E8C5BAB-8E66-4867-BED1-32CE790DCE7C}"/>
               </a:ext>
             </a:extLst>
           </p:cNvPr>
@@ -2110,8 +2333,8 @@
           <a:lstStyle/>
           <a:p>
             <a:r>
-              <a:rPr lang="en-US" dirty="0"/>
-              <a:t>Let‘s recap</a:t>
+              <a:rPr lang="en-GB" dirty="0"/>
+              <a:t>Targeting multiple platforms</a:t>
             </a:r>
           </a:p>
         </p:txBody>
@@ -2121,7 +2344,7 @@
           <p:cNvPr id="3" name="Textplatzhalter 2">
             <a:extLst>
               <a:ext uri="{FF2B5EF4-FFF2-40B4-BE49-F238E27FC236}">
-                <a16:creationId xmlns:a16="http://schemas.microsoft.com/office/drawing/2014/main" id="{A6408B5E-B271-333B-D00F-41A1328EC40D}"/>
+                <a16:creationId xmlns:a16="http://schemas.microsoft.com/office/drawing/2014/main" id="{711CA3DE-E329-DC11-6F17-D4B346E100D5}"/>
               </a:ext>
             </a:extLst>
           </p:cNvPr>
@@ -2138,20 +2361,14 @@
           <a:lstStyle/>
           <a:p>
             <a:r>
-              <a:rPr lang="en-US" dirty="0"/>
-              <a:t>Jetpack Compose is Android‘s new native UI toolkit</a:t>
-            </a:r>
-          </a:p>
-          <a:p>
-            <a:r>
-              <a:rPr lang="en-US" dirty="0"/>
-              <a:t>It uses Kotlin functions</a:t>
-            </a:r>
-          </a:p>
-          <a:p>
-            <a:r>
-              <a:rPr lang="en-US" dirty="0"/>
-              <a:t>The UI is declared based on state</a:t>
+              <a:rPr lang="en-GB" dirty="0"/>
+              <a:t>Try to re-use code across platforms</a:t>
+            </a:r>
+          </a:p>
+          <a:p>
+            <a:r>
+              <a:rPr lang="en-GB" dirty="0"/>
+              <a:t>Only implement platform-specific features as platform-specific  code</a:t>
             </a:r>
           </a:p>
         </p:txBody>
@@ -2159,7 +2376,7 @@
     </p:spTree>
     <p:extLst>
       <p:ext uri="{BB962C8B-B14F-4D97-AF65-F5344CB8AC3E}">
-        <p14:creationId xmlns:p14="http://schemas.microsoft.com/office/powerpoint/2010/main" val="2021403755"/>
+        <p14:creationId xmlns:p14="http://schemas.microsoft.com/office/powerpoint/2010/main" val="580966842"/>
       </p:ext>
     </p:extLst>
   </p:cSld>
@@ -2172,7 +2389,7 @@
 </p:sld>
 </file>
 
-<file path=ppt/slides/slide3.xml><?xml version="1.0" encoding="utf-8"?>
+<file path=ppt/slides/slide13.xml><?xml version="1.0" encoding="utf-8"?>
 <p:sld xmlns:a="http://schemas.openxmlformats.org/drawingml/2006/main" xmlns:r="http://schemas.openxmlformats.org/officeDocument/2006/relationships" xmlns:p="http://schemas.openxmlformats.org/presentationml/2006/main">
   <p:cSld>
     <p:spTree>
@@ -2191,10 +2408,10 @@
       </p:grpSpPr>
       <p:sp>
         <p:nvSpPr>
-          <p:cNvPr id="4" name="Textplatzhalter 3">
+          <p:cNvPr id="3" name="Textplatzhalter 2">
             <a:extLst>
               <a:ext uri="{FF2B5EF4-FFF2-40B4-BE49-F238E27FC236}">
-                <a16:creationId xmlns:a16="http://schemas.microsoft.com/office/drawing/2014/main" id="{C16004F5-A207-2064-ED88-441E78A46E41}"/>
+                <a16:creationId xmlns:a16="http://schemas.microsoft.com/office/drawing/2014/main" id="{A7B53F17-5451-B1AB-E249-273F0033CED9}"/>
               </a:ext>
             </a:extLst>
           </p:cNvPr>
@@ -2211,20 +2428,48 @@
           <a:lstStyle/>
           <a:p>
             <a:r>
-              <a:rPr lang="en-US" dirty="0"/>
-              <a:t>Compose hierarchies are hosted within activities or fragments</a:t>
-            </a:r>
-          </a:p>
-          <a:p>
-            <a:r>
-              <a:rPr lang="en-US" dirty="0"/>
-              <a:t>While it can use resources both are not tightly coupled</a:t>
-            </a:r>
-          </a:p>
-          <a:p>
-            <a:r>
-              <a:rPr lang="en-US" dirty="0"/>
-              <a:t>Distributed as a set of libraries – not part of the Android platform</a:t>
+              <a:rPr lang="en-GB" dirty="0"/>
+              <a:t>Common (shared) code is in </a:t>
+            </a:r>
+            <a:r>
+              <a:rPr lang="en-GB" b="1" dirty="0" err="1"/>
+              <a:t>kotlinMain</a:t>
+            </a:r>
+            <a:endParaRPr lang="en-GB" b="1" dirty="0"/>
+          </a:p>
+          <a:p>
+            <a:r>
+              <a:rPr lang="en-GB" dirty="0"/>
+              <a:t>Platform specific code is in </a:t>
+            </a:r>
+            <a:r>
+              <a:rPr lang="en-GB" b="1" dirty="0" err="1"/>
+              <a:t>xyzMain</a:t>
+            </a:r>
+            <a:endParaRPr lang="en-GB" b="1" dirty="0"/>
+          </a:p>
+          <a:p>
+            <a:r>
+              <a:rPr lang="en-GB" dirty="0"/>
+              <a:t>Kotlin supports implementing for more than one platform with </a:t>
+            </a:r>
+            <a:r>
+              <a:rPr lang="en-GB" dirty="0">
+                <a:latin typeface="Courier New" panose="02070309020205020404" pitchFamily="49" charset="0"/>
+                <a:cs typeface="Courier New" panose="02070309020205020404" pitchFamily="49" charset="0"/>
+              </a:rPr>
+              <a:t>expect</a:t>
+            </a:r>
+            <a:r>
+              <a:rPr lang="en-GB" dirty="0"/>
+              <a:t> and </a:t>
+            </a:r>
+            <a:r>
+              <a:rPr lang="en-GB" dirty="0">
+                <a:latin typeface="Courier New" panose="02070309020205020404" pitchFamily="49" charset="0"/>
+                <a:cs typeface="Courier New" panose="02070309020205020404" pitchFamily="49" charset="0"/>
+              </a:rPr>
+              <a:t>actual</a:t>
             </a:r>
           </a:p>
         </p:txBody>
@@ -2232,7 +2477,7 @@
     </p:spTree>
     <p:extLst>
       <p:ext uri="{BB962C8B-B14F-4D97-AF65-F5344CB8AC3E}">
-        <p14:creationId xmlns:p14="http://schemas.microsoft.com/office/powerpoint/2010/main" val="3941362118"/>
+        <p14:creationId xmlns:p14="http://schemas.microsoft.com/office/powerpoint/2010/main" val="3789386357"/>
       </p:ext>
     </p:extLst>
   </p:cSld>
@@ -2245,273 +2490,7 @@
 </p:sld>
 </file>
 
-<file path=ppt/slides/slide4.xml><?xml version="1.0" encoding="utf-8"?>
-<p:sld xmlns:a="http://schemas.openxmlformats.org/drawingml/2006/main" xmlns:r="http://schemas.openxmlformats.org/officeDocument/2006/relationships" xmlns:p="http://schemas.openxmlformats.org/presentationml/2006/main">
-  <p:cSld>
-    <p:spTree>
-      <p:nvGrpSpPr>
-        <p:cNvPr id="1" name=""/>
-        <p:cNvGrpSpPr/>
-        <p:nvPr/>
-      </p:nvGrpSpPr>
-      <p:grpSpPr>
-        <a:xfrm>
-          <a:off x="0" y="0"/>
-          <a:ext cx="0" cy="0"/>
-          <a:chOff x="0" y="0"/>
-          <a:chExt cx="0" cy="0"/>
-        </a:xfrm>
-      </p:grpSpPr>
-      <p:sp>
-        <p:nvSpPr>
-          <p:cNvPr id="2" name="Textplatzhalter 1">
-            <a:extLst>
-              <a:ext uri="{FF2B5EF4-FFF2-40B4-BE49-F238E27FC236}">
-                <a16:creationId xmlns:a16="http://schemas.microsoft.com/office/drawing/2014/main" id="{EF63ED91-F63F-61CF-6B94-C6A91108AE05}"/>
-              </a:ext>
-            </a:extLst>
-          </p:cNvPr>
-          <p:cNvSpPr>
-            <a:spLocks noGrp="1"/>
-          </p:cNvSpPr>
-          <p:nvPr>
-            <p:ph type="body" sz="half" idx="4294967295"/>
-          </p:nvPr>
-        </p:nvSpPr>
-        <p:spPr/>
-        <p:txBody>
-          <a:bodyPr/>
-          <a:lstStyle/>
-          <a:p>
-            <a:r>
-              <a:rPr lang="en-US" dirty="0"/>
-              <a:t>Wouldn‘t it be cool to re-use Jetpack Compose skills on other platforms?</a:t>
-            </a:r>
-          </a:p>
-          <a:p>
-            <a:r>
-              <a:rPr lang="en-US" dirty="0"/>
-              <a:t>After all, Flutter started as a mobile framework and now embraces the Desktop and the Web, too</a:t>
-            </a:r>
-          </a:p>
-          <a:p>
-            <a:r>
-              <a:rPr lang="en-US" dirty="0"/>
-              <a:t>JetBrains thought it would </a:t>
-            </a:r>
-            <a:r>
-              <a:rPr lang="de-DE" dirty="0"/>
-              <a:t>😎</a:t>
-            </a:r>
-            <a:endParaRPr lang="en-US" dirty="0"/>
-          </a:p>
-        </p:txBody>
-      </p:sp>
-    </p:spTree>
-    <p:extLst>
-      <p:ext uri="{BB962C8B-B14F-4D97-AF65-F5344CB8AC3E}">
-        <p14:creationId xmlns:p14="http://schemas.microsoft.com/office/powerpoint/2010/main" val="4259518782"/>
-      </p:ext>
-    </p:extLst>
-  </p:cSld>
-  <p:clrMapOvr>
-    <a:masterClrMapping/>
-  </p:clrMapOvr>
-  <p:transition spd="med">
-    <p:pull/>
-  </p:transition>
-</p:sld>
-</file>
-
-<file path=ppt/slides/slide5.xml><?xml version="1.0" encoding="utf-8"?>
-<p:sld xmlns:a="http://schemas.openxmlformats.org/drawingml/2006/main" xmlns:r="http://schemas.openxmlformats.org/officeDocument/2006/relationships" xmlns:p="http://schemas.openxmlformats.org/presentationml/2006/main">
-  <p:cSld>
-    <p:spTree>
-      <p:nvGrpSpPr>
-        <p:cNvPr id="1" name=""/>
-        <p:cNvGrpSpPr/>
-        <p:nvPr/>
-      </p:nvGrpSpPr>
-      <p:grpSpPr>
-        <a:xfrm>
-          <a:off x="0" y="0"/>
-          <a:ext cx="0" cy="0"/>
-          <a:chOff x="0" y="0"/>
-          <a:chExt cx="0" cy="0"/>
-        </a:xfrm>
-      </p:grpSpPr>
-      <p:sp>
-        <p:nvSpPr>
-          <p:cNvPr id="2" name="Textplatzhalter 1">
-            <a:extLst>
-              <a:ext uri="{FF2B5EF4-FFF2-40B4-BE49-F238E27FC236}">
-                <a16:creationId xmlns:a16="http://schemas.microsoft.com/office/drawing/2014/main" id="{F9679B97-3C23-B039-1BE8-87A30BF0E20A}"/>
-              </a:ext>
-            </a:extLst>
-          </p:cNvPr>
-          <p:cNvSpPr>
-            <a:spLocks noGrp="1"/>
-          </p:cNvSpPr>
-          <p:nvPr>
-            <p:ph type="body" sz="half" idx="4294967295"/>
-          </p:nvPr>
-        </p:nvSpPr>
-        <p:spPr/>
-        <p:txBody>
-          <a:bodyPr/>
-          <a:lstStyle/>
-          <a:p>
-            <a:r>
-              <a:rPr lang="en-US" b="1" dirty="0"/>
-              <a:t>Compose Multiplatform</a:t>
-            </a:r>
-            <a:r>
-              <a:rPr lang="en-US" dirty="0"/>
-              <a:t> is a fast reactive Desktop and Web UI framework for Kotlin, based on Jetpack Compose</a:t>
-            </a:r>
-          </a:p>
-          <a:p>
-            <a:pPr lvl="1"/>
-            <a:r>
-              <a:rPr lang="en-US" dirty="0"/>
-              <a:t>Compose for Desktop</a:t>
-            </a:r>
-          </a:p>
-          <a:p>
-            <a:pPr lvl="1"/>
-            <a:r>
-              <a:rPr lang="en-US" dirty="0"/>
-              <a:t>Compose for Web</a:t>
-            </a:r>
-          </a:p>
-        </p:txBody>
-      </p:sp>
-    </p:spTree>
-    <p:extLst>
-      <p:ext uri="{BB962C8B-B14F-4D97-AF65-F5344CB8AC3E}">
-        <p14:creationId xmlns:p14="http://schemas.microsoft.com/office/powerpoint/2010/main" val="2462351485"/>
-      </p:ext>
-    </p:extLst>
-  </p:cSld>
-  <p:clrMapOvr>
-    <a:masterClrMapping/>
-  </p:clrMapOvr>
-  <p:transition spd="med">
-    <p:pull/>
-  </p:transition>
-</p:sld>
-</file>
-
-<file path=ppt/slides/slide6.xml><?xml version="1.0" encoding="utf-8"?>
-<p:sld xmlns:a="http://schemas.openxmlformats.org/drawingml/2006/main" xmlns:r="http://schemas.openxmlformats.org/officeDocument/2006/relationships" xmlns:p="http://schemas.openxmlformats.org/presentationml/2006/main">
-  <p:cSld>
-    <p:spTree>
-      <p:nvGrpSpPr>
-        <p:cNvPr id="1" name=""/>
-        <p:cNvGrpSpPr/>
-        <p:nvPr/>
-      </p:nvGrpSpPr>
-      <p:grpSpPr>
-        <a:xfrm>
-          <a:off x="0" y="0"/>
-          <a:ext cx="0" cy="0"/>
-          <a:chOff x="0" y="0"/>
-          <a:chExt cx="0" cy="0"/>
-        </a:xfrm>
-      </p:grpSpPr>
-      <p:sp>
-        <p:nvSpPr>
-          <p:cNvPr id="3" name="Titel 2">
-            <a:extLst>
-              <a:ext uri="{FF2B5EF4-FFF2-40B4-BE49-F238E27FC236}">
-                <a16:creationId xmlns:a16="http://schemas.microsoft.com/office/drawing/2014/main" id="{37370BB7-5169-4108-F24C-5EB5D352FBCB}"/>
-              </a:ext>
-            </a:extLst>
-          </p:cNvPr>
-          <p:cNvSpPr>
-            <a:spLocks noGrp="1"/>
-          </p:cNvSpPr>
-          <p:nvPr>
-            <p:ph type="title"/>
-          </p:nvPr>
-        </p:nvSpPr>
-        <p:spPr/>
-        <p:txBody>
-          <a:bodyPr/>
-          <a:lstStyle/>
-          <a:p>
-            <a:r>
-              <a:rPr lang="en-US" dirty="0"/>
-              <a:t>Compose for Desktop</a:t>
-            </a:r>
-          </a:p>
-        </p:txBody>
-      </p:sp>
-      <p:sp>
-        <p:nvSpPr>
-          <p:cNvPr id="4" name="Textplatzhalter 3">
-            <a:extLst>
-              <a:ext uri="{FF2B5EF4-FFF2-40B4-BE49-F238E27FC236}">
-                <a16:creationId xmlns:a16="http://schemas.microsoft.com/office/drawing/2014/main" id="{26412723-ECF2-F981-F6CE-52D5F00E3FCD}"/>
-              </a:ext>
-            </a:extLst>
-          </p:cNvPr>
-          <p:cNvSpPr>
-            <a:spLocks noGrp="1"/>
-          </p:cNvSpPr>
-          <p:nvPr>
-            <p:ph type="body" sz="half" idx="4294967295"/>
-          </p:nvPr>
-        </p:nvSpPr>
-        <p:spPr/>
-        <p:txBody>
-          <a:bodyPr/>
-          <a:lstStyle/>
-          <a:p>
-            <a:r>
-              <a:rPr lang="en-US" dirty="0"/>
-              <a:t>Targets the JVM</a:t>
-            </a:r>
-          </a:p>
-          <a:p>
-            <a:r>
-              <a:rPr lang="en-US" dirty="0"/>
-              <a:t>Supports hardware-accelerated UI rendering on macOS, Windows, and Linux by leveraging the </a:t>
-            </a:r>
-            <a:r>
-              <a:rPr lang="en-US" dirty="0" err="1"/>
-              <a:t>Skia</a:t>
-            </a:r>
-            <a:r>
-              <a:rPr lang="en-US" dirty="0"/>
-              <a:t> graphics library</a:t>
-            </a:r>
-          </a:p>
-          <a:p>
-            <a:r>
-              <a:rPr lang="en-US" dirty="0"/>
-              <a:t>Easy native packaging</a:t>
-            </a:r>
-          </a:p>
-        </p:txBody>
-      </p:sp>
-    </p:spTree>
-    <p:extLst>
-      <p:ext uri="{BB962C8B-B14F-4D97-AF65-F5344CB8AC3E}">
-        <p14:creationId xmlns:p14="http://schemas.microsoft.com/office/powerpoint/2010/main" val="2663731522"/>
-      </p:ext>
-    </p:extLst>
-  </p:cSld>
-  <p:clrMapOvr>
-    <a:masterClrMapping/>
-  </p:clrMapOvr>
-  <p:transition spd="med">
-    <p:pull/>
-  </p:transition>
-</p:sld>
-</file>
-
-<file path=ppt/slides/slide7.xml><?xml version="1.0" encoding="utf-8"?>
+<file path=ppt/slides/slide14.xml><?xml version="1.0" encoding="utf-8"?>
 <p:sld xmlns:a="http://schemas.openxmlformats.org/drawingml/2006/main" xmlns:r="http://schemas.openxmlformats.org/officeDocument/2006/relationships" xmlns:p="http://schemas.openxmlformats.org/presentationml/2006/main">
   <p:cSld>
     <p:spTree>
@@ -2584,7 +2563,7 @@
           <a:effectLst/>
           <a:extLst>
             <a:ext uri="{C572A759-6A51-4108-AA02-DFA0A04FC94B}">
-              <ma14:wrappingTextBoxFlag xmlns:ma14="http://schemas.microsoft.com/office/mac/drawingml/2011/main" xmlns:a14="http://schemas.microsoft.com/office/drawing/2010/main" xmlns:m="http://schemas.openxmlformats.org/officeDocument/2006/math" xmlns="" val="1"/>
+              <ma14:wrappingTextBoxFlag xmlns="" xmlns:m="http://schemas.openxmlformats.org/officeDocument/2006/math" xmlns:a14="http://schemas.microsoft.com/office/drawing/2010/main" xmlns:ma14="http://schemas.microsoft.com/office/mac/drawingml/2011/main" val="1"/>
             </a:ext>
           </a:extLst>
         </p:spPr>
@@ -2625,6 +2604,875 @@
         </p:txBody>
       </p:sp>
     </p:spTree>
+  </p:cSld>
+  <p:clrMapOvr>
+    <a:masterClrMapping/>
+  </p:clrMapOvr>
+  <p:transition spd="med">
+    <p:pull/>
+  </p:transition>
+</p:sld>
+</file>
+
+<file path=ppt/slides/slide2.xml><?xml version="1.0" encoding="utf-8"?>
+<p:sld xmlns:a="http://schemas.openxmlformats.org/drawingml/2006/main" xmlns:r="http://schemas.openxmlformats.org/officeDocument/2006/relationships" xmlns:p="http://schemas.openxmlformats.org/presentationml/2006/main">
+  <p:cSld>
+    <p:spTree>
+      <p:nvGrpSpPr>
+        <p:cNvPr id="1" name=""/>
+        <p:cNvGrpSpPr/>
+        <p:nvPr/>
+      </p:nvGrpSpPr>
+      <p:grpSpPr>
+        <a:xfrm>
+          <a:off x="0" y="0"/>
+          <a:ext cx="0" cy="0"/>
+          <a:chOff x="0" y="0"/>
+          <a:chExt cx="0" cy="0"/>
+        </a:xfrm>
+      </p:grpSpPr>
+      <p:sp>
+        <p:nvSpPr>
+          <p:cNvPr id="2" name="Titel 1">
+            <a:extLst>
+              <a:ext uri="{FF2B5EF4-FFF2-40B4-BE49-F238E27FC236}">
+                <a16:creationId xmlns:a16="http://schemas.microsoft.com/office/drawing/2014/main" id="{3A441235-4753-B750-92CA-44BC46A9AEFB}"/>
+              </a:ext>
+            </a:extLst>
+          </p:cNvPr>
+          <p:cNvSpPr>
+            <a:spLocks noGrp="1"/>
+          </p:cNvSpPr>
+          <p:nvPr>
+            <p:ph type="title"/>
+          </p:nvPr>
+        </p:nvSpPr>
+        <p:spPr/>
+        <p:txBody>
+          <a:bodyPr/>
+          <a:lstStyle/>
+          <a:p>
+            <a:r>
+              <a:rPr lang="en-US"/>
+              <a:t>Let‘s recap</a:t>
+            </a:r>
+          </a:p>
+        </p:txBody>
+      </p:sp>
+      <p:sp>
+        <p:nvSpPr>
+          <p:cNvPr id="3" name="Textplatzhalter 2">
+            <a:extLst>
+              <a:ext uri="{FF2B5EF4-FFF2-40B4-BE49-F238E27FC236}">
+                <a16:creationId xmlns:a16="http://schemas.microsoft.com/office/drawing/2014/main" id="{A6408B5E-B271-333B-D00F-41A1328EC40D}"/>
+              </a:ext>
+            </a:extLst>
+          </p:cNvPr>
+          <p:cNvSpPr>
+            <a:spLocks noGrp="1"/>
+          </p:cNvSpPr>
+          <p:nvPr>
+            <p:ph type="body" sz="half" idx="4294967295"/>
+          </p:nvPr>
+        </p:nvSpPr>
+        <p:spPr/>
+        <p:txBody>
+          <a:bodyPr/>
+          <a:lstStyle/>
+          <a:p>
+            <a:r>
+              <a:rPr lang="en-US"/>
+              <a:t>Jetpack Compose is Android‘s new native UI toolkit</a:t>
+            </a:r>
+          </a:p>
+          <a:p>
+            <a:r>
+              <a:rPr lang="en-US"/>
+              <a:t>It uses Kotlin functions</a:t>
+            </a:r>
+          </a:p>
+          <a:p>
+            <a:r>
+              <a:rPr lang="en-US"/>
+              <a:t>The UI is declared based on state</a:t>
+            </a:r>
+          </a:p>
+        </p:txBody>
+      </p:sp>
+    </p:spTree>
+    <p:extLst>
+      <p:ext uri="{BB962C8B-B14F-4D97-AF65-F5344CB8AC3E}">
+        <p14:creationId xmlns:p14="http://schemas.microsoft.com/office/powerpoint/2010/main" val="2021403755"/>
+      </p:ext>
+    </p:extLst>
+  </p:cSld>
+  <p:clrMapOvr>
+    <a:masterClrMapping/>
+  </p:clrMapOvr>
+  <p:transition spd="med">
+    <p:pull/>
+  </p:transition>
+</p:sld>
+</file>
+
+<file path=ppt/slides/slide3.xml><?xml version="1.0" encoding="utf-8"?>
+<p:sld xmlns:a="http://schemas.openxmlformats.org/drawingml/2006/main" xmlns:r="http://schemas.openxmlformats.org/officeDocument/2006/relationships" xmlns:p="http://schemas.openxmlformats.org/presentationml/2006/main">
+  <p:cSld>
+    <p:spTree>
+      <p:nvGrpSpPr>
+        <p:cNvPr id="1" name=""/>
+        <p:cNvGrpSpPr/>
+        <p:nvPr/>
+      </p:nvGrpSpPr>
+      <p:grpSpPr>
+        <a:xfrm>
+          <a:off x="0" y="0"/>
+          <a:ext cx="0" cy="0"/>
+          <a:chOff x="0" y="0"/>
+          <a:chExt cx="0" cy="0"/>
+        </a:xfrm>
+      </p:grpSpPr>
+      <p:sp>
+        <p:nvSpPr>
+          <p:cNvPr id="4" name="Textplatzhalter 3">
+            <a:extLst>
+              <a:ext uri="{FF2B5EF4-FFF2-40B4-BE49-F238E27FC236}">
+                <a16:creationId xmlns:a16="http://schemas.microsoft.com/office/drawing/2014/main" id="{C16004F5-A207-2064-ED88-441E78A46E41}"/>
+              </a:ext>
+            </a:extLst>
+          </p:cNvPr>
+          <p:cNvSpPr>
+            <a:spLocks noGrp="1"/>
+          </p:cNvSpPr>
+          <p:nvPr>
+            <p:ph type="body" sz="half" idx="4294967295"/>
+          </p:nvPr>
+        </p:nvSpPr>
+        <p:spPr/>
+        <p:txBody>
+          <a:bodyPr/>
+          <a:lstStyle/>
+          <a:p>
+            <a:r>
+              <a:rPr lang="en-US"/>
+              <a:t>Compose hierarchies are hosted within activities or fragments</a:t>
+            </a:r>
+          </a:p>
+          <a:p>
+            <a:r>
+              <a:rPr lang="en-US"/>
+              <a:t>Compose can use resources, still not tightly coupled with rest of system</a:t>
+            </a:r>
+          </a:p>
+          <a:p>
+            <a:r>
+              <a:rPr lang="en-US"/>
+              <a:t>Distributed as a set of libraries – not part of the Android platform</a:t>
+            </a:r>
+          </a:p>
+        </p:txBody>
+      </p:sp>
+    </p:spTree>
+    <p:extLst>
+      <p:ext uri="{BB962C8B-B14F-4D97-AF65-F5344CB8AC3E}">
+        <p14:creationId xmlns:p14="http://schemas.microsoft.com/office/powerpoint/2010/main" val="3941362118"/>
+      </p:ext>
+    </p:extLst>
+  </p:cSld>
+  <p:clrMapOvr>
+    <a:masterClrMapping/>
+  </p:clrMapOvr>
+  <p:transition spd="med">
+    <p:pull/>
+  </p:transition>
+</p:sld>
+</file>
+
+<file path=ppt/slides/slide4.xml><?xml version="1.0" encoding="utf-8"?>
+<p:sld xmlns:a="http://schemas.openxmlformats.org/drawingml/2006/main" xmlns:r="http://schemas.openxmlformats.org/officeDocument/2006/relationships" xmlns:p="http://schemas.openxmlformats.org/presentationml/2006/main">
+  <p:cSld>
+    <p:spTree>
+      <p:nvGrpSpPr>
+        <p:cNvPr id="1" name=""/>
+        <p:cNvGrpSpPr/>
+        <p:nvPr/>
+      </p:nvGrpSpPr>
+      <p:grpSpPr>
+        <a:xfrm>
+          <a:off x="0" y="0"/>
+          <a:ext cx="0" cy="0"/>
+          <a:chOff x="0" y="0"/>
+          <a:chExt cx="0" cy="0"/>
+        </a:xfrm>
+      </p:grpSpPr>
+      <p:sp>
+        <p:nvSpPr>
+          <p:cNvPr id="2" name="Textplatzhalter 1">
+            <a:extLst>
+              <a:ext uri="{FF2B5EF4-FFF2-40B4-BE49-F238E27FC236}">
+                <a16:creationId xmlns:a16="http://schemas.microsoft.com/office/drawing/2014/main" id="{EF63ED91-F63F-61CF-6B94-C6A91108AE05}"/>
+              </a:ext>
+            </a:extLst>
+          </p:cNvPr>
+          <p:cNvSpPr>
+            <a:spLocks noGrp="1"/>
+          </p:cNvSpPr>
+          <p:nvPr>
+            <p:ph type="body" sz="half" idx="4294967295"/>
+          </p:nvPr>
+        </p:nvSpPr>
+        <p:spPr/>
+        <p:txBody>
+          <a:bodyPr/>
+          <a:lstStyle/>
+          <a:p>
+            <a:r>
+              <a:rPr lang="en-US" dirty="0"/>
+              <a:t>Wouldn‘t it be cool to re-use Jetpack Compose skills on other platforms?</a:t>
+            </a:r>
+          </a:p>
+          <a:p>
+            <a:r>
+              <a:rPr lang="en-US" dirty="0"/>
+              <a:t>Flutter started as a mobile framework</a:t>
+            </a:r>
+          </a:p>
+          <a:p>
+            <a:r>
+              <a:rPr lang="en-US" dirty="0"/>
+              <a:t>Now embraces the Desktop and the Web, too</a:t>
+            </a:r>
+          </a:p>
+          <a:p>
+            <a:r>
+              <a:rPr lang="en-US" dirty="0"/>
+              <a:t>JetBrains thought it would </a:t>
+            </a:r>
+            <a:r>
+              <a:rPr lang="de-DE" dirty="0"/>
+              <a:t>😎</a:t>
+            </a:r>
+            <a:endParaRPr lang="en-US" dirty="0"/>
+          </a:p>
+        </p:txBody>
+      </p:sp>
+    </p:spTree>
+    <p:extLst>
+      <p:ext uri="{BB962C8B-B14F-4D97-AF65-F5344CB8AC3E}">
+        <p14:creationId xmlns:p14="http://schemas.microsoft.com/office/powerpoint/2010/main" val="4259518782"/>
+      </p:ext>
+    </p:extLst>
+  </p:cSld>
+  <p:clrMapOvr>
+    <a:masterClrMapping/>
+  </p:clrMapOvr>
+  <p:transition spd="med">
+    <p:pull/>
+  </p:transition>
+</p:sld>
+</file>
+
+<file path=ppt/slides/slide5.xml><?xml version="1.0" encoding="utf-8"?>
+<p:sld xmlns:a="http://schemas.openxmlformats.org/drawingml/2006/main" xmlns:r="http://schemas.openxmlformats.org/officeDocument/2006/relationships" xmlns:p="http://schemas.openxmlformats.org/presentationml/2006/main">
+  <p:cSld>
+    <p:spTree>
+      <p:nvGrpSpPr>
+        <p:cNvPr id="1" name=""/>
+        <p:cNvGrpSpPr/>
+        <p:nvPr/>
+      </p:nvGrpSpPr>
+      <p:grpSpPr>
+        <a:xfrm>
+          <a:off x="0" y="0"/>
+          <a:ext cx="0" cy="0"/>
+          <a:chOff x="0" y="0"/>
+          <a:chExt cx="0" cy="0"/>
+        </a:xfrm>
+      </p:grpSpPr>
+      <p:sp>
+        <p:nvSpPr>
+          <p:cNvPr id="2" name="Textplatzhalter 1">
+            <a:extLst>
+              <a:ext uri="{FF2B5EF4-FFF2-40B4-BE49-F238E27FC236}">
+                <a16:creationId xmlns:a16="http://schemas.microsoft.com/office/drawing/2014/main" id="{F9679B97-3C23-B039-1BE8-87A30BF0E20A}"/>
+              </a:ext>
+            </a:extLst>
+          </p:cNvPr>
+          <p:cNvSpPr>
+            <a:spLocks noGrp="1"/>
+          </p:cNvSpPr>
+          <p:nvPr>
+            <p:ph type="body" sz="half" idx="4294967295"/>
+          </p:nvPr>
+        </p:nvSpPr>
+        <p:spPr/>
+        <p:txBody>
+          <a:bodyPr/>
+          <a:lstStyle/>
+          <a:p>
+            <a:r>
+              <a:rPr lang="en-US" b="1"/>
+              <a:t>Compose Multiplatform</a:t>
+            </a:r>
+            <a:r>
+              <a:rPr lang="en-US"/>
+              <a:t>: fast reactive Desktop and Web UI framework</a:t>
+            </a:r>
+          </a:p>
+          <a:p>
+            <a:r>
+              <a:rPr lang="en-US"/>
+              <a:t>Based on Jetpack Compose</a:t>
+            </a:r>
+          </a:p>
+          <a:p>
+            <a:r>
+              <a:rPr lang="en-US"/>
+              <a:t>Based on Kotlin Multiplatform</a:t>
+            </a:r>
+          </a:p>
+        </p:txBody>
+      </p:sp>
+    </p:spTree>
+    <p:extLst>
+      <p:ext uri="{BB962C8B-B14F-4D97-AF65-F5344CB8AC3E}">
+        <p14:creationId xmlns:p14="http://schemas.microsoft.com/office/powerpoint/2010/main" val="2462351485"/>
+      </p:ext>
+    </p:extLst>
+  </p:cSld>
+  <p:clrMapOvr>
+    <a:masterClrMapping/>
+  </p:clrMapOvr>
+  <p:transition spd="med">
+    <p:pull/>
+  </p:transition>
+</p:sld>
+</file>
+
+<file path=ppt/slides/slide6.xml><?xml version="1.0" encoding="utf-8"?>
+<p:sld xmlns:a="http://schemas.openxmlformats.org/drawingml/2006/main" xmlns:r="http://schemas.openxmlformats.org/officeDocument/2006/relationships" xmlns:p="http://schemas.openxmlformats.org/presentationml/2006/main">
+  <p:cSld>
+    <p:spTree>
+      <p:nvGrpSpPr>
+        <p:cNvPr id="1" name=""/>
+        <p:cNvGrpSpPr/>
+        <p:nvPr/>
+      </p:nvGrpSpPr>
+      <p:grpSpPr>
+        <a:xfrm>
+          <a:off x="0" y="0"/>
+          <a:ext cx="0" cy="0"/>
+          <a:chOff x="0" y="0"/>
+          <a:chExt cx="0" cy="0"/>
+        </a:xfrm>
+      </p:grpSpPr>
+      <p:pic>
+        <p:nvPicPr>
+          <p:cNvPr id="3" name="Picture 2" descr="Kotlin Multiplatform">
+            <a:extLst>
+              <a:ext uri="{FF2B5EF4-FFF2-40B4-BE49-F238E27FC236}">
+                <a16:creationId xmlns:a16="http://schemas.microsoft.com/office/drawing/2014/main" id="{0066AA42-7F12-0B98-E9D1-A4D063BACD07}"/>
+              </a:ext>
+            </a:extLst>
+          </p:cNvPr>
+          <p:cNvPicPr>
+            <a:picLocks noChangeAspect="1" noChangeArrowheads="1"/>
+          </p:cNvPicPr>
+          <p:nvPr/>
+        </p:nvPicPr>
+        <p:blipFill rotWithShape="1">
+          <a:blip r:embed="rId2" cstate="screen">
+            <a:extLst>
+              <a:ext uri="{28A0092B-C50C-407E-A947-70E740481C1C}">
+                <a14:useLocalDpi xmlns:a14="http://schemas.microsoft.com/office/drawing/2010/main"/>
+              </a:ext>
+            </a:extLst>
+          </a:blip>
+          <a:srcRect t="5477" b="4003"/>
+          <a:stretch/>
+        </p:blipFill>
+        <p:spPr bwMode="auto">
+          <a:xfrm>
+            <a:off x="12395200" y="1374393"/>
+            <a:ext cx="11988800" cy="10967212"/>
+          </a:xfrm>
+          <a:prstGeom prst="rect">
+            <a:avLst/>
+          </a:prstGeom>
+          <a:noFill/>
+          <a:extLst>
+            <a:ext uri="{909E8E84-426E-40DD-AFC4-6F175D3DCCD1}">
+              <a14:hiddenFill xmlns:a14="http://schemas.microsoft.com/office/drawing/2010/main">
+                <a:solidFill>
+                  <a:srgbClr val="FFFFFF"/>
+                </a:solidFill>
+              </a14:hiddenFill>
+            </a:ext>
+          </a:extLst>
+        </p:spPr>
+      </p:pic>
+      <p:sp>
+        <p:nvSpPr>
+          <p:cNvPr id="2" name="Textplatzhalter 1">
+            <a:extLst>
+              <a:ext uri="{FF2B5EF4-FFF2-40B4-BE49-F238E27FC236}">
+                <a16:creationId xmlns:a16="http://schemas.microsoft.com/office/drawing/2014/main" id="{10FC9CD6-5E9C-A8BE-FC43-AA2998AC5864}"/>
+              </a:ext>
+            </a:extLst>
+          </p:cNvPr>
+          <p:cNvSpPr>
+            <a:spLocks noGrp="1"/>
+          </p:cNvSpPr>
+          <p:nvPr>
+            <p:ph type="body" sz="half" idx="4294967295"/>
+          </p:nvPr>
+        </p:nvSpPr>
+        <p:spPr>
+          <a:xfrm>
+            <a:off x="1021836" y="1463685"/>
+            <a:ext cx="12175181" cy="10788629"/>
+          </a:xfrm>
+        </p:spPr>
+        <p:txBody>
+          <a:bodyPr/>
+          <a:lstStyle/>
+          <a:p>
+            <a:r>
+              <a:rPr lang="en-GB"/>
+              <a:t>Kotlin Multiplatform: Apps for more than one platform</a:t>
+            </a:r>
+          </a:p>
+          <a:p>
+            <a:pPr lvl="1"/>
+            <a:r>
+              <a:rPr lang="en-GB"/>
+              <a:t>Plugin, Gradle integration</a:t>
+            </a:r>
+          </a:p>
+          <a:p>
+            <a:pPr lvl="1"/>
+            <a:r>
+              <a:rPr lang="en-GB"/>
+              <a:t>Project structure</a:t>
+            </a:r>
+          </a:p>
+          <a:p>
+            <a:r>
+              <a:rPr lang="en-GB"/>
+              <a:t>Kotlin/Native: Apps for devices without a virtual machine</a:t>
+            </a:r>
+          </a:p>
+          <a:p>
+            <a:pPr lvl="1"/>
+            <a:r>
+              <a:rPr lang="en-GB"/>
+              <a:t>Target architecture</a:t>
+            </a:r>
+          </a:p>
+          <a:p>
+            <a:pPr lvl="1"/>
+            <a:r>
+              <a:rPr lang="en-GB"/>
+              <a:t>Integration</a:t>
+            </a:r>
+          </a:p>
+        </p:txBody>
+      </p:sp>
+      <p:sp>
+        <p:nvSpPr>
+          <p:cNvPr id="4" name="Textfeld 3">
+            <a:extLst>
+              <a:ext uri="{FF2B5EF4-FFF2-40B4-BE49-F238E27FC236}">
+                <a16:creationId xmlns:a16="http://schemas.microsoft.com/office/drawing/2014/main" id="{0F825C16-3951-36A9-2DD4-9FE25B34C663}"/>
+              </a:ext>
+            </a:extLst>
+          </p:cNvPr>
+          <p:cNvSpPr txBox="1"/>
+          <p:nvPr/>
+        </p:nvSpPr>
+        <p:spPr>
+          <a:xfrm>
+            <a:off x="11988801" y="12230842"/>
+            <a:ext cx="11988800" cy="400110"/>
+          </a:xfrm>
+          <a:prstGeom prst="rect">
+            <a:avLst/>
+          </a:prstGeom>
+          <a:noFill/>
+          <a:ln w="12700" cap="flat">
+            <a:noFill/>
+            <a:miter lim="400000"/>
+          </a:ln>
+          <a:effectLst/>
+          <a:sp3d/>
+        </p:spPr>
+        <p:style>
+          <a:lnRef idx="0">
+            <a:scrgbClr r="0" g="0" b="0"/>
+          </a:lnRef>
+          <a:fillRef idx="0">
+            <a:scrgbClr r="0" g="0" b="0"/>
+          </a:fillRef>
+          <a:effectRef idx="0">
+            <a:scrgbClr r="0" g="0" b="0"/>
+          </a:effectRef>
+          <a:fontRef idx="none"/>
+        </p:style>
+        <p:txBody>
+          <a:bodyPr wrap="square">
+            <a:spAutoFit/>
+          </a:bodyPr>
+          <a:lstStyle/>
+          <a:p>
+            <a:pPr algn="r"/>
+            <a:r>
+              <a:rPr lang="en-GB" sz="2000"/>
+              <a:t>https://</a:t>
+            </a:r>
+            <a:r>
+              <a:rPr lang="en-GB" sz="2000" err="1"/>
+              <a:t>kotlinlang.org</a:t>
+            </a:r>
+            <a:r>
+              <a:rPr lang="en-GB" sz="2000"/>
+              <a:t>/docs/</a:t>
+            </a:r>
+            <a:r>
+              <a:rPr lang="en-GB" sz="2000" err="1"/>
+              <a:t>multiplatform.html#how-kotlin-multiplatform-works</a:t>
+            </a:r>
+            <a:endParaRPr lang="en-GB" sz="2000"/>
+          </a:p>
+        </p:txBody>
+      </p:sp>
+    </p:spTree>
+    <p:extLst>
+      <p:ext uri="{BB962C8B-B14F-4D97-AF65-F5344CB8AC3E}">
+        <p14:creationId xmlns:p14="http://schemas.microsoft.com/office/powerpoint/2010/main" val="1288003666"/>
+      </p:ext>
+    </p:extLst>
+  </p:cSld>
+  <p:clrMapOvr>
+    <a:masterClrMapping/>
+  </p:clrMapOvr>
+  <p:transition spd="med">
+    <p:pull/>
+  </p:transition>
+</p:sld>
+</file>
+
+<file path=ppt/slides/slide7.xml><?xml version="1.0" encoding="utf-8"?>
+<p:sld xmlns:a="http://schemas.openxmlformats.org/drawingml/2006/main" xmlns:r="http://schemas.openxmlformats.org/officeDocument/2006/relationships" xmlns:p="http://schemas.openxmlformats.org/presentationml/2006/main">
+  <p:cSld>
+    <p:spTree>
+      <p:nvGrpSpPr>
+        <p:cNvPr id="1" name=""/>
+        <p:cNvGrpSpPr/>
+        <p:nvPr/>
+      </p:nvGrpSpPr>
+      <p:grpSpPr>
+        <a:xfrm>
+          <a:off x="0" y="0"/>
+          <a:ext cx="0" cy="0"/>
+          <a:chOff x="0" y="0"/>
+          <a:chExt cx="0" cy="0"/>
+        </a:xfrm>
+      </p:grpSpPr>
+      <p:sp>
+        <p:nvSpPr>
+          <p:cNvPr id="4" name="Titel 3">
+            <a:extLst>
+              <a:ext uri="{FF2B5EF4-FFF2-40B4-BE49-F238E27FC236}">
+                <a16:creationId xmlns:a16="http://schemas.microsoft.com/office/drawing/2014/main" id="{D8395AF4-5120-CF4D-6999-10CB7FAE800E}"/>
+              </a:ext>
+            </a:extLst>
+          </p:cNvPr>
+          <p:cNvSpPr>
+            <a:spLocks noGrp="1"/>
+          </p:cNvSpPr>
+          <p:nvPr>
+            <p:ph type="title"/>
+          </p:nvPr>
+        </p:nvSpPr>
+        <p:spPr/>
+        <p:txBody>
+          <a:bodyPr/>
+          <a:lstStyle/>
+          <a:p>
+            <a:r>
+              <a:rPr lang="en-GB" dirty="0"/>
+              <a:t>Kotlin/Native</a:t>
+            </a:r>
+          </a:p>
+        </p:txBody>
+      </p:sp>
+      <p:sp>
+        <p:nvSpPr>
+          <p:cNvPr id="3" name="Textplatzhalter 2">
+            <a:extLst>
+              <a:ext uri="{FF2B5EF4-FFF2-40B4-BE49-F238E27FC236}">
+                <a16:creationId xmlns:a16="http://schemas.microsoft.com/office/drawing/2014/main" id="{0F64DEAD-67EA-DE69-601D-BBF213A734E0}"/>
+              </a:ext>
+            </a:extLst>
+          </p:cNvPr>
+          <p:cNvSpPr>
+            <a:spLocks noGrp="1"/>
+          </p:cNvSpPr>
+          <p:nvPr>
+            <p:ph type="body" sz="half" idx="4294967295"/>
+          </p:nvPr>
+        </p:nvSpPr>
+        <p:spPr/>
+        <p:txBody>
+          <a:bodyPr/>
+          <a:lstStyle/>
+          <a:p>
+            <a:r>
+              <a:rPr lang="en-GB" dirty="0"/>
+              <a:t>Compiles Kotlin into native code</a:t>
+            </a:r>
+          </a:p>
+          <a:p>
+            <a:r>
+              <a:rPr lang="en-GB" dirty="0"/>
+              <a:t>LLVM-based backend for the Kotlin compiler</a:t>
+            </a:r>
+          </a:p>
+          <a:p>
+            <a:r>
+              <a:rPr lang="en-GB" dirty="0"/>
+              <a:t>Provides</a:t>
+            </a:r>
+          </a:p>
+          <a:p>
+            <a:pPr lvl="1"/>
+            <a:r>
+              <a:rPr lang="en-GB" dirty="0"/>
+              <a:t>native implementations of the Kotlin standard libraries</a:t>
+            </a:r>
+          </a:p>
+          <a:p>
+            <a:pPr lvl="1"/>
+            <a:r>
+              <a:rPr lang="en-GB" dirty="0"/>
+              <a:t>interop to the platform</a:t>
+            </a:r>
+          </a:p>
+          <a:p>
+            <a:pPr lvl="1"/>
+            <a:r>
+              <a:rPr lang="en-GB" dirty="0"/>
+              <a:t>bindings for platform-specific libraries</a:t>
+            </a:r>
+          </a:p>
+        </p:txBody>
+      </p:sp>
+    </p:spTree>
+    <p:extLst>
+      <p:ext uri="{BB962C8B-B14F-4D97-AF65-F5344CB8AC3E}">
+        <p14:creationId xmlns:p14="http://schemas.microsoft.com/office/powerpoint/2010/main" val="864821450"/>
+      </p:ext>
+    </p:extLst>
+  </p:cSld>
+  <p:clrMapOvr>
+    <a:masterClrMapping/>
+  </p:clrMapOvr>
+  <p:transition spd="med">
+    <p:pull/>
+  </p:transition>
+</p:sld>
+</file>
+
+<file path=ppt/slides/slide8.xml><?xml version="1.0" encoding="utf-8"?>
+<p:sld xmlns:a="http://schemas.openxmlformats.org/drawingml/2006/main" xmlns:r="http://schemas.openxmlformats.org/officeDocument/2006/relationships" xmlns:p="http://schemas.openxmlformats.org/presentationml/2006/main">
+  <p:cSld>
+    <p:spTree>
+      <p:nvGrpSpPr>
+        <p:cNvPr id="1" name=""/>
+        <p:cNvGrpSpPr/>
+        <p:nvPr/>
+      </p:nvGrpSpPr>
+      <p:grpSpPr>
+        <a:xfrm>
+          <a:off x="0" y="0"/>
+          <a:ext cx="0" cy="0"/>
+          <a:chOff x="0" y="0"/>
+          <a:chExt cx="0" cy="0"/>
+        </a:xfrm>
+      </p:grpSpPr>
+      <p:sp>
+        <p:nvSpPr>
+          <p:cNvPr id="7" name="Textplatzhalter 6">
+            <a:extLst>
+              <a:ext uri="{FF2B5EF4-FFF2-40B4-BE49-F238E27FC236}">
+                <a16:creationId xmlns:a16="http://schemas.microsoft.com/office/drawing/2014/main" id="{984F3EE1-6598-93D5-2A4A-D93DDCA3372D}"/>
+              </a:ext>
+            </a:extLst>
+          </p:cNvPr>
+          <p:cNvSpPr>
+            <a:spLocks noGrp="1"/>
+          </p:cNvSpPr>
+          <p:nvPr>
+            <p:ph type="body" sz="half" idx="4294967295"/>
+          </p:nvPr>
+        </p:nvSpPr>
+        <p:spPr>
+          <a:xfrm>
+            <a:off x="1689100" y="381000"/>
+            <a:ext cx="18153380" cy="12827000"/>
+          </a:xfrm>
+        </p:spPr>
+        <p:txBody>
+          <a:bodyPr/>
+          <a:lstStyle/>
+          <a:p>
+            <a:r>
+              <a:rPr lang="en-GB" dirty="0"/>
+              <a:t>Based on platform and target, Kotlin/Native creates</a:t>
+            </a:r>
+          </a:p>
+          <a:p>
+            <a:pPr lvl="1"/>
+            <a:r>
+              <a:rPr lang="en-GB" dirty="0"/>
+              <a:t>executables</a:t>
+            </a:r>
+          </a:p>
+          <a:p>
+            <a:pPr lvl="1"/>
+            <a:r>
+              <a:rPr lang="en-GB" dirty="0"/>
+              <a:t>static or dynamic libraries with headers for C and C++ projects</a:t>
+            </a:r>
+          </a:p>
+          <a:p>
+            <a:pPr lvl="1"/>
+            <a:r>
+              <a:rPr lang="en-GB" dirty="0"/>
+              <a:t>Apple frameworks for Objective-C and Swift projects</a:t>
+            </a:r>
+          </a:p>
+          <a:p>
+            <a:r>
+              <a:rPr lang="en-GB" dirty="0"/>
+              <a:t>Kotlin code can consume</a:t>
+            </a:r>
+          </a:p>
+          <a:p>
+            <a:pPr lvl="1"/>
+            <a:r>
+              <a:rPr lang="en-GB" dirty="0"/>
+              <a:t>existing static or dynamic C libraries</a:t>
+            </a:r>
+          </a:p>
+          <a:p>
+            <a:pPr lvl="1"/>
+            <a:r>
+              <a:rPr lang="en-GB" dirty="0"/>
+              <a:t>Swift and Objective-C frameworks</a:t>
+            </a:r>
+          </a:p>
+        </p:txBody>
+      </p:sp>
+    </p:spTree>
+    <p:extLst>
+      <p:ext uri="{BB962C8B-B14F-4D97-AF65-F5344CB8AC3E}">
+        <p14:creationId xmlns:p14="http://schemas.microsoft.com/office/powerpoint/2010/main" val="2321757936"/>
+      </p:ext>
+    </p:extLst>
+  </p:cSld>
+  <p:clrMapOvr>
+    <a:masterClrMapping/>
+  </p:clrMapOvr>
+  <p:transition spd="med">
+    <p:pull/>
+  </p:transition>
+</p:sld>
+</file>
+
+<file path=ppt/slides/slide9.xml><?xml version="1.0" encoding="utf-8"?>
+<p:sld xmlns:a="http://schemas.openxmlformats.org/drawingml/2006/main" xmlns:r="http://schemas.openxmlformats.org/officeDocument/2006/relationships" xmlns:p="http://schemas.openxmlformats.org/presentationml/2006/main">
+  <p:cSld>
+    <p:spTree>
+      <p:nvGrpSpPr>
+        <p:cNvPr id="1" name=""/>
+        <p:cNvGrpSpPr/>
+        <p:nvPr/>
+      </p:nvGrpSpPr>
+      <p:grpSpPr>
+        <a:xfrm>
+          <a:off x="0" y="0"/>
+          <a:ext cx="0" cy="0"/>
+          <a:chOff x="0" y="0"/>
+          <a:chExt cx="0" cy="0"/>
+        </a:xfrm>
+      </p:grpSpPr>
+      <p:sp>
+        <p:nvSpPr>
+          <p:cNvPr id="3" name="Textplatzhalter 2">
+            <a:extLst>
+              <a:ext uri="{FF2B5EF4-FFF2-40B4-BE49-F238E27FC236}">
+                <a16:creationId xmlns:a16="http://schemas.microsoft.com/office/drawing/2014/main" id="{B47EC360-56E0-F9FF-C1C5-191E9370BCF0}"/>
+              </a:ext>
+            </a:extLst>
+          </p:cNvPr>
+          <p:cNvSpPr>
+            <a:spLocks noGrp="1"/>
+          </p:cNvSpPr>
+          <p:nvPr>
+            <p:ph type="body" sz="half" idx="4294967295"/>
+          </p:nvPr>
+        </p:nvSpPr>
+        <p:spPr/>
+        <p:txBody>
+          <a:bodyPr/>
+          <a:lstStyle/>
+          <a:p>
+            <a:r>
+              <a:rPr lang="en-GB" dirty="0"/>
+              <a:t>Projects are structured using </a:t>
+            </a:r>
+            <a:r>
+              <a:rPr lang="en-GB" b="1" dirty="0"/>
+              <a:t>source sets</a:t>
+            </a:r>
+          </a:p>
+          <a:p>
+            <a:r>
+              <a:rPr lang="en-GB" dirty="0"/>
+              <a:t>Typically two branches</a:t>
+            </a:r>
+          </a:p>
+          <a:p>
+            <a:pPr lvl="1"/>
+            <a:r>
+              <a:rPr lang="en-GB" b="1" dirty="0"/>
+              <a:t>main</a:t>
+            </a:r>
+            <a:r>
+              <a:rPr lang="en-GB" dirty="0"/>
+              <a:t> for the code</a:t>
+            </a:r>
+          </a:p>
+          <a:p>
+            <a:pPr lvl="1"/>
+            <a:r>
+              <a:rPr lang="en-GB" b="1" dirty="0"/>
+              <a:t>test</a:t>
+            </a:r>
+            <a:r>
+              <a:rPr lang="en-GB" dirty="0"/>
+              <a:t> for unit tests</a:t>
+            </a:r>
+          </a:p>
+        </p:txBody>
+      </p:sp>
+    </p:spTree>
+    <p:extLst>
+      <p:ext uri="{BB962C8B-B14F-4D97-AF65-F5344CB8AC3E}">
+        <p14:creationId xmlns:p14="http://schemas.microsoft.com/office/powerpoint/2010/main" val="1297990573"/>
+      </p:ext>
+    </p:extLst>
   </p:cSld>
   <p:clrMapOvr>
     <a:masterClrMapping/>

--- a/slides/06_Beyond Android.pptx
+++ b/slides/06_Beyond Android.pptx
@@ -5,23 +5,27 @@
     <p:sldMasterId id="2147483648" r:id="rId1"/>
   </p:sldMasterIdLst>
   <p:notesMasterIdLst>
-    <p:notesMasterId r:id="rId16"/>
+    <p:notesMasterId r:id="rId20"/>
   </p:notesMasterIdLst>
   <p:sldIdLst>
     <p:sldId id="256" r:id="rId2"/>
     <p:sldId id="292" r:id="rId3"/>
     <p:sldId id="293" r:id="rId4"/>
     <p:sldId id="294" r:id="rId5"/>
-    <p:sldId id="295" r:id="rId6"/>
-    <p:sldId id="306" r:id="rId7"/>
-    <p:sldId id="304" r:id="rId8"/>
-    <p:sldId id="303" r:id="rId9"/>
-    <p:sldId id="301" r:id="rId10"/>
-    <p:sldId id="300" r:id="rId11"/>
-    <p:sldId id="299" r:id="rId12"/>
-    <p:sldId id="307" r:id="rId13"/>
-    <p:sldId id="298" r:id="rId14"/>
-    <p:sldId id="291" r:id="rId15"/>
+    <p:sldId id="309" r:id="rId6"/>
+    <p:sldId id="311" r:id="rId7"/>
+    <p:sldId id="295" r:id="rId8"/>
+    <p:sldId id="269" r:id="rId9"/>
+    <p:sldId id="306" r:id="rId10"/>
+    <p:sldId id="304" r:id="rId11"/>
+    <p:sldId id="303" r:id="rId12"/>
+    <p:sldId id="310" r:id="rId13"/>
+    <p:sldId id="301" r:id="rId14"/>
+    <p:sldId id="300" r:id="rId15"/>
+    <p:sldId id="299" r:id="rId16"/>
+    <p:sldId id="307" r:id="rId17"/>
+    <p:sldId id="312" r:id="rId18"/>
+    <p:sldId id="291" r:id="rId19"/>
   </p:sldIdLst>
   <p:sldSz cx="24384000" cy="13716000"/>
   <p:notesSz cx="6858000" cy="9144000"/>
@@ -1003,7 +1007,7 @@
           </a:ln>
           <a:extLst>
             <a:ext uri="{C572A759-6A51-4108-AA02-DFA0A04FC94B}">
-              <ma14:wrappingTextBoxFlag xmlns="" xmlns:m="http://schemas.openxmlformats.org/officeDocument/2006/math" xmlns:a14="http://schemas.microsoft.com/office/drawing/2010/main" xmlns:ma14="http://schemas.microsoft.com/office/mac/drawingml/2011/main" val="1"/>
+              <ma14:wrappingTextBoxFlag xmlns:ma14="http://schemas.microsoft.com/office/mac/drawingml/2011/main" xmlns:a14="http://schemas.microsoft.com/office/drawing/2010/main" xmlns:m="http://schemas.openxmlformats.org/officeDocument/2006/math" xmlns="" val="1"/>
             </a:ext>
           </a:extLst>
         </p:spPr>
@@ -1044,7 +1048,7 @@
           </a:ln>
           <a:extLst>
             <a:ext uri="{C572A759-6A51-4108-AA02-DFA0A04FC94B}">
-              <ma14:wrappingTextBoxFlag xmlns="" xmlns:m="http://schemas.openxmlformats.org/officeDocument/2006/math" xmlns:a14="http://schemas.microsoft.com/office/drawing/2010/main" xmlns:ma14="http://schemas.microsoft.com/office/mac/drawingml/2011/main" val="1"/>
+              <ma14:wrappingTextBoxFlag xmlns:ma14="http://schemas.microsoft.com/office/mac/drawingml/2011/main" xmlns:a14="http://schemas.microsoft.com/office/drawing/2010/main" xmlns:m="http://schemas.openxmlformats.org/officeDocument/2006/math" xmlns="" val="1"/>
             </a:ext>
           </a:extLst>
         </p:spPr>
@@ -1995,7 +1999,7 @@
           </a:ln>
           <a:extLst>
             <a:ext uri="{C572A759-6A51-4108-AA02-DFA0A04FC94B}">
-              <ma14:wrappingTextBoxFlag xmlns="" xmlns:m="http://schemas.openxmlformats.org/officeDocument/2006/math" xmlns:a14="http://schemas.microsoft.com/office/drawing/2010/main" xmlns:ma14="http://schemas.microsoft.com/office/mac/drawingml/2011/main" val="1"/>
+              <ma14:wrappingTextBoxFlag xmlns:ma14="http://schemas.microsoft.com/office/mac/drawingml/2011/main" xmlns:a14="http://schemas.microsoft.com/office/drawing/2010/main" xmlns:m="http://schemas.openxmlformats.org/officeDocument/2006/math" xmlns="" val="1"/>
             </a:ext>
           </a:extLst>
         </p:spPr>
@@ -2087,6 +2091,423 @@
 </file>
 
 <file path=ppt/slides/slide10.xml><?xml version="1.0" encoding="utf-8"?>
+<p:sld xmlns:a="http://schemas.openxmlformats.org/drawingml/2006/main" xmlns:r="http://schemas.openxmlformats.org/officeDocument/2006/relationships" xmlns:p="http://schemas.openxmlformats.org/presentationml/2006/main">
+  <p:cSld>
+    <p:spTree>
+      <p:nvGrpSpPr>
+        <p:cNvPr id="1" name=""/>
+        <p:cNvGrpSpPr/>
+        <p:nvPr/>
+      </p:nvGrpSpPr>
+      <p:grpSpPr>
+        <a:xfrm>
+          <a:off x="0" y="0"/>
+          <a:ext cx="0" cy="0"/>
+          <a:chOff x="0" y="0"/>
+          <a:chExt cx="0" cy="0"/>
+        </a:xfrm>
+      </p:grpSpPr>
+      <p:sp>
+        <p:nvSpPr>
+          <p:cNvPr id="4" name="Titel 3">
+            <a:extLst>
+              <a:ext uri="{FF2B5EF4-FFF2-40B4-BE49-F238E27FC236}">
+                <a16:creationId xmlns:a16="http://schemas.microsoft.com/office/drawing/2014/main" id="{D8395AF4-5120-CF4D-6999-10CB7FAE800E}"/>
+              </a:ext>
+            </a:extLst>
+          </p:cNvPr>
+          <p:cNvSpPr>
+            <a:spLocks noGrp="1"/>
+          </p:cNvSpPr>
+          <p:nvPr>
+            <p:ph type="title"/>
+          </p:nvPr>
+        </p:nvSpPr>
+        <p:spPr/>
+        <p:txBody>
+          <a:bodyPr/>
+          <a:lstStyle/>
+          <a:p>
+            <a:r>
+              <a:rPr lang="en-GB" dirty="0"/>
+              <a:t>Kotlin/Native</a:t>
+            </a:r>
+          </a:p>
+        </p:txBody>
+      </p:sp>
+      <p:sp>
+        <p:nvSpPr>
+          <p:cNvPr id="3" name="Textplatzhalter 2">
+            <a:extLst>
+              <a:ext uri="{FF2B5EF4-FFF2-40B4-BE49-F238E27FC236}">
+                <a16:creationId xmlns:a16="http://schemas.microsoft.com/office/drawing/2014/main" id="{0F64DEAD-67EA-DE69-601D-BBF213A734E0}"/>
+              </a:ext>
+            </a:extLst>
+          </p:cNvPr>
+          <p:cNvSpPr>
+            <a:spLocks noGrp="1"/>
+          </p:cNvSpPr>
+          <p:nvPr>
+            <p:ph type="body" sz="half" idx="4294967295"/>
+          </p:nvPr>
+        </p:nvSpPr>
+        <p:spPr/>
+        <p:txBody>
+          <a:bodyPr/>
+          <a:lstStyle/>
+          <a:p>
+            <a:r>
+              <a:rPr lang="en-GB" dirty="0"/>
+              <a:t>Compiles Kotlin into native code</a:t>
+            </a:r>
+          </a:p>
+          <a:p>
+            <a:r>
+              <a:rPr lang="en-GB" dirty="0"/>
+              <a:t>LLVM-based backend for the Kotlin compiler</a:t>
+            </a:r>
+          </a:p>
+          <a:p>
+            <a:r>
+              <a:rPr lang="en-GB" dirty="0"/>
+              <a:t>Provides</a:t>
+            </a:r>
+          </a:p>
+          <a:p>
+            <a:pPr lvl="1"/>
+            <a:r>
+              <a:rPr lang="en-GB" dirty="0"/>
+              <a:t>native implementations of the Kotlin standard libraries</a:t>
+            </a:r>
+          </a:p>
+          <a:p>
+            <a:pPr lvl="1"/>
+            <a:r>
+              <a:rPr lang="en-GB" dirty="0"/>
+              <a:t>interop to the platform</a:t>
+            </a:r>
+          </a:p>
+          <a:p>
+            <a:pPr lvl="1"/>
+            <a:r>
+              <a:rPr lang="en-GB" dirty="0"/>
+              <a:t>bindings for platform-specific libraries</a:t>
+            </a:r>
+          </a:p>
+        </p:txBody>
+      </p:sp>
+    </p:spTree>
+    <p:extLst>
+      <p:ext uri="{BB962C8B-B14F-4D97-AF65-F5344CB8AC3E}">
+        <p14:creationId xmlns:p14="http://schemas.microsoft.com/office/powerpoint/2010/main" val="864821450"/>
+      </p:ext>
+    </p:extLst>
+  </p:cSld>
+  <p:clrMapOvr>
+    <a:masterClrMapping/>
+  </p:clrMapOvr>
+  <p:transition spd="med">
+    <p:pull/>
+  </p:transition>
+</p:sld>
+</file>
+
+<file path=ppt/slides/slide11.xml><?xml version="1.0" encoding="utf-8"?>
+<p:sld xmlns:a="http://schemas.openxmlformats.org/drawingml/2006/main" xmlns:r="http://schemas.openxmlformats.org/officeDocument/2006/relationships" xmlns:p="http://schemas.openxmlformats.org/presentationml/2006/main">
+  <p:cSld>
+    <p:spTree>
+      <p:nvGrpSpPr>
+        <p:cNvPr id="1" name=""/>
+        <p:cNvGrpSpPr/>
+        <p:nvPr/>
+      </p:nvGrpSpPr>
+      <p:grpSpPr>
+        <a:xfrm>
+          <a:off x="0" y="0"/>
+          <a:ext cx="0" cy="0"/>
+          <a:chOff x="0" y="0"/>
+          <a:chExt cx="0" cy="0"/>
+        </a:xfrm>
+      </p:grpSpPr>
+      <p:sp>
+        <p:nvSpPr>
+          <p:cNvPr id="7" name="Textplatzhalter 6">
+            <a:extLst>
+              <a:ext uri="{FF2B5EF4-FFF2-40B4-BE49-F238E27FC236}">
+                <a16:creationId xmlns:a16="http://schemas.microsoft.com/office/drawing/2014/main" id="{984F3EE1-6598-93D5-2A4A-D93DDCA3372D}"/>
+              </a:ext>
+            </a:extLst>
+          </p:cNvPr>
+          <p:cNvSpPr>
+            <a:spLocks noGrp="1"/>
+          </p:cNvSpPr>
+          <p:nvPr>
+            <p:ph type="body" sz="half" idx="4294967295"/>
+          </p:nvPr>
+        </p:nvSpPr>
+        <p:spPr>
+          <a:xfrm>
+            <a:off x="1689100" y="381000"/>
+            <a:ext cx="18153380" cy="12827000"/>
+          </a:xfrm>
+        </p:spPr>
+        <p:txBody>
+          <a:bodyPr/>
+          <a:lstStyle/>
+          <a:p>
+            <a:r>
+              <a:rPr lang="en-GB" dirty="0"/>
+              <a:t>Based on platform and target, Kotlin/Native creates</a:t>
+            </a:r>
+          </a:p>
+          <a:p>
+            <a:pPr lvl="1"/>
+            <a:r>
+              <a:rPr lang="en-GB" dirty="0"/>
+              <a:t>executables</a:t>
+            </a:r>
+          </a:p>
+          <a:p>
+            <a:pPr lvl="1"/>
+            <a:r>
+              <a:rPr lang="en-GB" dirty="0"/>
+              <a:t>static or dynamic libraries with headers for C and C++ projects</a:t>
+            </a:r>
+          </a:p>
+          <a:p>
+            <a:pPr lvl="1"/>
+            <a:r>
+              <a:rPr lang="en-GB" dirty="0"/>
+              <a:t>Apple frameworks for Objective-C and Swift projects</a:t>
+            </a:r>
+          </a:p>
+          <a:p>
+            <a:r>
+              <a:rPr lang="en-GB" dirty="0"/>
+              <a:t>Kotlin code can consume</a:t>
+            </a:r>
+          </a:p>
+          <a:p>
+            <a:pPr lvl="1"/>
+            <a:r>
+              <a:rPr lang="en-GB" dirty="0"/>
+              <a:t>existing static or dynamic C libraries</a:t>
+            </a:r>
+          </a:p>
+          <a:p>
+            <a:pPr lvl="1"/>
+            <a:r>
+              <a:rPr lang="en-GB" dirty="0"/>
+              <a:t>Swift and Objective-C frameworks</a:t>
+            </a:r>
+          </a:p>
+        </p:txBody>
+      </p:sp>
+    </p:spTree>
+    <p:extLst>
+      <p:ext uri="{BB962C8B-B14F-4D97-AF65-F5344CB8AC3E}">
+        <p14:creationId xmlns:p14="http://schemas.microsoft.com/office/powerpoint/2010/main" val="2321757936"/>
+      </p:ext>
+    </p:extLst>
+  </p:cSld>
+  <p:clrMapOvr>
+    <a:masterClrMapping/>
+  </p:clrMapOvr>
+  <p:transition spd="med">
+    <p:pull/>
+  </p:transition>
+</p:sld>
+</file>
+
+<file path=ppt/slides/slide12.xml><?xml version="1.0" encoding="utf-8"?>
+<p:sld xmlns:a="http://schemas.openxmlformats.org/drawingml/2006/main" xmlns:r="http://schemas.openxmlformats.org/officeDocument/2006/relationships" xmlns:p="http://schemas.openxmlformats.org/presentationml/2006/main">
+  <p:cSld>
+    <p:spTree>
+      <p:nvGrpSpPr>
+        <p:cNvPr id="1" name=""/>
+        <p:cNvGrpSpPr/>
+        <p:nvPr/>
+      </p:nvGrpSpPr>
+      <p:grpSpPr>
+        <a:xfrm>
+          <a:off x="0" y="0"/>
+          <a:ext cx="0" cy="0"/>
+          <a:chOff x="0" y="0"/>
+          <a:chExt cx="0" cy="0"/>
+        </a:xfrm>
+      </p:grpSpPr>
+      <p:sp>
+        <p:nvSpPr>
+          <p:cNvPr id="2" name="Textplatzhalter 1">
+            <a:extLst>
+              <a:ext uri="{FF2B5EF4-FFF2-40B4-BE49-F238E27FC236}">
+                <a16:creationId xmlns:a16="http://schemas.microsoft.com/office/drawing/2014/main" id="{64B7BD04-8D00-5E99-E96F-E76677388A61}"/>
+              </a:ext>
+            </a:extLst>
+          </p:cNvPr>
+          <p:cNvSpPr>
+            <a:spLocks noGrp="1"/>
+          </p:cNvSpPr>
+          <p:nvPr>
+            <p:ph type="body" sz="half" idx="4294967295"/>
+          </p:nvPr>
+        </p:nvSpPr>
+        <p:spPr/>
+        <p:txBody>
+          <a:bodyPr/>
+          <a:lstStyle/>
+          <a:p>
+            <a:r>
+              <a:rPr lang="en-GB" dirty="0"/>
+              <a:t>Not important for Compose for Desktop (based on the JVM)</a:t>
+            </a:r>
+          </a:p>
+          <a:p>
+            <a:r>
+              <a:rPr lang="en-GB" dirty="0"/>
+              <a:t>Will be when Compose for iOS arrives</a:t>
+            </a:r>
+          </a:p>
+        </p:txBody>
+      </p:sp>
+    </p:spTree>
+    <p:extLst>
+      <p:ext uri="{BB962C8B-B14F-4D97-AF65-F5344CB8AC3E}">
+        <p14:creationId xmlns:p14="http://schemas.microsoft.com/office/powerpoint/2010/main" val="463140000"/>
+      </p:ext>
+    </p:extLst>
+  </p:cSld>
+  <p:clrMapOvr>
+    <a:masterClrMapping/>
+  </p:clrMapOvr>
+  <p:transition spd="med">
+    <p:pull/>
+  </p:transition>
+</p:sld>
+</file>
+
+<file path=ppt/slides/slide13.xml><?xml version="1.0" encoding="utf-8"?>
+<p:sld xmlns:a="http://schemas.openxmlformats.org/drawingml/2006/main" xmlns:r="http://schemas.openxmlformats.org/officeDocument/2006/relationships" xmlns:p="http://schemas.openxmlformats.org/presentationml/2006/main">
+  <p:cSld>
+    <p:spTree>
+      <p:nvGrpSpPr>
+        <p:cNvPr id="1" name=""/>
+        <p:cNvGrpSpPr/>
+        <p:nvPr/>
+      </p:nvGrpSpPr>
+      <p:grpSpPr>
+        <a:xfrm>
+          <a:off x="0" y="0"/>
+          <a:ext cx="0" cy="0"/>
+          <a:chOff x="0" y="0"/>
+          <a:chExt cx="0" cy="0"/>
+        </a:xfrm>
+      </p:grpSpPr>
+      <p:sp>
+        <p:nvSpPr>
+          <p:cNvPr id="2" name="Titel 1">
+            <a:extLst>
+              <a:ext uri="{FF2B5EF4-FFF2-40B4-BE49-F238E27FC236}">
+                <a16:creationId xmlns:a16="http://schemas.microsoft.com/office/drawing/2014/main" id="{B9642032-810F-0F2D-9FEB-9BA0F5E1E1EE}"/>
+              </a:ext>
+            </a:extLst>
+          </p:cNvPr>
+          <p:cNvSpPr>
+            <a:spLocks noGrp="1"/>
+          </p:cNvSpPr>
+          <p:nvPr>
+            <p:ph type="title"/>
+          </p:nvPr>
+        </p:nvSpPr>
+        <p:spPr/>
+        <p:txBody>
+          <a:bodyPr/>
+          <a:lstStyle/>
+          <a:p>
+            <a:r>
+              <a:rPr lang="en-GB" dirty="0"/>
+              <a:t>Tooling-related terms</a:t>
+            </a:r>
+          </a:p>
+        </p:txBody>
+      </p:sp>
+      <p:sp>
+        <p:nvSpPr>
+          <p:cNvPr id="3" name="Textplatzhalter 2">
+            <a:extLst>
+              <a:ext uri="{FF2B5EF4-FFF2-40B4-BE49-F238E27FC236}">
+                <a16:creationId xmlns:a16="http://schemas.microsoft.com/office/drawing/2014/main" id="{B47EC360-56E0-F9FF-C1C5-191E9370BCF0}"/>
+              </a:ext>
+            </a:extLst>
+          </p:cNvPr>
+          <p:cNvSpPr>
+            <a:spLocks noGrp="1"/>
+          </p:cNvSpPr>
+          <p:nvPr>
+            <p:ph type="body" sz="half" idx="4294967295"/>
+          </p:nvPr>
+        </p:nvSpPr>
+        <p:spPr/>
+        <p:txBody>
+          <a:bodyPr/>
+          <a:lstStyle/>
+          <a:p>
+            <a:r>
+              <a:rPr lang="en-GB" dirty="0"/>
+              <a:t>Projects are structured using </a:t>
+            </a:r>
+            <a:r>
+              <a:rPr lang="en-GB" b="1" dirty="0"/>
+              <a:t>source sets</a:t>
+            </a:r>
+          </a:p>
+          <a:p>
+            <a:r>
+              <a:rPr lang="en-GB" dirty="0"/>
+              <a:t>Typically two branches</a:t>
+            </a:r>
+          </a:p>
+          <a:p>
+            <a:pPr lvl="1"/>
+            <a:r>
+              <a:rPr lang="en-GB" b="1" dirty="0"/>
+              <a:t>main</a:t>
+            </a:r>
+            <a:r>
+              <a:rPr lang="en-GB" dirty="0"/>
+              <a:t> for the code</a:t>
+            </a:r>
+          </a:p>
+          <a:p>
+            <a:pPr lvl="1"/>
+            <a:r>
+              <a:rPr lang="en-GB" b="1" dirty="0"/>
+              <a:t>test</a:t>
+            </a:r>
+            <a:r>
+              <a:rPr lang="en-GB" dirty="0"/>
+              <a:t> for unit tests</a:t>
+            </a:r>
+          </a:p>
+        </p:txBody>
+      </p:sp>
+    </p:spTree>
+    <p:extLst>
+      <p:ext uri="{BB962C8B-B14F-4D97-AF65-F5344CB8AC3E}">
+        <p14:creationId xmlns:p14="http://schemas.microsoft.com/office/powerpoint/2010/main" val="1297990573"/>
+      </p:ext>
+    </p:extLst>
+  </p:cSld>
+  <p:clrMapOvr>
+    <a:masterClrMapping/>
+  </p:clrMapOvr>
+  <p:transition spd="med">
+    <p:pull/>
+  </p:transition>
+</p:sld>
+</file>
+
+<file path=ppt/slides/slide14.xml><?xml version="1.0" encoding="utf-8"?>
 <p:sld xmlns:a="http://schemas.openxmlformats.org/drawingml/2006/main" xmlns:r="http://schemas.openxmlformats.org/officeDocument/2006/relationships" xmlns:p="http://schemas.openxmlformats.org/presentationml/2006/main">
   <p:cSld>
     <p:spTree>
@@ -2187,7 +2608,7 @@
 </p:sld>
 </file>
 
-<file path=ppt/slides/slide11.xml><?xml version="1.0" encoding="utf-8"?>
+<file path=ppt/slides/slide15.xml><?xml version="1.0" encoding="utf-8"?>
 <p:sld xmlns:a="http://schemas.openxmlformats.org/drawingml/2006/main" xmlns:r="http://schemas.openxmlformats.org/officeDocument/2006/relationships" xmlns:p="http://schemas.openxmlformats.org/presentationml/2006/main">
   <p:cSld>
     <p:spTree>
@@ -2294,7 +2715,7 @@
 </p:sld>
 </file>
 
-<file path=ppt/slides/slide12.xml><?xml version="1.0" encoding="utf-8"?>
+<file path=ppt/slides/slide16.xml><?xml version="1.0" encoding="utf-8"?>
 <p:sld xmlns:a="http://schemas.openxmlformats.org/drawingml/2006/main" xmlns:r="http://schemas.openxmlformats.org/officeDocument/2006/relationships" xmlns:p="http://schemas.openxmlformats.org/presentationml/2006/main">
   <p:cSld>
     <p:spTree>
@@ -2334,7 +2755,7 @@
           <a:p>
             <a:r>
               <a:rPr lang="en-GB" dirty="0"/>
-              <a:t>Targeting multiple platforms</a:t>
+              <a:t>Target multiple platforms</a:t>
             </a:r>
           </a:p>
         </p:txBody>
@@ -2362,13 +2783,59 @@
           <a:p>
             <a:r>
               <a:rPr lang="en-GB" dirty="0"/>
-              <a:t>Try to re-use code across platforms</a:t>
+              <a:t>Re-use code across platforms</a:t>
             </a:r>
           </a:p>
           <a:p>
             <a:r>
               <a:rPr lang="en-GB" dirty="0"/>
-              <a:t>Only implement platform-specific features as platform-specific  code</a:t>
+              <a:t>Implement platform-specific features as platform-specific code</a:t>
+            </a:r>
+          </a:p>
+          <a:p>
+            <a:r>
+              <a:rPr lang="en-GB" dirty="0"/>
+              <a:t>Common (shared) code is in </a:t>
+            </a:r>
+            <a:r>
+              <a:rPr lang="en-GB" b="1" dirty="0" err="1"/>
+              <a:t>kotlinMain</a:t>
+            </a:r>
+            <a:endParaRPr lang="en-GB" b="1" dirty="0"/>
+          </a:p>
+          <a:p>
+            <a:r>
+              <a:rPr lang="en-GB" dirty="0"/>
+              <a:t>Platform specific code is in </a:t>
+            </a:r>
+            <a:r>
+              <a:rPr lang="en-GB" b="1" dirty="0" err="1"/>
+              <a:t>xyzMain</a:t>
+            </a:r>
+            <a:endParaRPr lang="en-GB" b="1" dirty="0"/>
+          </a:p>
+          <a:p>
+            <a:r>
+              <a:rPr lang="en-GB" dirty="0"/>
+              <a:t>Kotlin supports implementing for more than one platform with </a:t>
+            </a:r>
+            <a:r>
+              <a:rPr lang="en-GB" dirty="0">
+                <a:latin typeface="Courier New" panose="02070309020205020404" pitchFamily="49" charset="0"/>
+                <a:cs typeface="Courier New" panose="02070309020205020404" pitchFamily="49" charset="0"/>
+              </a:rPr>
+              <a:t>expect</a:t>
+            </a:r>
+            <a:r>
+              <a:rPr lang="en-GB" dirty="0"/>
+              <a:t> and </a:t>
+            </a:r>
+            <a:r>
+              <a:rPr lang="en-GB" dirty="0">
+                <a:latin typeface="Courier New" panose="02070309020205020404" pitchFamily="49" charset="0"/>
+                <a:cs typeface="Courier New" panose="02070309020205020404" pitchFamily="49" charset="0"/>
+              </a:rPr>
+              <a:t>actual</a:t>
             </a:r>
           </a:p>
         </p:txBody>
@@ -2389,7 +2856,7 @@
 </p:sld>
 </file>
 
-<file path=ppt/slides/slide13.xml><?xml version="1.0" encoding="utf-8"?>
+<file path=ppt/slides/slide17.xml><?xml version="1.0" encoding="utf-8"?>
 <p:sld xmlns:a="http://schemas.openxmlformats.org/drawingml/2006/main" xmlns:r="http://schemas.openxmlformats.org/officeDocument/2006/relationships" xmlns:p="http://schemas.openxmlformats.org/presentationml/2006/main">
   <p:cSld>
     <p:spTree>
@@ -2406,78 +2873,205 @@
           <a:chExt cx="0" cy="0"/>
         </a:xfrm>
       </p:grpSpPr>
-      <p:sp>
-        <p:nvSpPr>
-          <p:cNvPr id="3" name="Textplatzhalter 2">
+      <p:pic>
+        <p:nvPicPr>
+          <p:cNvPr id="3074" name="Picture 2" descr="brown bread on clear glass display counter">
             <a:extLst>
               <a:ext uri="{FF2B5EF4-FFF2-40B4-BE49-F238E27FC236}">
-                <a16:creationId xmlns:a16="http://schemas.microsoft.com/office/drawing/2014/main" id="{A7B53F17-5451-B1AB-E249-273F0033CED9}"/>
+                <a16:creationId xmlns:a16="http://schemas.microsoft.com/office/drawing/2014/main" id="{A35D36DC-13BF-19DD-E056-C3AEA80371A4}"/>
               </a:ext>
             </a:extLst>
           </p:cNvPr>
-          <p:cNvSpPr>
-            <a:spLocks noGrp="1"/>
-          </p:cNvSpPr>
-          <p:nvPr>
-            <p:ph type="body" sz="half" idx="4294967295"/>
-          </p:nvPr>
+          <p:cNvPicPr>
+            <a:picLocks noChangeAspect="1" noChangeArrowheads="1"/>
+          </p:cNvPicPr>
+          <p:nvPr/>
+        </p:nvPicPr>
+        <p:blipFill rotWithShape="1">
+          <a:blip r:embed="rId2" cstate="screen">
+            <a:extLst>
+              <a:ext uri="{28A0092B-C50C-407E-A947-70E740481C1C}">
+                <a14:useLocalDpi xmlns:a14="http://schemas.microsoft.com/office/drawing/2010/main"/>
+              </a:ext>
+            </a:extLst>
+          </a:blip>
+          <a:srcRect/>
+          <a:stretch/>
+        </p:blipFill>
+        <p:spPr bwMode="auto">
+          <a:xfrm>
+            <a:off x="0" y="0"/>
+            <a:ext cx="24581224" cy="13716000"/>
+          </a:xfrm>
+          <a:prstGeom prst="rect">
+            <a:avLst/>
+          </a:prstGeom>
+          <a:noFill/>
+          <a:extLst>
+            <a:ext uri="{909E8E84-426E-40DD-AFC4-6F175D3DCCD1}">
+              <a14:hiddenFill xmlns:a14="http://schemas.microsoft.com/office/drawing/2010/main">
+                <a:solidFill>
+                  <a:srgbClr val="FFFFFF"/>
+                </a:solidFill>
+              </a14:hiddenFill>
+            </a:ext>
+          </a:extLst>
+        </p:spPr>
+      </p:pic>
+      <p:sp>
+        <p:nvSpPr>
+          <p:cNvPr id="4" name="Textfeld 3">
+            <a:extLst>
+              <a:ext uri="{FF2B5EF4-FFF2-40B4-BE49-F238E27FC236}">
+                <a16:creationId xmlns:a16="http://schemas.microsoft.com/office/drawing/2014/main" id="{2391E337-6156-AC79-C285-CA4AA4BD7173}"/>
+              </a:ext>
+            </a:extLst>
+          </p:cNvPr>
+          <p:cNvSpPr txBox="1"/>
+          <p:nvPr/>
         </p:nvSpPr>
-        <p:spPr/>
+        <p:spPr>
+          <a:xfrm>
+            <a:off x="1479174" y="1038839"/>
+            <a:ext cx="4114802" cy="1579920"/>
+          </a:xfrm>
+          <a:prstGeom prst="rect">
+            <a:avLst/>
+          </a:prstGeom>
+          <a:noFill/>
+          <a:ln w="12700" cap="flat">
+            <a:noFill/>
+            <a:miter lim="400000"/>
+          </a:ln>
+          <a:effectLst/>
+          <a:sp3d/>
+        </p:spPr>
+        <p:style>
+          <a:lnRef idx="0">
+            <a:scrgbClr r="0" g="0" b="0"/>
+          </a:lnRef>
+          <a:fillRef idx="0">
+            <a:scrgbClr r="0" g="0" b="0"/>
+          </a:fillRef>
+          <a:effectRef idx="0">
+            <a:scrgbClr r="0" g="0" b="0"/>
+          </a:effectRef>
+          <a:fontRef idx="none"/>
+        </p:style>
         <p:txBody>
-          <a:bodyPr/>
+          <a:bodyPr rot="0" spcFirstLastPara="1" vertOverflow="overflow" horzOverflow="overflow" vert="horz" wrap="square" lIns="50800" tIns="50800" rIns="50800" bIns="50800" numCol="1" spcCol="38100" rtlCol="0" anchor="ctr">
+            <a:spAutoFit/>
+          </a:bodyPr>
           <a:lstStyle/>
           <a:p>
-            <a:r>
-              <a:rPr lang="en-GB" dirty="0"/>
-              <a:t>Common (shared) code is in </a:t>
-            </a:r>
-            <a:r>
-              <a:rPr lang="en-GB" b="1" dirty="0" err="1"/>
-              <a:t>kotlinMain</a:t>
-            </a:r>
-            <a:endParaRPr lang="en-GB" b="1" dirty="0"/>
-          </a:p>
-          <a:p>
-            <a:r>
-              <a:rPr lang="en-GB" dirty="0"/>
-              <a:t>Platform specific code is in </a:t>
-            </a:r>
-            <a:r>
-              <a:rPr lang="en-GB" b="1" dirty="0" err="1"/>
-              <a:t>xyzMain</a:t>
-            </a:r>
-            <a:endParaRPr lang="en-GB" b="1" dirty="0"/>
-          </a:p>
-          <a:p>
-            <a:r>
-              <a:rPr lang="en-GB" dirty="0"/>
-              <a:t>Kotlin supports implementing for more than one platform with </a:t>
-            </a:r>
-            <a:r>
-              <a:rPr lang="en-GB" dirty="0">
-                <a:latin typeface="Courier New" panose="02070309020205020404" pitchFamily="49" charset="0"/>
-                <a:cs typeface="Courier New" panose="02070309020205020404" pitchFamily="49" charset="0"/>
+            <a:pPr marL="0" marR="0" indent="0" algn="l" defTabSz="825500" rtl="0" fontAlgn="auto" latinLnBrk="0" hangingPunct="0">
+              <a:lnSpc>
+                <a:spcPct val="100000"/>
+              </a:lnSpc>
+              <a:spcBef>
+                <a:spcPts val="0"/>
+              </a:spcBef>
+              <a:spcAft>
+                <a:spcPts val="0"/>
+              </a:spcAft>
+              <a:buClrTx/>
+              <a:buSzTx/>
+              <a:buFontTx/>
+              <a:buNone/>
+              <a:tabLst/>
+            </a:pPr>
+            <a:r>
+              <a:rPr kumimoji="0" lang="en-US" sz="9600" b="0" i="0" u="none" strike="noStrike" cap="none" spc="0" normalizeH="0" baseline="0" dirty="0">
+                <a:ln>
+                  <a:noFill/>
+                </a:ln>
+                <a:solidFill>
+                  <a:schemeClr val="bg1"/>
+                </a:solidFill>
+                <a:effectLst/>
+                <a:uFillTx/>
+                <a:latin typeface="+mj-lt"/>
+                <a:ea typeface="Helvetica Neue"/>
+                <a:cs typeface="Helvetica Neue"/>
+                <a:sym typeface="Helvetica Neue"/>
               </a:rPr>
-              <a:t>expect</a:t>
-            </a:r>
-            <a:r>
-              <a:rPr lang="en-GB" dirty="0"/>
-              <a:t> and </a:t>
-            </a:r>
-            <a:r>
-              <a:rPr lang="en-GB" dirty="0">
-                <a:latin typeface="Courier New" panose="02070309020205020404" pitchFamily="49" charset="0"/>
-                <a:cs typeface="Courier New" panose="02070309020205020404" pitchFamily="49" charset="0"/>
-              </a:rPr>
-              <a:t>actual</a:t>
-            </a:r>
+              <a:t>Demo</a:t>
+            </a:r>
+          </a:p>
+        </p:txBody>
+      </p:sp>
+      <p:sp>
+        <p:nvSpPr>
+          <p:cNvPr id="6" name="https://unsplash.com/photos/QgeIMfZJgFs">
+            <a:extLst>
+              <a:ext uri="{FF2B5EF4-FFF2-40B4-BE49-F238E27FC236}">
+                <a16:creationId xmlns:a16="http://schemas.microsoft.com/office/drawing/2014/main" id="{FAA14030-C353-4EDD-6537-BD8E91F76353}"/>
+              </a:ext>
+            </a:extLst>
+          </p:cNvPr>
+          <p:cNvSpPr txBox="1"/>
+          <p:nvPr/>
+        </p:nvSpPr>
+        <p:spPr>
+          <a:xfrm>
+            <a:off x="0" y="13155550"/>
+            <a:ext cx="8890000" cy="560450"/>
+          </a:xfrm>
+          <a:prstGeom prst="rect">
+            <a:avLst/>
+          </a:prstGeom>
+          <a:ln w="12700">
+            <a:miter lim="400000"/>
+          </a:ln>
+          <a:extLst>
+            <a:ext uri="{C572A759-6A51-4108-AA02-DFA0A04FC94B}">
+              <ma14:wrappingTextBoxFlag xmlns:ma14="http://schemas.microsoft.com/office/mac/drawingml/2011/main" xmlns:a14="http://schemas.microsoft.com/office/drawing/2010/main" xmlns:m="http://schemas.openxmlformats.org/officeDocument/2006/math" xmlns="" val="1"/>
+            </a:ext>
+          </a:extLst>
+        </p:spPr>
+        <p:txBody>
+          <a:bodyPr lIns="50800" tIns="50800" rIns="50800" bIns="50800" anchor="ctr">
+            <a:spAutoFit/>
+          </a:bodyPr>
+          <a:lstStyle>
+            <a:lvl1pPr algn="r">
+              <a:defRPr>
+                <a:solidFill>
+                  <a:srgbClr val="FFFFFF"/>
+                </a:solidFill>
+              </a:defRPr>
+            </a:lvl1pPr>
+          </a:lstStyle>
+          <a:p>
+            <a:pPr algn="l"/>
+            <a:r>
+              <a:rPr lang="de-DE" dirty="0"/>
+              <a:t>https://</a:t>
+            </a:r>
+            <a:r>
+              <a:rPr lang="de-DE" dirty="0" err="1"/>
+              <a:t>unsplash.com</a:t>
+            </a:r>
+            <a:r>
+              <a:rPr lang="de-DE" dirty="0"/>
+              <a:t>/</a:t>
+            </a:r>
+            <a:r>
+              <a:rPr lang="de-DE" dirty="0" err="1"/>
+              <a:t>photos</a:t>
+            </a:r>
+            <a:r>
+              <a:rPr lang="de-DE" dirty="0"/>
+              <a:t>/ZIjdTtJ4YOs</a:t>
+            </a:r>
+            <a:endParaRPr dirty="0"/>
           </a:p>
         </p:txBody>
       </p:sp>
     </p:spTree>
     <p:extLst>
       <p:ext uri="{BB962C8B-B14F-4D97-AF65-F5344CB8AC3E}">
-        <p14:creationId xmlns:p14="http://schemas.microsoft.com/office/powerpoint/2010/main" val="3789386357"/>
+        <p14:creationId xmlns:p14="http://schemas.microsoft.com/office/powerpoint/2010/main" val="2844253953"/>
       </p:ext>
     </p:extLst>
   </p:cSld>
@@ -2490,7 +3084,7 @@
 </p:sld>
 </file>
 
-<file path=ppt/slides/slide14.xml><?xml version="1.0" encoding="utf-8"?>
+<file path=ppt/slides/slide18.xml><?xml version="1.0" encoding="utf-8"?>
 <p:sld xmlns:a="http://schemas.openxmlformats.org/drawingml/2006/main" xmlns:r="http://schemas.openxmlformats.org/officeDocument/2006/relationships" xmlns:p="http://schemas.openxmlformats.org/presentationml/2006/main">
   <p:cSld>
     <p:spTree>
@@ -2563,7 +3157,7 @@
           <a:effectLst/>
           <a:extLst>
             <a:ext uri="{C572A759-6A51-4108-AA02-DFA0A04FC94B}">
-              <ma14:wrappingTextBoxFlag xmlns="" xmlns:m="http://schemas.openxmlformats.org/officeDocument/2006/math" xmlns:a14="http://schemas.microsoft.com/office/drawing/2010/main" xmlns:ma14="http://schemas.microsoft.com/office/mac/drawingml/2011/main" val="1"/>
+              <ma14:wrappingTextBoxFlag xmlns:ma14="http://schemas.microsoft.com/office/mac/drawingml/2011/main" xmlns:a14="http://schemas.microsoft.com/office/drawing/2010/main" xmlns:m="http://schemas.openxmlformats.org/officeDocument/2006/math" xmlns="" val="1"/>
             </a:ext>
           </a:extLst>
         </p:spPr>
@@ -2889,12 +3483,326 @@
           <a:chExt cx="0" cy="0"/>
         </a:xfrm>
       </p:grpSpPr>
+      <p:pic>
+        <p:nvPicPr>
+          <p:cNvPr id="1026" name="Picture 2" descr="birds eye view of brown building">
+            <a:extLst>
+              <a:ext uri="{FF2B5EF4-FFF2-40B4-BE49-F238E27FC236}">
+                <a16:creationId xmlns:a16="http://schemas.microsoft.com/office/drawing/2014/main" id="{EC077B41-1933-3B28-6BE5-E061CF8933DF}"/>
+              </a:ext>
+            </a:extLst>
+          </p:cNvPr>
+          <p:cNvPicPr>
+            <a:picLocks noChangeAspect="1" noChangeArrowheads="1"/>
+          </p:cNvPicPr>
+          <p:nvPr/>
+        </p:nvPicPr>
+        <p:blipFill rotWithShape="1">
+          <a:blip r:embed="rId2" cstate="screen">
+            <a:extLst>
+              <a:ext uri="{28A0092B-C50C-407E-A947-70E740481C1C}">
+                <a14:useLocalDpi xmlns:a14="http://schemas.microsoft.com/office/drawing/2010/main"/>
+              </a:ext>
+            </a:extLst>
+          </a:blip>
+          <a:srcRect/>
+          <a:stretch/>
+        </p:blipFill>
+        <p:spPr bwMode="auto">
+          <a:xfrm>
+            <a:off x="0" y="0"/>
+            <a:ext cx="24383999" cy="13716000"/>
+          </a:xfrm>
+          <a:prstGeom prst="rect">
+            <a:avLst/>
+          </a:prstGeom>
+          <a:noFill/>
+          <a:extLst>
+            <a:ext uri="{909E8E84-426E-40DD-AFC4-6F175D3DCCD1}">
+              <a14:hiddenFill xmlns:a14="http://schemas.microsoft.com/office/drawing/2010/main">
+                <a:solidFill>
+                  <a:srgbClr val="FFFFFF"/>
+                </a:solidFill>
+              </a14:hiddenFill>
+            </a:ext>
+          </a:extLst>
+        </p:spPr>
+      </p:pic>
+      <p:sp>
+        <p:nvSpPr>
+          <p:cNvPr id="4" name="Textfeld 3">
+            <a:extLst>
+              <a:ext uri="{FF2B5EF4-FFF2-40B4-BE49-F238E27FC236}">
+                <a16:creationId xmlns:a16="http://schemas.microsoft.com/office/drawing/2014/main" id="{2391E337-6156-AC79-C285-CA4AA4BD7173}"/>
+              </a:ext>
+            </a:extLst>
+          </p:cNvPr>
+          <p:cNvSpPr txBox="1"/>
+          <p:nvPr/>
+        </p:nvSpPr>
+        <p:spPr>
+          <a:xfrm>
+            <a:off x="268939" y="5329376"/>
+            <a:ext cx="7799294" cy="3057247"/>
+          </a:xfrm>
+          <a:prstGeom prst="rect">
+            <a:avLst/>
+          </a:prstGeom>
+          <a:noFill/>
+          <a:ln w="12700" cap="flat">
+            <a:noFill/>
+            <a:miter lim="400000"/>
+          </a:ln>
+          <a:effectLst/>
+          <a:sp3d/>
+        </p:spPr>
+        <p:style>
+          <a:lnRef idx="0">
+            <a:scrgbClr r="0" g="0" b="0"/>
+          </a:lnRef>
+          <a:fillRef idx="0">
+            <a:scrgbClr r="0" g="0" b="0"/>
+          </a:fillRef>
+          <a:effectRef idx="0">
+            <a:scrgbClr r="0" g="0" b="0"/>
+          </a:effectRef>
+          <a:fontRef idx="none"/>
+        </p:style>
+        <p:txBody>
+          <a:bodyPr rot="0" spcFirstLastPara="1" vertOverflow="overflow" horzOverflow="overflow" vert="horz" wrap="square" lIns="50800" tIns="50800" rIns="50800" bIns="50800" numCol="1" spcCol="38100" rtlCol="0" anchor="ctr">
+            <a:spAutoFit/>
+          </a:bodyPr>
+          <a:lstStyle/>
+          <a:p>
+            <a:pPr marL="0" marR="0" indent="0" defTabSz="825500" rtl="0" fontAlgn="auto" latinLnBrk="0" hangingPunct="0">
+              <a:lnSpc>
+                <a:spcPct val="100000"/>
+              </a:lnSpc>
+              <a:spcBef>
+                <a:spcPts val="0"/>
+              </a:spcBef>
+              <a:spcAft>
+                <a:spcPts val="0"/>
+              </a:spcAft>
+              <a:buClrTx/>
+              <a:buSzTx/>
+              <a:buFontTx/>
+              <a:buNone/>
+              <a:tabLst/>
+            </a:pPr>
+            <a:r>
+              <a:rPr kumimoji="0" lang="en-US" sz="9600" b="0" i="0" u="none" strike="noStrike" cap="none" spc="0" normalizeH="0" baseline="0" dirty="0">
+                <a:ln>
+                  <a:noFill/>
+                </a:ln>
+                <a:solidFill>
+                  <a:schemeClr val="bg1"/>
+                </a:solidFill>
+                <a:effectLst/>
+                <a:uFillTx/>
+                <a:latin typeface="+mj-lt"/>
+                <a:ea typeface="Helvetica Neue"/>
+                <a:cs typeface="Helvetica Neue"/>
+                <a:sym typeface="Helvetica Neue"/>
+              </a:rPr>
+              <a:t>Compose Multiplatform</a:t>
+            </a:r>
+          </a:p>
+        </p:txBody>
+      </p:sp>
+      <p:sp>
+        <p:nvSpPr>
+          <p:cNvPr id="6" name="https://unsplash.com/photos/QgeIMfZJgFs">
+            <a:extLst>
+              <a:ext uri="{FF2B5EF4-FFF2-40B4-BE49-F238E27FC236}">
+                <a16:creationId xmlns:a16="http://schemas.microsoft.com/office/drawing/2014/main" id="{FAA14030-C353-4EDD-6537-BD8E91F76353}"/>
+              </a:ext>
+            </a:extLst>
+          </p:cNvPr>
+          <p:cNvSpPr txBox="1"/>
+          <p:nvPr/>
+        </p:nvSpPr>
+        <p:spPr>
+          <a:xfrm>
+            <a:off x="0" y="13155550"/>
+            <a:ext cx="8890000" cy="560450"/>
+          </a:xfrm>
+          <a:prstGeom prst="rect">
+            <a:avLst/>
+          </a:prstGeom>
+          <a:ln w="12700">
+            <a:miter lim="400000"/>
+          </a:ln>
+          <a:extLst>
+            <a:ext uri="{C572A759-6A51-4108-AA02-DFA0A04FC94B}">
+              <ma14:wrappingTextBoxFlag xmlns:ma14="http://schemas.microsoft.com/office/mac/drawingml/2011/main" xmlns:a14="http://schemas.microsoft.com/office/drawing/2010/main" xmlns:m="http://schemas.openxmlformats.org/officeDocument/2006/math" xmlns="" val="1"/>
+            </a:ext>
+          </a:extLst>
+        </p:spPr>
+        <p:txBody>
+          <a:bodyPr lIns="50800" tIns="50800" rIns="50800" bIns="50800" anchor="ctr">
+            <a:spAutoFit/>
+          </a:bodyPr>
+          <a:lstStyle>
+            <a:lvl1pPr algn="r">
+              <a:defRPr>
+                <a:solidFill>
+                  <a:srgbClr val="FFFFFF"/>
+                </a:solidFill>
+              </a:defRPr>
+            </a:lvl1pPr>
+          </a:lstStyle>
+          <a:p>
+            <a:pPr algn="l"/>
+            <a:r>
+              <a:rPr lang="de-DE" dirty="0"/>
+              <a:t>https://</a:t>
+            </a:r>
+            <a:r>
+              <a:rPr lang="de-DE" dirty="0" err="1"/>
+              <a:t>unsplash.com</a:t>
+            </a:r>
+            <a:r>
+              <a:rPr lang="de-DE" dirty="0"/>
+              <a:t>/</a:t>
+            </a:r>
+            <a:r>
+              <a:rPr lang="de-DE" dirty="0" err="1"/>
+              <a:t>photos</a:t>
+            </a:r>
+            <a:r>
+              <a:rPr lang="de-DE" dirty="0"/>
+              <a:t>/</a:t>
+            </a:r>
+            <a:r>
+              <a:rPr lang="de-DE" dirty="0" err="1"/>
+              <a:t>wfvUPYFeyvo</a:t>
+            </a:r>
+            <a:endParaRPr dirty="0"/>
+          </a:p>
+        </p:txBody>
+      </p:sp>
+      <p:sp>
+        <p:nvSpPr>
+          <p:cNvPr id="2" name="Textfeld 1">
+            <a:extLst>
+              <a:ext uri="{FF2B5EF4-FFF2-40B4-BE49-F238E27FC236}">
+                <a16:creationId xmlns:a16="http://schemas.microsoft.com/office/drawing/2014/main" id="{0FB0B285-22C1-1B0E-EEC1-2B262117B44E}"/>
+              </a:ext>
+            </a:extLst>
+          </p:cNvPr>
+          <p:cNvSpPr txBox="1"/>
+          <p:nvPr/>
+        </p:nvSpPr>
+        <p:spPr>
+          <a:xfrm>
+            <a:off x="15889107" y="3852049"/>
+            <a:ext cx="8225954" cy="6011902"/>
+          </a:xfrm>
+          <a:prstGeom prst="rect">
+            <a:avLst/>
+          </a:prstGeom>
+          <a:noFill/>
+          <a:ln w="12700" cap="flat">
+            <a:noFill/>
+            <a:miter lim="400000"/>
+          </a:ln>
+          <a:effectLst/>
+          <a:sp3d/>
+        </p:spPr>
+        <p:style>
+          <a:lnRef idx="0">
+            <a:scrgbClr r="0" g="0" b="0"/>
+          </a:lnRef>
+          <a:fillRef idx="0">
+            <a:scrgbClr r="0" g="0" b="0"/>
+          </a:fillRef>
+          <a:effectRef idx="0">
+            <a:scrgbClr r="0" g="0" b="0"/>
+          </a:effectRef>
+          <a:fontRef idx="none"/>
+        </p:style>
+        <p:txBody>
+          <a:bodyPr rot="0" spcFirstLastPara="1" vertOverflow="overflow" horzOverflow="overflow" vert="horz" wrap="square" lIns="50800" tIns="50800" rIns="50800" bIns="50800" numCol="1" spcCol="38100" rtlCol="0" anchor="ctr">
+            <a:spAutoFit/>
+          </a:bodyPr>
+          <a:lstStyle/>
+          <a:p>
+            <a:pPr marL="0" marR="0" indent="0" defTabSz="825500" rtl="0" fontAlgn="auto" latinLnBrk="0" hangingPunct="0">
+              <a:lnSpc>
+                <a:spcPct val="100000"/>
+              </a:lnSpc>
+              <a:spcBef>
+                <a:spcPts val="0"/>
+              </a:spcBef>
+              <a:spcAft>
+                <a:spcPts val="0"/>
+              </a:spcAft>
+              <a:buClrTx/>
+              <a:buSzTx/>
+              <a:buFontTx/>
+              <a:buNone/>
+              <a:tabLst/>
+            </a:pPr>
+            <a:r>
+              <a:rPr kumimoji="0" lang="en-US" sz="9600" b="0" i="0" u="none" strike="noStrike" cap="none" spc="0" normalizeH="0" baseline="0" dirty="0">
+                <a:ln>
+                  <a:noFill/>
+                </a:ln>
+                <a:solidFill>
+                  <a:schemeClr val="bg1"/>
+                </a:solidFill>
+                <a:effectLst/>
+                <a:uFillTx/>
+                <a:latin typeface="+mj-lt"/>
+                <a:ea typeface="Helvetica Neue"/>
+                <a:cs typeface="Helvetica Neue"/>
+                <a:sym typeface="Helvetica Neue"/>
+              </a:rPr>
+              <a:t>Fast, reactive Desktop and Web UI framework</a:t>
+            </a:r>
+          </a:p>
+        </p:txBody>
+      </p:sp>
+    </p:spTree>
+    <p:extLst>
+      <p:ext uri="{BB962C8B-B14F-4D97-AF65-F5344CB8AC3E}">
+        <p14:creationId xmlns:p14="http://schemas.microsoft.com/office/powerpoint/2010/main" val="278507504"/>
+      </p:ext>
+    </p:extLst>
+  </p:cSld>
+  <p:clrMapOvr>
+    <a:masterClrMapping/>
+  </p:clrMapOvr>
+  <p:transition spd="med">
+    <p:pull/>
+  </p:transition>
+</p:sld>
+</file>
+
+<file path=ppt/slides/slide6.xml><?xml version="1.0" encoding="utf-8"?>
+<p:sld xmlns:a="http://schemas.openxmlformats.org/drawingml/2006/main" xmlns:r="http://schemas.openxmlformats.org/officeDocument/2006/relationships" xmlns:p="http://schemas.openxmlformats.org/presentationml/2006/main">
+  <p:cSld>
+    <p:spTree>
+      <p:nvGrpSpPr>
+        <p:cNvPr id="1" name=""/>
+        <p:cNvGrpSpPr/>
+        <p:nvPr/>
+      </p:nvGrpSpPr>
+      <p:grpSpPr>
+        <a:xfrm>
+          <a:off x="0" y="0"/>
+          <a:ext cx="0" cy="0"/>
+          <a:chOff x="0" y="0"/>
+          <a:chExt cx="0" cy="0"/>
+        </a:xfrm>
+      </p:grpSpPr>
       <p:sp>
         <p:nvSpPr>
           <p:cNvPr id="2" name="Textplatzhalter 1">
             <a:extLst>
               <a:ext uri="{FF2B5EF4-FFF2-40B4-BE49-F238E27FC236}">
-                <a16:creationId xmlns:a16="http://schemas.microsoft.com/office/drawing/2014/main" id="{F9679B97-3C23-B039-1BE8-87A30BF0E20A}"/>
+                <a16:creationId xmlns:a16="http://schemas.microsoft.com/office/drawing/2014/main" id="{87B1E116-2482-A7B5-CC4C-B5DA94E2E48C}"/>
               </a:ext>
             </a:extLst>
           </p:cNvPr>
@@ -2911,24 +3819,592 @@
           <a:lstStyle/>
           <a:p>
             <a:r>
-              <a:rPr lang="en-US" b="1"/>
-              <a:t>Compose Multiplatform</a:t>
-            </a:r>
-            <a:r>
-              <a:rPr lang="en-US"/>
-              <a:t>: fast reactive Desktop and Web UI framework</a:t>
-            </a:r>
-          </a:p>
-          <a:p>
-            <a:r>
-              <a:rPr lang="en-US"/>
-              <a:t>Based on Jetpack Compose</a:t>
-            </a:r>
-          </a:p>
-          <a:p>
-            <a:r>
-              <a:rPr lang="en-US"/>
-              <a:t>Based on Kotlin Multiplatform</a:t>
+              <a:rPr lang="en-GB" dirty="0"/>
+              <a:t>UI code sharing between Android, Desktop and Web</a:t>
+            </a:r>
+          </a:p>
+          <a:p>
+            <a:r>
+              <a:rPr lang="en-GB" dirty="0"/>
+              <a:t>Future versions might even include iOS</a:t>
+            </a:r>
+          </a:p>
+        </p:txBody>
+      </p:sp>
+    </p:spTree>
+    <p:extLst>
+      <p:ext uri="{BB962C8B-B14F-4D97-AF65-F5344CB8AC3E}">
+        <p14:creationId xmlns:p14="http://schemas.microsoft.com/office/powerpoint/2010/main" val="2435211595"/>
+      </p:ext>
+    </p:extLst>
+  </p:cSld>
+  <p:clrMapOvr>
+    <a:masterClrMapping/>
+  </p:clrMapOvr>
+  <p:transition spd="med">
+    <p:pull/>
+  </p:transition>
+</p:sld>
+</file>
+
+<file path=ppt/slides/slide7.xml><?xml version="1.0" encoding="utf-8"?>
+<p:sld xmlns:a="http://schemas.openxmlformats.org/drawingml/2006/main" xmlns:r="http://schemas.openxmlformats.org/officeDocument/2006/relationships" xmlns:p="http://schemas.openxmlformats.org/presentationml/2006/main">
+  <p:cSld>
+    <p:spTree>
+      <p:nvGrpSpPr>
+        <p:cNvPr id="1" name=""/>
+        <p:cNvGrpSpPr/>
+        <p:nvPr/>
+      </p:nvGrpSpPr>
+      <p:grpSpPr>
+        <a:xfrm>
+          <a:off x="0" y="0"/>
+          <a:ext cx="0" cy="0"/>
+          <a:chOff x="0" y="0"/>
+          <a:chExt cx="0" cy="0"/>
+        </a:xfrm>
+      </p:grpSpPr>
+      <p:pic>
+        <p:nvPicPr>
+          <p:cNvPr id="2050" name="Picture 2" descr="black and white heart shaped textile">
+            <a:extLst>
+              <a:ext uri="{FF2B5EF4-FFF2-40B4-BE49-F238E27FC236}">
+                <a16:creationId xmlns:a16="http://schemas.microsoft.com/office/drawing/2014/main" id="{14BE4452-FE11-9C9A-3F43-C150FC551FFD}"/>
+              </a:ext>
+            </a:extLst>
+          </p:cNvPr>
+          <p:cNvPicPr>
+            <a:picLocks noChangeAspect="1" noChangeArrowheads="1"/>
+          </p:cNvPicPr>
+          <p:nvPr/>
+        </p:nvPicPr>
+        <p:blipFill rotWithShape="1">
+          <a:blip r:embed="rId2" cstate="screen">
+            <a:extLst>
+              <a:ext uri="{28A0092B-C50C-407E-A947-70E740481C1C}">
+                <a14:useLocalDpi xmlns:a14="http://schemas.microsoft.com/office/drawing/2010/main"/>
+              </a:ext>
+            </a:extLst>
+          </a:blip>
+          <a:srcRect/>
+          <a:stretch/>
+        </p:blipFill>
+        <p:spPr bwMode="auto">
+          <a:xfrm>
+            <a:off x="0" y="0"/>
+            <a:ext cx="24384000" cy="13716440"/>
+          </a:xfrm>
+          <a:prstGeom prst="rect">
+            <a:avLst/>
+          </a:prstGeom>
+          <a:noFill/>
+          <a:extLst>
+            <a:ext uri="{909E8E84-426E-40DD-AFC4-6F175D3DCCD1}">
+              <a14:hiddenFill xmlns:a14="http://schemas.microsoft.com/office/drawing/2010/main">
+                <a:solidFill>
+                  <a:srgbClr val="FFFFFF"/>
+                </a:solidFill>
+              </a14:hiddenFill>
+            </a:ext>
+          </a:extLst>
+        </p:spPr>
+      </p:pic>
+      <p:sp>
+        <p:nvSpPr>
+          <p:cNvPr id="3" name="https://unsplash.com/photos/QgeIMfZJgFs">
+            <a:extLst>
+              <a:ext uri="{FF2B5EF4-FFF2-40B4-BE49-F238E27FC236}">
+                <a16:creationId xmlns:a16="http://schemas.microsoft.com/office/drawing/2014/main" id="{ED1062C9-92BC-52A8-65E5-851B68D910BA}"/>
+              </a:ext>
+            </a:extLst>
+          </p:cNvPr>
+          <p:cNvSpPr txBox="1"/>
+          <p:nvPr/>
+        </p:nvSpPr>
+        <p:spPr>
+          <a:xfrm>
+            <a:off x="0" y="13155550"/>
+            <a:ext cx="8890000" cy="560450"/>
+          </a:xfrm>
+          <a:prstGeom prst="rect">
+            <a:avLst/>
+          </a:prstGeom>
+          <a:ln w="12700">
+            <a:miter lim="400000"/>
+          </a:ln>
+          <a:extLst>
+            <a:ext uri="{C572A759-6A51-4108-AA02-DFA0A04FC94B}">
+              <ma14:wrappingTextBoxFlag xmlns:ma14="http://schemas.microsoft.com/office/mac/drawingml/2011/main" xmlns:a14="http://schemas.microsoft.com/office/drawing/2010/main" xmlns:m="http://schemas.openxmlformats.org/officeDocument/2006/math" xmlns="" val="1"/>
+            </a:ext>
+          </a:extLst>
+        </p:spPr>
+        <p:txBody>
+          <a:bodyPr lIns="50800" tIns="50800" rIns="50800" bIns="50800" anchor="ctr">
+            <a:spAutoFit/>
+          </a:bodyPr>
+          <a:lstStyle>
+            <a:lvl1pPr algn="r">
+              <a:defRPr>
+                <a:solidFill>
+                  <a:srgbClr val="FFFFFF"/>
+                </a:solidFill>
+              </a:defRPr>
+            </a:lvl1pPr>
+          </a:lstStyle>
+          <a:p>
+            <a:pPr algn="l"/>
+            <a:r>
+              <a:rPr lang="de-DE" dirty="0">
+                <a:solidFill>
+                  <a:schemeClr val="tx1"/>
+                </a:solidFill>
+              </a:rPr>
+              <a:t>https://</a:t>
+            </a:r>
+            <a:r>
+              <a:rPr lang="de-DE" dirty="0" err="1">
+                <a:solidFill>
+                  <a:schemeClr val="tx1"/>
+                </a:solidFill>
+              </a:rPr>
+              <a:t>unsplash.com</a:t>
+            </a:r>
+            <a:r>
+              <a:rPr lang="de-DE" dirty="0">
+                <a:solidFill>
+                  <a:schemeClr val="tx1"/>
+                </a:solidFill>
+              </a:rPr>
+              <a:t>/</a:t>
+            </a:r>
+            <a:r>
+              <a:rPr lang="de-DE" dirty="0" err="1">
+                <a:solidFill>
+                  <a:schemeClr val="tx1"/>
+                </a:solidFill>
+              </a:rPr>
+              <a:t>photos</a:t>
+            </a:r>
+            <a:r>
+              <a:rPr lang="de-DE" dirty="0">
+                <a:solidFill>
+                  <a:schemeClr val="tx1"/>
+                </a:solidFill>
+              </a:rPr>
+              <a:t>/LuaT29bdjMA</a:t>
+            </a:r>
+            <a:endParaRPr dirty="0">
+              <a:solidFill>
+                <a:schemeClr val="tx1"/>
+              </a:solidFill>
+            </a:endParaRPr>
+          </a:p>
+        </p:txBody>
+      </p:sp>
+      <p:sp>
+        <p:nvSpPr>
+          <p:cNvPr id="4" name="Textplatzhalter 1">
+            <a:extLst>
+              <a:ext uri="{FF2B5EF4-FFF2-40B4-BE49-F238E27FC236}">
+                <a16:creationId xmlns:a16="http://schemas.microsoft.com/office/drawing/2014/main" id="{3A1FA302-9A8B-78B8-8634-EDF5E8E3BCAD}"/>
+              </a:ext>
+            </a:extLst>
+          </p:cNvPr>
+          <p:cNvSpPr>
+            <a:spLocks noGrp="1"/>
+          </p:cNvSpPr>
+          <p:nvPr>
+            <p:ph type="body" sz="half" idx="4294967295"/>
+          </p:nvPr>
+        </p:nvSpPr>
+        <p:spPr>
+          <a:xfrm>
+            <a:off x="17554295" y="6562168"/>
+            <a:ext cx="5419912" cy="1488139"/>
+          </a:xfrm>
+        </p:spPr>
+        <p:style>
+          <a:lnRef idx="0">
+            <a:schemeClr val="dk1"/>
+          </a:lnRef>
+          <a:fillRef idx="3">
+            <a:schemeClr val="dk1"/>
+          </a:fillRef>
+          <a:effectRef idx="3">
+            <a:schemeClr val="dk1"/>
+          </a:effectRef>
+          <a:fontRef idx="minor">
+            <a:schemeClr val="lt1"/>
+          </a:fontRef>
+        </p:style>
+        <p:txBody>
+          <a:bodyPr/>
+          <a:lstStyle/>
+          <a:p>
+            <a:pPr marL="0" indent="0" algn="ctr">
+              <a:buNone/>
+            </a:pPr>
+            <a:r>
+              <a:rPr lang="en-US" dirty="0"/>
+              <a:t>Jetpack Compose</a:t>
+            </a:r>
+          </a:p>
+        </p:txBody>
+      </p:sp>
+      <p:sp>
+        <p:nvSpPr>
+          <p:cNvPr id="5" name="Textplatzhalter 1">
+            <a:extLst>
+              <a:ext uri="{FF2B5EF4-FFF2-40B4-BE49-F238E27FC236}">
+                <a16:creationId xmlns:a16="http://schemas.microsoft.com/office/drawing/2014/main" id="{09746BB3-92B6-390B-5171-0C83B22DA7E3}"/>
+              </a:ext>
+            </a:extLst>
+          </p:cNvPr>
+          <p:cNvSpPr>
+            <a:spLocks noGrp="1"/>
+          </p:cNvSpPr>
+          <p:nvPr>
+            <p:ph type="body" sz="half" idx="4294967295"/>
+          </p:nvPr>
+        </p:nvSpPr>
+        <p:spPr>
+          <a:xfrm>
+            <a:off x="2649444" y="2779058"/>
+            <a:ext cx="5419912" cy="1488139"/>
+          </a:xfrm>
+        </p:spPr>
+        <p:style>
+          <a:lnRef idx="0">
+            <a:schemeClr val="dk1"/>
+          </a:lnRef>
+          <a:fillRef idx="3">
+            <a:schemeClr val="dk1"/>
+          </a:fillRef>
+          <a:effectRef idx="3">
+            <a:schemeClr val="dk1"/>
+          </a:effectRef>
+          <a:fontRef idx="minor">
+            <a:schemeClr val="lt1"/>
+          </a:fontRef>
+        </p:style>
+        <p:txBody>
+          <a:bodyPr/>
+          <a:lstStyle/>
+          <a:p>
+            <a:pPr marL="0" indent="0" algn="ctr">
+              <a:buNone/>
+            </a:pPr>
+            <a:r>
+              <a:rPr lang="en-US" dirty="0"/>
+              <a:t>Kotlin Multiplatform</a:t>
+            </a:r>
+          </a:p>
+        </p:txBody>
+      </p:sp>
+      <p:sp>
+        <p:nvSpPr>
+          <p:cNvPr id="6" name="Textplatzhalter 1">
+            <a:extLst>
+              <a:ext uri="{FF2B5EF4-FFF2-40B4-BE49-F238E27FC236}">
+                <a16:creationId xmlns:a16="http://schemas.microsoft.com/office/drawing/2014/main" id="{C5EDB328-8FC3-6C74-511C-7D69F7540711}"/>
+              </a:ext>
+            </a:extLst>
+          </p:cNvPr>
+          <p:cNvSpPr>
+            <a:spLocks noGrp="1"/>
+          </p:cNvSpPr>
+          <p:nvPr>
+            <p:ph type="body" sz="half" idx="4294967295"/>
+          </p:nvPr>
+        </p:nvSpPr>
+        <p:spPr>
+          <a:xfrm>
+            <a:off x="6772088" y="5562226"/>
+            <a:ext cx="5419912" cy="1488139"/>
+          </a:xfrm>
+        </p:spPr>
+        <p:style>
+          <a:lnRef idx="0">
+            <a:schemeClr val="dk1"/>
+          </a:lnRef>
+          <a:fillRef idx="3">
+            <a:schemeClr val="dk1"/>
+          </a:fillRef>
+          <a:effectRef idx="3">
+            <a:schemeClr val="dk1"/>
+          </a:effectRef>
+          <a:fontRef idx="minor">
+            <a:schemeClr val="lt1"/>
+          </a:fontRef>
+        </p:style>
+        <p:txBody>
+          <a:bodyPr/>
+          <a:lstStyle/>
+          <a:p>
+            <a:pPr marL="0" indent="0" algn="ctr">
+              <a:buNone/>
+            </a:pPr>
+            <a:r>
+              <a:rPr lang="en-US" dirty="0">
+                <a:solidFill>
+                  <a:schemeClr val="bg1"/>
+                </a:solidFill>
+              </a:rPr>
+              <a:t>Kotlin/Native</a:t>
+            </a:r>
+          </a:p>
+        </p:txBody>
+      </p:sp>
+      <p:sp>
+        <p:nvSpPr>
+          <p:cNvPr id="8" name="Textplatzhalter 1">
+            <a:extLst>
+              <a:ext uri="{FF2B5EF4-FFF2-40B4-BE49-F238E27FC236}">
+                <a16:creationId xmlns:a16="http://schemas.microsoft.com/office/drawing/2014/main" id="{1B0F373C-6B91-1290-EF7B-ECDB542EB040}"/>
+              </a:ext>
+            </a:extLst>
+          </p:cNvPr>
+          <p:cNvSpPr>
+            <a:spLocks noGrp="1"/>
+          </p:cNvSpPr>
+          <p:nvPr>
+            <p:ph type="body" sz="half" idx="4294967295"/>
+          </p:nvPr>
+        </p:nvSpPr>
+        <p:spPr>
+          <a:xfrm>
+            <a:off x="14270037" y="717178"/>
+            <a:ext cx="2998881" cy="1488139"/>
+          </a:xfrm>
+        </p:spPr>
+        <p:style>
+          <a:lnRef idx="0">
+            <a:schemeClr val="dk1"/>
+          </a:lnRef>
+          <a:fillRef idx="3">
+            <a:schemeClr val="dk1"/>
+          </a:fillRef>
+          <a:effectRef idx="3">
+            <a:schemeClr val="dk1"/>
+          </a:effectRef>
+          <a:fontRef idx="minor">
+            <a:schemeClr val="lt1"/>
+          </a:fontRef>
+        </p:style>
+        <p:txBody>
+          <a:bodyPr/>
+          <a:lstStyle/>
+          <a:p>
+            <a:pPr marL="0" indent="0" algn="ctr">
+              <a:buNone/>
+            </a:pPr>
+            <a:r>
+              <a:rPr lang="en-US" dirty="0"/>
+              <a:t>JVM</a:t>
+            </a:r>
+          </a:p>
+        </p:txBody>
+      </p:sp>
+      <p:sp>
+        <p:nvSpPr>
+          <p:cNvPr id="9" name="Textplatzhalter 1">
+            <a:extLst>
+              <a:ext uri="{FF2B5EF4-FFF2-40B4-BE49-F238E27FC236}">
+                <a16:creationId xmlns:a16="http://schemas.microsoft.com/office/drawing/2014/main" id="{27F5C31C-5894-1E03-FA21-6C347CD74D63}"/>
+              </a:ext>
+            </a:extLst>
+          </p:cNvPr>
+          <p:cNvSpPr>
+            <a:spLocks noGrp="1"/>
+          </p:cNvSpPr>
+          <p:nvPr>
+            <p:ph type="body" sz="half" idx="4294967295"/>
+          </p:nvPr>
+        </p:nvSpPr>
+        <p:spPr>
+          <a:xfrm>
+            <a:off x="1446119" y="8884244"/>
+            <a:ext cx="2998881" cy="1488139"/>
+          </a:xfrm>
+        </p:spPr>
+        <p:style>
+          <a:lnRef idx="0">
+            <a:schemeClr val="dk1"/>
+          </a:lnRef>
+          <a:fillRef idx="3">
+            <a:schemeClr val="dk1"/>
+          </a:fillRef>
+          <a:effectRef idx="3">
+            <a:schemeClr val="dk1"/>
+          </a:effectRef>
+          <a:fontRef idx="minor">
+            <a:schemeClr val="lt1"/>
+          </a:fontRef>
+        </p:style>
+        <p:txBody>
+          <a:bodyPr/>
+          <a:lstStyle/>
+          <a:p>
+            <a:pPr marL="0" indent="0" algn="ctr">
+              <a:buNone/>
+            </a:pPr>
+            <a:r>
+              <a:rPr lang="en-US" dirty="0"/>
+              <a:t>Platform</a:t>
+            </a:r>
+          </a:p>
+        </p:txBody>
+      </p:sp>
+      <p:sp>
+        <p:nvSpPr>
+          <p:cNvPr id="10" name="Textplatzhalter 1">
+            <a:extLst>
+              <a:ext uri="{FF2B5EF4-FFF2-40B4-BE49-F238E27FC236}">
+                <a16:creationId xmlns:a16="http://schemas.microsoft.com/office/drawing/2014/main" id="{4FBA9D23-C292-BBE1-E9F0-AC425C450DEA}"/>
+              </a:ext>
+            </a:extLst>
+          </p:cNvPr>
+          <p:cNvSpPr>
+            <a:spLocks noGrp="1"/>
+          </p:cNvSpPr>
+          <p:nvPr>
+            <p:ph type="body" sz="half" idx="4294967295"/>
+          </p:nvPr>
+        </p:nvSpPr>
+        <p:spPr>
+          <a:xfrm>
+            <a:off x="14979090" y="9628313"/>
+            <a:ext cx="2998881" cy="1488139"/>
+          </a:xfrm>
+        </p:spPr>
+        <p:style>
+          <a:lnRef idx="0">
+            <a:schemeClr val="dk1"/>
+          </a:lnRef>
+          <a:fillRef idx="3">
+            <a:schemeClr val="dk1"/>
+          </a:fillRef>
+          <a:effectRef idx="3">
+            <a:schemeClr val="dk1"/>
+          </a:effectRef>
+          <a:fontRef idx="minor">
+            <a:schemeClr val="lt1"/>
+          </a:fontRef>
+        </p:style>
+        <p:txBody>
+          <a:bodyPr/>
+          <a:lstStyle/>
+          <a:p>
+            <a:pPr marL="0" indent="0" algn="ctr">
+              <a:buNone/>
+            </a:pPr>
+            <a:r>
+              <a:rPr lang="en-US" dirty="0"/>
+              <a:t>Target</a:t>
+            </a:r>
+          </a:p>
+        </p:txBody>
+      </p:sp>
+      <p:sp>
+        <p:nvSpPr>
+          <p:cNvPr id="11" name="Textplatzhalter 1">
+            <a:extLst>
+              <a:ext uri="{FF2B5EF4-FFF2-40B4-BE49-F238E27FC236}">
+                <a16:creationId xmlns:a16="http://schemas.microsoft.com/office/drawing/2014/main" id="{195B7576-F7B8-50DA-BCEA-A1EFCB02BF91}"/>
+              </a:ext>
+            </a:extLst>
+          </p:cNvPr>
+          <p:cNvSpPr>
+            <a:spLocks noGrp="1"/>
+          </p:cNvSpPr>
+          <p:nvPr>
+            <p:ph type="body" sz="half" idx="4294967295"/>
+          </p:nvPr>
+        </p:nvSpPr>
+        <p:spPr>
+          <a:xfrm>
+            <a:off x="17265370" y="3962180"/>
+            <a:ext cx="2998881" cy="1488139"/>
+          </a:xfrm>
+        </p:spPr>
+        <p:style>
+          <a:lnRef idx="0">
+            <a:schemeClr val="dk1"/>
+          </a:lnRef>
+          <a:fillRef idx="3">
+            <a:schemeClr val="dk1"/>
+          </a:fillRef>
+          <a:effectRef idx="3">
+            <a:schemeClr val="dk1"/>
+          </a:effectRef>
+          <a:fontRef idx="minor">
+            <a:schemeClr val="lt1"/>
+          </a:fontRef>
+        </p:style>
+        <p:txBody>
+          <a:bodyPr/>
+          <a:lstStyle/>
+          <a:p>
+            <a:pPr marL="0" indent="0" algn="ctr">
+              <a:buNone/>
+            </a:pPr>
+            <a:r>
+              <a:rPr lang="en-US" dirty="0"/>
+              <a:t>JS</a:t>
+            </a:r>
+          </a:p>
+        </p:txBody>
+      </p:sp>
+      <p:sp>
+        <p:nvSpPr>
+          <p:cNvPr id="12" name="Textplatzhalter 1">
+            <a:extLst>
+              <a:ext uri="{FF2B5EF4-FFF2-40B4-BE49-F238E27FC236}">
+                <a16:creationId xmlns:a16="http://schemas.microsoft.com/office/drawing/2014/main" id="{511AB69A-60F2-D59A-AEA4-4064E95ACA33}"/>
+              </a:ext>
+            </a:extLst>
+          </p:cNvPr>
+          <p:cNvSpPr>
+            <a:spLocks noGrp="1"/>
+          </p:cNvSpPr>
+          <p:nvPr>
+            <p:ph type="body" sz="half" idx="4294967295"/>
+          </p:nvPr>
+        </p:nvSpPr>
+        <p:spPr>
+          <a:xfrm>
+            <a:off x="6517995" y="10927978"/>
+            <a:ext cx="6848382" cy="1488139"/>
+          </a:xfrm>
+        </p:spPr>
+        <p:style>
+          <a:lnRef idx="0">
+            <a:schemeClr val="dk1"/>
+          </a:lnRef>
+          <a:fillRef idx="3">
+            <a:schemeClr val="dk1"/>
+          </a:fillRef>
+          <a:effectRef idx="3">
+            <a:schemeClr val="dk1"/>
+          </a:effectRef>
+          <a:fontRef idx="minor">
+            <a:schemeClr val="lt1"/>
+          </a:fontRef>
+        </p:style>
+        <p:txBody>
+          <a:bodyPr/>
+          <a:lstStyle/>
+          <a:p>
+            <a:pPr marL="0" indent="0" algn="ctr">
+              <a:buNone/>
+            </a:pPr>
+            <a:r>
+              <a:rPr lang="en-US" dirty="0">
+                <a:solidFill>
+                  <a:schemeClr val="bg1"/>
+                </a:solidFill>
+              </a:rPr>
+              <a:t>Compose for Desktop</a:t>
             </a:r>
           </a:p>
         </p:txBody>
@@ -2949,7 +4425,149 @@
 </p:sld>
 </file>
 
-<file path=ppt/slides/slide6.xml><?xml version="1.0" encoding="utf-8"?>
+<file path=ppt/slides/slide8.xml><?xml version="1.0" encoding="utf-8"?>
+<p:sld xmlns:a="http://schemas.openxmlformats.org/drawingml/2006/main" xmlns:r="http://schemas.openxmlformats.org/officeDocument/2006/relationships" xmlns:p="http://schemas.openxmlformats.org/presentationml/2006/main">
+  <p:cSld>
+    <p:spTree>
+      <p:nvGrpSpPr>
+        <p:cNvPr id="1" name=""/>
+        <p:cNvGrpSpPr/>
+        <p:nvPr/>
+      </p:nvGrpSpPr>
+      <p:grpSpPr>
+        <a:xfrm>
+          <a:off x="0" y="0"/>
+          <a:ext cx="0" cy="0"/>
+          <a:chOff x="0" y="0"/>
+          <a:chExt cx="0" cy="0"/>
+        </a:xfrm>
+      </p:grpSpPr>
+      <p:sp>
+        <p:nvSpPr>
+          <p:cNvPr id="211" name="Foliennummer"/>
+          <p:cNvSpPr txBox="1">
+            <a:spLocks noGrp="1"/>
+          </p:cNvSpPr>
+          <p:nvPr>
+            <p:ph type="sldNum" sz="quarter" idx="4294967295"/>
+          </p:nvPr>
+        </p:nvSpPr>
+        <p:spPr>
+          <a:xfrm>
+            <a:off x="11959031" y="13081000"/>
+            <a:ext cx="453238" cy="461059"/>
+          </a:xfrm>
+          <a:prstGeom prst="rect">
+            <a:avLst/>
+          </a:prstGeom>
+          <a:extLst>
+            <a:ext uri="{C572A759-6A51-4108-AA02-DFA0A04FC94B}">
+              <ma14:wrappingTextBoxFlag xmlns:ma14="http://schemas.microsoft.com/office/mac/drawingml/2011/main" xmlns:a14="http://schemas.microsoft.com/office/drawing/2010/main" xmlns:m="http://schemas.openxmlformats.org/officeDocument/2006/math" xmlns="" val="1"/>
+            </a:ext>
+          </a:extLst>
+        </p:spPr>
+        <p:txBody>
+          <a:bodyPr/>
+          <a:lstStyle/>
+          <a:p>
+            <a:fld id="{86CB4B4D-7CA3-9044-876B-883B54F8677D}" type="slidenum">
+              <a:t>8</a:t>
+            </a:fld>
+            <a:endParaRPr/>
+          </a:p>
+        </p:txBody>
+      </p:sp>
+      <p:pic>
+        <p:nvPicPr>
+          <p:cNvPr id="212" name="Bild" descr="Bild"/>
+          <p:cNvPicPr>
+            <a:picLocks noChangeAspect="1"/>
+          </p:cNvPicPr>
+          <p:nvPr/>
+        </p:nvPicPr>
+        <p:blipFill>
+          <a:blip r:embed="rId2" cstate="email">
+            <a:extLst>
+              <a:ext uri="{28A0092B-C50C-407E-A947-70E740481C1C}">
+                <a14:useLocalDpi xmlns:a14="http://schemas.microsoft.com/office/drawing/2010/main"/>
+              </a:ext>
+            </a:extLst>
+          </a:blip>
+          <a:srcRect/>
+          <a:stretch>
+            <a:fillRect/>
+          </a:stretch>
+        </p:blipFill>
+        <p:spPr>
+          <a:xfrm>
+            <a:off x="0" y="3050778"/>
+            <a:ext cx="24384157" cy="7614386"/>
+          </a:xfrm>
+          <a:prstGeom prst="rect">
+            <a:avLst/>
+          </a:prstGeom>
+          <a:ln w="12700">
+            <a:miter lim="400000"/>
+          </a:ln>
+        </p:spPr>
+      </p:pic>
+      <p:sp>
+        <p:nvSpPr>
+          <p:cNvPr id="213" name="https://unsplash.com/photos/i--IN3cvEjg"/>
+          <p:cNvSpPr txBox="1"/>
+          <p:nvPr/>
+        </p:nvSpPr>
+        <p:spPr>
+          <a:xfrm>
+            <a:off x="0" y="10104714"/>
+            <a:ext cx="7536943" cy="560450"/>
+          </a:xfrm>
+          <a:prstGeom prst="rect">
+            <a:avLst/>
+          </a:prstGeom>
+          <a:ln w="12700">
+            <a:miter lim="400000"/>
+          </a:ln>
+          <a:extLst>
+            <a:ext uri="{C572A759-6A51-4108-AA02-DFA0A04FC94B}">
+              <ma14:wrappingTextBoxFlag xmlns:ma14="http://schemas.microsoft.com/office/mac/drawingml/2011/main" xmlns:a14="http://schemas.microsoft.com/office/drawing/2010/main" xmlns:m="http://schemas.openxmlformats.org/officeDocument/2006/math" xmlns="" val="1"/>
+            </a:ext>
+          </a:extLst>
+        </p:spPr>
+        <p:txBody>
+          <a:bodyPr wrap="none" lIns="50800" tIns="50800" rIns="50800" bIns="50800" anchor="ctr">
+            <a:spAutoFit/>
+          </a:bodyPr>
+          <a:lstStyle>
+            <a:lvl1pPr>
+              <a:defRPr>
+                <a:solidFill>
+                  <a:srgbClr val="FFFFFF"/>
+                </a:solidFill>
+              </a:defRPr>
+            </a:lvl1pPr>
+          </a:lstStyle>
+          <a:p>
+            <a:pPr algn="l"/>
+            <a:r>
+              <a:rPr dirty="0"/>
+              <a:t>https://unsplash.com/photos/i--IN3cvEjg</a:t>
+            </a:r>
+          </a:p>
+        </p:txBody>
+      </p:sp>
+    </p:spTree>
+  </p:cSld>
+  <p:clrMapOvr>
+    <a:masterClrMapping/>
+  </p:clrMapOvr>
+  <p:transition spd="med">
+    <p:pull/>
+  </p:transition>
+</p:sld>
+</file>
+
+<file path=ppt/slides/slide9.xml><?xml version="1.0" encoding="utf-8"?>
 <p:sld xmlns:a="http://schemas.openxmlformats.org/drawingml/2006/main" xmlns:r="http://schemas.openxmlformats.org/officeDocument/2006/relationships" xmlns:p="http://schemas.openxmlformats.org/presentationml/2006/main">
   <p:cSld>
     <p:spTree>
@@ -2993,7 +4611,7 @@
         </p:blipFill>
         <p:spPr bwMode="auto">
           <a:xfrm>
-            <a:off x="12395200" y="1374393"/>
+            <a:off x="12395200" y="1159241"/>
             <a:ext cx="11988800" cy="10967212"/>
           </a:xfrm>
           <a:prstGeom prst="rect">
@@ -3038,41 +4656,49 @@
           <a:lstStyle/>
           <a:p>
             <a:r>
-              <a:rPr lang="en-GB"/>
-              <a:t>Kotlin Multiplatform: Apps for more than one platform</a:t>
+              <a:rPr lang="en-GB" b="1" dirty="0"/>
+              <a:t>Kotlin Multiplatform</a:t>
+            </a:r>
+            <a:r>
+              <a:rPr lang="en-GB" dirty="0"/>
+              <a:t>: Apps for more than one platform</a:t>
             </a:r>
           </a:p>
           <a:p>
             <a:pPr lvl="1"/>
             <a:r>
-              <a:rPr lang="en-GB"/>
+              <a:rPr lang="en-GB" dirty="0"/>
               <a:t>Plugin, Gradle integration</a:t>
             </a:r>
           </a:p>
           <a:p>
             <a:pPr lvl="1"/>
             <a:r>
-              <a:rPr lang="en-GB"/>
+              <a:rPr lang="en-GB" dirty="0"/>
               <a:t>Project structure</a:t>
             </a:r>
           </a:p>
           <a:p>
             <a:r>
-              <a:rPr lang="en-GB"/>
-              <a:t>Kotlin/Native: Apps for devices without a virtual machine</a:t>
+              <a:rPr lang="en-GB" b="1" dirty="0"/>
+              <a:t>Kotlin/Native</a:t>
+            </a:r>
+            <a:r>
+              <a:rPr lang="en-GB" dirty="0"/>
+              <a:t>: Apps for devices without a virtual machine</a:t>
             </a:r>
           </a:p>
           <a:p>
             <a:pPr lvl="1"/>
             <a:r>
-              <a:rPr lang="en-GB"/>
+              <a:rPr lang="en-GB" dirty="0"/>
               <a:t>Target architecture</a:t>
             </a:r>
           </a:p>
           <a:p>
             <a:pPr lvl="1"/>
             <a:r>
-              <a:rPr lang="en-GB"/>
+              <a:rPr lang="en-GB" dirty="0"/>
               <a:t>Integration</a:t>
             </a:r>
           </a:p>
@@ -3149,328 +4775,6 @@
     <p:extLst>
       <p:ext uri="{BB962C8B-B14F-4D97-AF65-F5344CB8AC3E}">
         <p14:creationId xmlns:p14="http://schemas.microsoft.com/office/powerpoint/2010/main" val="1288003666"/>
-      </p:ext>
-    </p:extLst>
-  </p:cSld>
-  <p:clrMapOvr>
-    <a:masterClrMapping/>
-  </p:clrMapOvr>
-  <p:transition spd="med">
-    <p:pull/>
-  </p:transition>
-</p:sld>
-</file>
-
-<file path=ppt/slides/slide7.xml><?xml version="1.0" encoding="utf-8"?>
-<p:sld xmlns:a="http://schemas.openxmlformats.org/drawingml/2006/main" xmlns:r="http://schemas.openxmlformats.org/officeDocument/2006/relationships" xmlns:p="http://schemas.openxmlformats.org/presentationml/2006/main">
-  <p:cSld>
-    <p:spTree>
-      <p:nvGrpSpPr>
-        <p:cNvPr id="1" name=""/>
-        <p:cNvGrpSpPr/>
-        <p:nvPr/>
-      </p:nvGrpSpPr>
-      <p:grpSpPr>
-        <a:xfrm>
-          <a:off x="0" y="0"/>
-          <a:ext cx="0" cy="0"/>
-          <a:chOff x="0" y="0"/>
-          <a:chExt cx="0" cy="0"/>
-        </a:xfrm>
-      </p:grpSpPr>
-      <p:sp>
-        <p:nvSpPr>
-          <p:cNvPr id="4" name="Titel 3">
-            <a:extLst>
-              <a:ext uri="{FF2B5EF4-FFF2-40B4-BE49-F238E27FC236}">
-                <a16:creationId xmlns:a16="http://schemas.microsoft.com/office/drawing/2014/main" id="{D8395AF4-5120-CF4D-6999-10CB7FAE800E}"/>
-              </a:ext>
-            </a:extLst>
-          </p:cNvPr>
-          <p:cNvSpPr>
-            <a:spLocks noGrp="1"/>
-          </p:cNvSpPr>
-          <p:nvPr>
-            <p:ph type="title"/>
-          </p:nvPr>
-        </p:nvSpPr>
-        <p:spPr/>
-        <p:txBody>
-          <a:bodyPr/>
-          <a:lstStyle/>
-          <a:p>
-            <a:r>
-              <a:rPr lang="en-GB" dirty="0"/>
-              <a:t>Kotlin/Native</a:t>
-            </a:r>
-          </a:p>
-        </p:txBody>
-      </p:sp>
-      <p:sp>
-        <p:nvSpPr>
-          <p:cNvPr id="3" name="Textplatzhalter 2">
-            <a:extLst>
-              <a:ext uri="{FF2B5EF4-FFF2-40B4-BE49-F238E27FC236}">
-                <a16:creationId xmlns:a16="http://schemas.microsoft.com/office/drawing/2014/main" id="{0F64DEAD-67EA-DE69-601D-BBF213A734E0}"/>
-              </a:ext>
-            </a:extLst>
-          </p:cNvPr>
-          <p:cNvSpPr>
-            <a:spLocks noGrp="1"/>
-          </p:cNvSpPr>
-          <p:nvPr>
-            <p:ph type="body" sz="half" idx="4294967295"/>
-          </p:nvPr>
-        </p:nvSpPr>
-        <p:spPr/>
-        <p:txBody>
-          <a:bodyPr/>
-          <a:lstStyle/>
-          <a:p>
-            <a:r>
-              <a:rPr lang="en-GB" dirty="0"/>
-              <a:t>Compiles Kotlin into native code</a:t>
-            </a:r>
-          </a:p>
-          <a:p>
-            <a:r>
-              <a:rPr lang="en-GB" dirty="0"/>
-              <a:t>LLVM-based backend for the Kotlin compiler</a:t>
-            </a:r>
-          </a:p>
-          <a:p>
-            <a:r>
-              <a:rPr lang="en-GB" dirty="0"/>
-              <a:t>Provides</a:t>
-            </a:r>
-          </a:p>
-          <a:p>
-            <a:pPr lvl="1"/>
-            <a:r>
-              <a:rPr lang="en-GB" dirty="0"/>
-              <a:t>native implementations of the Kotlin standard libraries</a:t>
-            </a:r>
-          </a:p>
-          <a:p>
-            <a:pPr lvl="1"/>
-            <a:r>
-              <a:rPr lang="en-GB" dirty="0"/>
-              <a:t>interop to the platform</a:t>
-            </a:r>
-          </a:p>
-          <a:p>
-            <a:pPr lvl="1"/>
-            <a:r>
-              <a:rPr lang="en-GB" dirty="0"/>
-              <a:t>bindings for platform-specific libraries</a:t>
-            </a:r>
-          </a:p>
-        </p:txBody>
-      </p:sp>
-    </p:spTree>
-    <p:extLst>
-      <p:ext uri="{BB962C8B-B14F-4D97-AF65-F5344CB8AC3E}">
-        <p14:creationId xmlns:p14="http://schemas.microsoft.com/office/powerpoint/2010/main" val="864821450"/>
-      </p:ext>
-    </p:extLst>
-  </p:cSld>
-  <p:clrMapOvr>
-    <a:masterClrMapping/>
-  </p:clrMapOvr>
-  <p:transition spd="med">
-    <p:pull/>
-  </p:transition>
-</p:sld>
-</file>
-
-<file path=ppt/slides/slide8.xml><?xml version="1.0" encoding="utf-8"?>
-<p:sld xmlns:a="http://schemas.openxmlformats.org/drawingml/2006/main" xmlns:r="http://schemas.openxmlformats.org/officeDocument/2006/relationships" xmlns:p="http://schemas.openxmlformats.org/presentationml/2006/main">
-  <p:cSld>
-    <p:spTree>
-      <p:nvGrpSpPr>
-        <p:cNvPr id="1" name=""/>
-        <p:cNvGrpSpPr/>
-        <p:nvPr/>
-      </p:nvGrpSpPr>
-      <p:grpSpPr>
-        <a:xfrm>
-          <a:off x="0" y="0"/>
-          <a:ext cx="0" cy="0"/>
-          <a:chOff x="0" y="0"/>
-          <a:chExt cx="0" cy="0"/>
-        </a:xfrm>
-      </p:grpSpPr>
-      <p:sp>
-        <p:nvSpPr>
-          <p:cNvPr id="7" name="Textplatzhalter 6">
-            <a:extLst>
-              <a:ext uri="{FF2B5EF4-FFF2-40B4-BE49-F238E27FC236}">
-                <a16:creationId xmlns:a16="http://schemas.microsoft.com/office/drawing/2014/main" id="{984F3EE1-6598-93D5-2A4A-D93DDCA3372D}"/>
-              </a:ext>
-            </a:extLst>
-          </p:cNvPr>
-          <p:cNvSpPr>
-            <a:spLocks noGrp="1"/>
-          </p:cNvSpPr>
-          <p:nvPr>
-            <p:ph type="body" sz="half" idx="4294967295"/>
-          </p:nvPr>
-        </p:nvSpPr>
-        <p:spPr>
-          <a:xfrm>
-            <a:off x="1689100" y="381000"/>
-            <a:ext cx="18153380" cy="12827000"/>
-          </a:xfrm>
-        </p:spPr>
-        <p:txBody>
-          <a:bodyPr/>
-          <a:lstStyle/>
-          <a:p>
-            <a:r>
-              <a:rPr lang="en-GB" dirty="0"/>
-              <a:t>Based on platform and target, Kotlin/Native creates</a:t>
-            </a:r>
-          </a:p>
-          <a:p>
-            <a:pPr lvl="1"/>
-            <a:r>
-              <a:rPr lang="en-GB" dirty="0"/>
-              <a:t>executables</a:t>
-            </a:r>
-          </a:p>
-          <a:p>
-            <a:pPr lvl="1"/>
-            <a:r>
-              <a:rPr lang="en-GB" dirty="0"/>
-              <a:t>static or dynamic libraries with headers for C and C++ projects</a:t>
-            </a:r>
-          </a:p>
-          <a:p>
-            <a:pPr lvl="1"/>
-            <a:r>
-              <a:rPr lang="en-GB" dirty="0"/>
-              <a:t>Apple frameworks for Objective-C and Swift projects</a:t>
-            </a:r>
-          </a:p>
-          <a:p>
-            <a:r>
-              <a:rPr lang="en-GB" dirty="0"/>
-              <a:t>Kotlin code can consume</a:t>
-            </a:r>
-          </a:p>
-          <a:p>
-            <a:pPr lvl="1"/>
-            <a:r>
-              <a:rPr lang="en-GB" dirty="0"/>
-              <a:t>existing static or dynamic C libraries</a:t>
-            </a:r>
-          </a:p>
-          <a:p>
-            <a:pPr lvl="1"/>
-            <a:r>
-              <a:rPr lang="en-GB" dirty="0"/>
-              <a:t>Swift and Objective-C frameworks</a:t>
-            </a:r>
-          </a:p>
-        </p:txBody>
-      </p:sp>
-    </p:spTree>
-    <p:extLst>
-      <p:ext uri="{BB962C8B-B14F-4D97-AF65-F5344CB8AC3E}">
-        <p14:creationId xmlns:p14="http://schemas.microsoft.com/office/powerpoint/2010/main" val="2321757936"/>
-      </p:ext>
-    </p:extLst>
-  </p:cSld>
-  <p:clrMapOvr>
-    <a:masterClrMapping/>
-  </p:clrMapOvr>
-  <p:transition spd="med">
-    <p:pull/>
-  </p:transition>
-</p:sld>
-</file>
-
-<file path=ppt/slides/slide9.xml><?xml version="1.0" encoding="utf-8"?>
-<p:sld xmlns:a="http://schemas.openxmlformats.org/drawingml/2006/main" xmlns:r="http://schemas.openxmlformats.org/officeDocument/2006/relationships" xmlns:p="http://schemas.openxmlformats.org/presentationml/2006/main">
-  <p:cSld>
-    <p:spTree>
-      <p:nvGrpSpPr>
-        <p:cNvPr id="1" name=""/>
-        <p:cNvGrpSpPr/>
-        <p:nvPr/>
-      </p:nvGrpSpPr>
-      <p:grpSpPr>
-        <a:xfrm>
-          <a:off x="0" y="0"/>
-          <a:ext cx="0" cy="0"/>
-          <a:chOff x="0" y="0"/>
-          <a:chExt cx="0" cy="0"/>
-        </a:xfrm>
-      </p:grpSpPr>
-      <p:sp>
-        <p:nvSpPr>
-          <p:cNvPr id="3" name="Textplatzhalter 2">
-            <a:extLst>
-              <a:ext uri="{FF2B5EF4-FFF2-40B4-BE49-F238E27FC236}">
-                <a16:creationId xmlns:a16="http://schemas.microsoft.com/office/drawing/2014/main" id="{B47EC360-56E0-F9FF-C1C5-191E9370BCF0}"/>
-              </a:ext>
-            </a:extLst>
-          </p:cNvPr>
-          <p:cNvSpPr>
-            <a:spLocks noGrp="1"/>
-          </p:cNvSpPr>
-          <p:nvPr>
-            <p:ph type="body" sz="half" idx="4294967295"/>
-          </p:nvPr>
-        </p:nvSpPr>
-        <p:spPr/>
-        <p:txBody>
-          <a:bodyPr/>
-          <a:lstStyle/>
-          <a:p>
-            <a:r>
-              <a:rPr lang="en-GB" dirty="0"/>
-              <a:t>Projects are structured using </a:t>
-            </a:r>
-            <a:r>
-              <a:rPr lang="en-GB" b="1" dirty="0"/>
-              <a:t>source sets</a:t>
-            </a:r>
-          </a:p>
-          <a:p>
-            <a:r>
-              <a:rPr lang="en-GB" dirty="0"/>
-              <a:t>Typically two branches</a:t>
-            </a:r>
-          </a:p>
-          <a:p>
-            <a:pPr lvl="1"/>
-            <a:r>
-              <a:rPr lang="en-GB" b="1" dirty="0"/>
-              <a:t>main</a:t>
-            </a:r>
-            <a:r>
-              <a:rPr lang="en-GB" dirty="0"/>
-              <a:t> for the code</a:t>
-            </a:r>
-          </a:p>
-          <a:p>
-            <a:pPr lvl="1"/>
-            <a:r>
-              <a:rPr lang="en-GB" b="1" dirty="0"/>
-              <a:t>test</a:t>
-            </a:r>
-            <a:r>
-              <a:rPr lang="en-GB" dirty="0"/>
-              <a:t> for unit tests</a:t>
-            </a:r>
-          </a:p>
-        </p:txBody>
-      </p:sp>
-    </p:spTree>
-    <p:extLst>
-      <p:ext uri="{BB962C8B-B14F-4D97-AF65-F5344CB8AC3E}">
-        <p14:creationId xmlns:p14="http://schemas.microsoft.com/office/powerpoint/2010/main" val="1297990573"/>
       </p:ext>
     </p:extLst>
   </p:cSld>

--- a/slides/06_Beyond Android.pptx
+++ b/slides/06_Beyond Android.pptx
@@ -5,27 +5,13 @@
     <p:sldMasterId id="2147483648" r:id="rId1"/>
   </p:sldMasterIdLst>
   <p:notesMasterIdLst>
-    <p:notesMasterId r:id="rId20"/>
+    <p:notesMasterId r:id="rId6"/>
   </p:notesMasterIdLst>
   <p:sldIdLst>
     <p:sldId id="256" r:id="rId2"/>
-    <p:sldId id="292" r:id="rId3"/>
-    <p:sldId id="293" r:id="rId4"/>
-    <p:sldId id="294" r:id="rId5"/>
-    <p:sldId id="309" r:id="rId6"/>
-    <p:sldId id="311" r:id="rId7"/>
-    <p:sldId id="295" r:id="rId8"/>
-    <p:sldId id="269" r:id="rId9"/>
-    <p:sldId id="306" r:id="rId10"/>
-    <p:sldId id="304" r:id="rId11"/>
-    <p:sldId id="303" r:id="rId12"/>
-    <p:sldId id="310" r:id="rId13"/>
-    <p:sldId id="301" r:id="rId14"/>
-    <p:sldId id="300" r:id="rId15"/>
-    <p:sldId id="299" r:id="rId16"/>
-    <p:sldId id="307" r:id="rId17"/>
-    <p:sldId id="312" r:id="rId18"/>
-    <p:sldId id="291" r:id="rId19"/>
+    <p:sldId id="357" r:id="rId3"/>
+    <p:sldId id="294" r:id="rId4"/>
+    <p:sldId id="291" r:id="rId5"/>
   </p:sldIdLst>
   <p:sldSz cx="24384000" cy="13716000"/>
   <p:notesSz cx="6858000" cy="9144000"/>
@@ -333,6 +319,232 @@
     </p:ext>
   </p:extLst>
 </p:presentation>
+</file>
+
+<file path=ppt/revisionInfo.xml><?xml version="1.0" encoding="utf-8"?>
+<p1510:revInfo xmlns:a="http://schemas.openxmlformats.org/drawingml/2006/main" xmlns:r="http://schemas.openxmlformats.org/officeDocument/2006/relationships" xmlns:p1510="http://schemas.microsoft.com/office/powerpoint/2015/10/main">
+  <p1510:revLst>
+    <p1510:client id="{BAF73309-624F-5A40-A460-0A13EF19082B}" v="4" dt="2023-10-16T14:27:01.131"/>
+  </p1510:revLst>
+</p1510:revInfo>
+</file>
+
+<file path=ppt/changesInfos/changesInfo1.xml><?xml version="1.0" encoding="utf-8"?>
+<pc:chgInfo xmlns:a="http://schemas.openxmlformats.org/drawingml/2006/main" xmlns:r="http://schemas.openxmlformats.org/officeDocument/2006/relationships" xmlns:ac="http://schemas.microsoft.com/office/drawing/2013/main/command" xmlns:pc="http://schemas.microsoft.com/office/powerpoint/2013/main/command">
+  <pc:docChgLst>
+    <pc:chgData name="Thomas Künneth" userId="1a1af1383d98278e" providerId="LiveId" clId="{BAF73309-624F-5A40-A460-0A13EF19082B}"/>
+    <pc:docChg chg="custSel addSld delSld modSld">
+      <pc:chgData name="Thomas Künneth" userId="1a1af1383d98278e" providerId="LiveId" clId="{BAF73309-624F-5A40-A460-0A13EF19082B}" dt="2023-10-16T14:28:33.317" v="62" actId="12788"/>
+      <pc:docMkLst>
+        <pc:docMk/>
+      </pc:docMkLst>
+      <pc:sldChg chg="modSp mod">
+        <pc:chgData name="Thomas Künneth" userId="1a1af1383d98278e" providerId="LiveId" clId="{BAF73309-624F-5A40-A460-0A13EF19082B}" dt="2023-10-15T14:16:38.359" v="35" actId="14100"/>
+        <pc:sldMkLst>
+          <pc:docMk/>
+          <pc:sldMk cId="0" sldId="256"/>
+        </pc:sldMkLst>
+        <pc:spChg chg="mod">
+          <ac:chgData name="Thomas Künneth" userId="1a1af1383d98278e" providerId="LiveId" clId="{BAF73309-624F-5A40-A460-0A13EF19082B}" dt="2023-10-15T14:16:38.359" v="35" actId="14100"/>
+          <ac:spMkLst>
+            <pc:docMk/>
+            <pc:sldMk cId="0" sldId="256"/>
+            <ac:spMk id="144" creationId="{00000000-0000-0000-0000-000000000000}"/>
+          </ac:spMkLst>
+        </pc:spChg>
+      </pc:sldChg>
+      <pc:sldChg chg="del">
+        <pc:chgData name="Thomas Künneth" userId="1a1af1383d98278e" providerId="LiveId" clId="{BAF73309-624F-5A40-A460-0A13EF19082B}" dt="2023-10-15T14:15:44.076" v="0" actId="2696"/>
+        <pc:sldMkLst>
+          <pc:docMk/>
+          <pc:sldMk cId="0" sldId="269"/>
+        </pc:sldMkLst>
+      </pc:sldChg>
+      <pc:sldChg chg="modSp mod">
+        <pc:chgData name="Thomas Künneth" userId="1a1af1383d98278e" providerId="LiveId" clId="{BAF73309-624F-5A40-A460-0A13EF19082B}" dt="2023-10-15T14:15:51.581" v="2" actId="6549"/>
+        <pc:sldMkLst>
+          <pc:docMk/>
+          <pc:sldMk cId="0" sldId="291"/>
+        </pc:sldMkLst>
+        <pc:spChg chg="mod">
+          <ac:chgData name="Thomas Künneth" userId="1a1af1383d98278e" providerId="LiveId" clId="{BAF73309-624F-5A40-A460-0A13EF19082B}" dt="2023-10-15T14:15:51.581" v="2" actId="6549"/>
+          <ac:spMkLst>
+            <pc:docMk/>
+            <pc:sldMk cId="0" sldId="291"/>
+            <ac:spMk id="315" creationId="{00000000-0000-0000-0000-000000000000}"/>
+          </ac:spMkLst>
+        </pc:spChg>
+      </pc:sldChg>
+      <pc:sldChg chg="del">
+        <pc:chgData name="Thomas Künneth" userId="1a1af1383d98278e" providerId="LiveId" clId="{BAF73309-624F-5A40-A460-0A13EF19082B}" dt="2023-10-16T13:39:14.477" v="47" actId="2696"/>
+        <pc:sldMkLst>
+          <pc:docMk/>
+          <pc:sldMk cId="2021403755" sldId="292"/>
+        </pc:sldMkLst>
+      </pc:sldChg>
+      <pc:sldChg chg="modSp del mod">
+        <pc:chgData name="Thomas Künneth" userId="1a1af1383d98278e" providerId="LiveId" clId="{BAF73309-624F-5A40-A460-0A13EF19082B}" dt="2023-10-16T13:39:15.386" v="48" actId="2696"/>
+        <pc:sldMkLst>
+          <pc:docMk/>
+          <pc:sldMk cId="3941362118" sldId="293"/>
+        </pc:sldMkLst>
+        <pc:spChg chg="mod">
+          <ac:chgData name="Thomas Künneth" userId="1a1af1383d98278e" providerId="LiveId" clId="{BAF73309-624F-5A40-A460-0A13EF19082B}" dt="2023-10-15T14:17:23.386" v="37" actId="1076"/>
+          <ac:spMkLst>
+            <pc:docMk/>
+            <pc:sldMk cId="3941362118" sldId="293"/>
+            <ac:spMk id="4" creationId="{C16004F5-A207-2064-ED88-441E78A46E41}"/>
+          </ac:spMkLst>
+        </pc:spChg>
+      </pc:sldChg>
+      <pc:sldChg chg="addSp delSp modSp new mod modClrScheme chgLayout">
+        <pc:chgData name="Thomas Künneth" userId="1a1af1383d98278e" providerId="LiveId" clId="{BAF73309-624F-5A40-A460-0A13EF19082B}" dt="2023-10-16T14:28:33.317" v="62" actId="12788"/>
+        <pc:sldMkLst>
+          <pc:docMk/>
+          <pc:sldMk cId="35328081" sldId="294"/>
+        </pc:sldMkLst>
+        <pc:spChg chg="del">
+          <ac:chgData name="Thomas Künneth" userId="1a1af1383d98278e" providerId="LiveId" clId="{BAF73309-624F-5A40-A460-0A13EF19082B}" dt="2023-10-16T13:35:07.147" v="39" actId="700"/>
+          <ac:spMkLst>
+            <pc:docMk/>
+            <pc:sldMk cId="35328081" sldId="294"/>
+            <ac:spMk id="2" creationId="{3C8372C1-83DE-A1CB-9327-602FD6ECBF7B}"/>
+          </ac:spMkLst>
+        </pc:spChg>
+        <pc:spChg chg="add mod">
+          <ac:chgData name="Thomas Künneth" userId="1a1af1383d98278e" providerId="LiveId" clId="{BAF73309-624F-5A40-A460-0A13EF19082B}" dt="2023-10-16T14:28:33.317" v="62" actId="12788"/>
+          <ac:spMkLst>
+            <pc:docMk/>
+            <pc:sldMk cId="35328081" sldId="294"/>
+            <ac:spMk id="7" creationId="{B375C25E-A3CF-2CFE-F82C-6FD9E43C8346}"/>
+          </ac:spMkLst>
+        </pc:spChg>
+        <pc:picChg chg="add mod">
+          <ac:chgData name="Thomas Künneth" userId="1a1af1383d98278e" providerId="LiveId" clId="{BAF73309-624F-5A40-A460-0A13EF19082B}" dt="2023-10-16T13:38:07.842" v="44" actId="1076"/>
+          <ac:picMkLst>
+            <pc:docMk/>
+            <pc:sldMk cId="35328081" sldId="294"/>
+            <ac:picMk id="3" creationId="{235467B1-F0E4-01E3-F635-EAE4A4A4FE2A}"/>
+          </ac:picMkLst>
+        </pc:picChg>
+        <pc:picChg chg="add mod">
+          <ac:chgData name="Thomas Künneth" userId="1a1af1383d98278e" providerId="LiveId" clId="{BAF73309-624F-5A40-A460-0A13EF19082B}" dt="2023-10-16T13:38:13.671" v="46" actId="1076"/>
+          <ac:picMkLst>
+            <pc:docMk/>
+            <pc:sldMk cId="35328081" sldId="294"/>
+            <ac:picMk id="4" creationId="{51184C64-F701-79E6-7E25-A2A1B50DA0F6}"/>
+          </ac:picMkLst>
+        </pc:picChg>
+        <pc:picChg chg="add mod">
+          <ac:chgData name="Thomas Künneth" userId="1a1af1383d98278e" providerId="LiveId" clId="{BAF73309-624F-5A40-A460-0A13EF19082B}" dt="2023-10-16T13:38:09.631" v="45" actId="1076"/>
+          <ac:picMkLst>
+            <pc:docMk/>
+            <pc:sldMk cId="35328081" sldId="294"/>
+            <ac:picMk id="5" creationId="{084D6761-C382-CB2B-3668-5EC7AC44D0DF}"/>
+          </ac:picMkLst>
+        </pc:picChg>
+      </pc:sldChg>
+      <pc:sldChg chg="del">
+        <pc:chgData name="Thomas Künneth" userId="1a1af1383d98278e" providerId="LiveId" clId="{BAF73309-624F-5A40-A460-0A13EF19082B}" dt="2023-10-15T14:15:44.076" v="0" actId="2696"/>
+        <pc:sldMkLst>
+          <pc:docMk/>
+          <pc:sldMk cId="4259518782" sldId="294"/>
+        </pc:sldMkLst>
+      </pc:sldChg>
+      <pc:sldChg chg="del">
+        <pc:chgData name="Thomas Künneth" userId="1a1af1383d98278e" providerId="LiveId" clId="{BAF73309-624F-5A40-A460-0A13EF19082B}" dt="2023-10-15T14:15:44.076" v="0" actId="2696"/>
+        <pc:sldMkLst>
+          <pc:docMk/>
+          <pc:sldMk cId="2462351485" sldId="295"/>
+        </pc:sldMkLst>
+      </pc:sldChg>
+      <pc:sldChg chg="del">
+        <pc:chgData name="Thomas Künneth" userId="1a1af1383d98278e" providerId="LiveId" clId="{BAF73309-624F-5A40-A460-0A13EF19082B}" dt="2023-10-15T14:15:44.076" v="0" actId="2696"/>
+        <pc:sldMkLst>
+          <pc:docMk/>
+          <pc:sldMk cId="2077557950" sldId="299"/>
+        </pc:sldMkLst>
+      </pc:sldChg>
+      <pc:sldChg chg="del">
+        <pc:chgData name="Thomas Künneth" userId="1a1af1383d98278e" providerId="LiveId" clId="{BAF73309-624F-5A40-A460-0A13EF19082B}" dt="2023-10-15T14:15:44.076" v="0" actId="2696"/>
+        <pc:sldMkLst>
+          <pc:docMk/>
+          <pc:sldMk cId="1472415937" sldId="300"/>
+        </pc:sldMkLst>
+      </pc:sldChg>
+      <pc:sldChg chg="del">
+        <pc:chgData name="Thomas Künneth" userId="1a1af1383d98278e" providerId="LiveId" clId="{BAF73309-624F-5A40-A460-0A13EF19082B}" dt="2023-10-15T14:15:44.076" v="0" actId="2696"/>
+        <pc:sldMkLst>
+          <pc:docMk/>
+          <pc:sldMk cId="1297990573" sldId="301"/>
+        </pc:sldMkLst>
+      </pc:sldChg>
+      <pc:sldChg chg="del">
+        <pc:chgData name="Thomas Künneth" userId="1a1af1383d98278e" providerId="LiveId" clId="{BAF73309-624F-5A40-A460-0A13EF19082B}" dt="2023-10-15T14:15:44.076" v="0" actId="2696"/>
+        <pc:sldMkLst>
+          <pc:docMk/>
+          <pc:sldMk cId="2321757936" sldId="303"/>
+        </pc:sldMkLst>
+      </pc:sldChg>
+      <pc:sldChg chg="del">
+        <pc:chgData name="Thomas Künneth" userId="1a1af1383d98278e" providerId="LiveId" clId="{BAF73309-624F-5A40-A460-0A13EF19082B}" dt="2023-10-15T14:15:44.076" v="0" actId="2696"/>
+        <pc:sldMkLst>
+          <pc:docMk/>
+          <pc:sldMk cId="864821450" sldId="304"/>
+        </pc:sldMkLst>
+      </pc:sldChg>
+      <pc:sldChg chg="del">
+        <pc:chgData name="Thomas Künneth" userId="1a1af1383d98278e" providerId="LiveId" clId="{BAF73309-624F-5A40-A460-0A13EF19082B}" dt="2023-10-15T14:15:44.076" v="0" actId="2696"/>
+        <pc:sldMkLst>
+          <pc:docMk/>
+          <pc:sldMk cId="1288003666" sldId="306"/>
+        </pc:sldMkLst>
+      </pc:sldChg>
+      <pc:sldChg chg="del">
+        <pc:chgData name="Thomas Künneth" userId="1a1af1383d98278e" providerId="LiveId" clId="{BAF73309-624F-5A40-A460-0A13EF19082B}" dt="2023-10-15T14:15:44.076" v="0" actId="2696"/>
+        <pc:sldMkLst>
+          <pc:docMk/>
+          <pc:sldMk cId="580966842" sldId="307"/>
+        </pc:sldMkLst>
+      </pc:sldChg>
+      <pc:sldChg chg="del">
+        <pc:chgData name="Thomas Künneth" userId="1a1af1383d98278e" providerId="LiveId" clId="{BAF73309-624F-5A40-A460-0A13EF19082B}" dt="2023-10-15T14:15:44.076" v="0" actId="2696"/>
+        <pc:sldMkLst>
+          <pc:docMk/>
+          <pc:sldMk cId="278507504" sldId="309"/>
+        </pc:sldMkLst>
+      </pc:sldChg>
+      <pc:sldChg chg="del">
+        <pc:chgData name="Thomas Künneth" userId="1a1af1383d98278e" providerId="LiveId" clId="{BAF73309-624F-5A40-A460-0A13EF19082B}" dt="2023-10-15T14:15:44.076" v="0" actId="2696"/>
+        <pc:sldMkLst>
+          <pc:docMk/>
+          <pc:sldMk cId="463140000" sldId="310"/>
+        </pc:sldMkLst>
+      </pc:sldChg>
+      <pc:sldChg chg="del">
+        <pc:chgData name="Thomas Künneth" userId="1a1af1383d98278e" providerId="LiveId" clId="{BAF73309-624F-5A40-A460-0A13EF19082B}" dt="2023-10-15T14:15:44.076" v="0" actId="2696"/>
+        <pc:sldMkLst>
+          <pc:docMk/>
+          <pc:sldMk cId="2435211595" sldId="311"/>
+        </pc:sldMkLst>
+      </pc:sldChg>
+      <pc:sldChg chg="del">
+        <pc:chgData name="Thomas Künneth" userId="1a1af1383d98278e" providerId="LiveId" clId="{BAF73309-624F-5A40-A460-0A13EF19082B}" dt="2023-10-15T14:15:44.076" v="0" actId="2696"/>
+        <pc:sldMkLst>
+          <pc:docMk/>
+          <pc:sldMk cId="2844253953" sldId="312"/>
+        </pc:sldMkLst>
+      </pc:sldChg>
+      <pc:sldChg chg="add">
+        <pc:chgData name="Thomas Künneth" userId="1a1af1383d98278e" providerId="LiveId" clId="{BAF73309-624F-5A40-A460-0A13EF19082B}" dt="2023-10-16T14:27:01.121" v="60"/>
+        <pc:sldMkLst>
+          <pc:docMk/>
+          <pc:sldMk cId="0" sldId="357"/>
+        </pc:sldMkLst>
+      </pc:sldChg>
+    </pc:docChg>
+  </pc:docChgLst>
+</pc:chgInfo>
 </file>
 
 <file path=ppt/notesMasters/notesMaster1.xml><?xml version="1.0" encoding="utf-8"?>
@@ -1007,7 +1219,7 @@
           </a:ln>
           <a:extLst>
             <a:ext uri="{C572A759-6A51-4108-AA02-DFA0A04FC94B}">
-              <ma14:wrappingTextBoxFlag xmlns:ma14="http://schemas.microsoft.com/office/mac/drawingml/2011/main" xmlns:a14="http://schemas.microsoft.com/office/drawing/2010/main" xmlns:m="http://schemas.openxmlformats.org/officeDocument/2006/math" xmlns="" val="1"/>
+              <ma14:wrappingTextBoxFlag xmlns="" xmlns:m="http://schemas.openxmlformats.org/officeDocument/2006/math" xmlns:a14="http://schemas.microsoft.com/office/drawing/2010/main" xmlns:ma14="http://schemas.microsoft.com/office/mac/drawingml/2011/main" val="1"/>
             </a:ext>
           </a:extLst>
         </p:spPr>
@@ -1048,7 +1260,7 @@
           </a:ln>
           <a:extLst>
             <a:ext uri="{C572A759-6A51-4108-AA02-DFA0A04FC94B}">
-              <ma14:wrappingTextBoxFlag xmlns:ma14="http://schemas.microsoft.com/office/mac/drawingml/2011/main" xmlns:a14="http://schemas.microsoft.com/office/drawing/2010/main" xmlns:m="http://schemas.openxmlformats.org/officeDocument/2006/math" xmlns="" val="1"/>
+              <ma14:wrappingTextBoxFlag xmlns="" xmlns:m="http://schemas.openxmlformats.org/officeDocument/2006/math" xmlns:a14="http://schemas.microsoft.com/office/drawing/2010/main" xmlns:ma14="http://schemas.microsoft.com/office/mac/drawingml/2011/main" val="1"/>
             </a:ext>
           </a:extLst>
         </p:spPr>
@@ -1999,7 +2211,7 @@
           </a:ln>
           <a:extLst>
             <a:ext uri="{C572A759-6A51-4108-AA02-DFA0A04FC94B}">
-              <ma14:wrappingTextBoxFlag xmlns:ma14="http://schemas.microsoft.com/office/mac/drawingml/2011/main" xmlns:a14="http://schemas.microsoft.com/office/drawing/2010/main" xmlns:m="http://schemas.openxmlformats.org/officeDocument/2006/math" xmlns="" val="1"/>
+              <ma14:wrappingTextBoxFlag xmlns="" xmlns:m="http://schemas.openxmlformats.org/officeDocument/2006/math" xmlns:a14="http://schemas.microsoft.com/office/drawing/2010/main" xmlns:ma14="http://schemas.microsoft.com/office/mac/drawingml/2011/main" val="1"/>
             </a:ext>
           </a:extLst>
         </p:spPr>
@@ -2046,8 +2258,8 @@
         </p:nvSpPr>
         <p:spPr>
           <a:xfrm>
-            <a:off x="6001971" y="584170"/>
-            <a:ext cx="10992677" cy="2934282"/>
+            <a:off x="2608310" y="584170"/>
+            <a:ext cx="18712363" cy="2934282"/>
           </a:xfrm>
           <a:prstGeom prst="rect">
             <a:avLst/>
@@ -2063,19 +2275,23 @@
               <a:defRPr sz="9856"/>
             </a:pPr>
             <a:r>
-              <a:rPr lang="en-US"/>
-              <a:t>Beyond Android</a:t>
+              <a:rPr lang="en-US" dirty="0"/>
+              <a:t>Looking at a real-world app</a:t>
             </a:r>
             <a:br>
-              <a:rPr lang="en-US" sz="9600">
+              <a:rPr lang="en-US" sz="9600" dirty="0">
                 <a:latin typeface="+mj-lt"/>
               </a:rPr>
             </a:br>
             <a:r>
-              <a:rPr lang="en-US" sz="4000"/>
-              <a:t>Thomas Künneth</a:t>
+              <a:rPr lang="en-US" sz="4000" dirty="0"/>
+              <a:t>Thomas </a:t>
             </a:r>
-            <a:endParaRPr lang="en-US"/>
+            <a:r>
+              <a:rPr lang="en-US" sz="4000" dirty="0" err="1"/>
+              <a:t>Künneth</a:t>
+            </a:r>
+            <a:endParaRPr lang="en-US" dirty="0"/>
           </a:p>
         </p:txBody>
       </p:sp>
@@ -2090,7 +2306,7 @@
 </p:sld>
 </file>
 
-<file path=ppt/slides/slide10.xml><?xml version="1.0" encoding="utf-8"?>
+<file path=ppt/slides/slide2.xml><?xml version="1.0" encoding="utf-8"?>
 <p:sld xmlns:a="http://schemas.openxmlformats.org/drawingml/2006/main" xmlns:r="http://schemas.openxmlformats.org/officeDocument/2006/relationships" xmlns:p="http://schemas.openxmlformats.org/presentationml/2006/main">
   <p:cSld>
     <p:spTree>
@@ -2109,99 +2325,53 @@
       </p:grpSpPr>
       <p:sp>
         <p:nvSpPr>
-          <p:cNvPr id="4" name="Titel 3">
-            <a:extLst>
-              <a:ext uri="{FF2B5EF4-FFF2-40B4-BE49-F238E27FC236}">
-                <a16:creationId xmlns:a16="http://schemas.microsoft.com/office/drawing/2014/main" id="{D8395AF4-5120-CF4D-6999-10CB7FAE800E}"/>
-              </a:ext>
-            </a:extLst>
-          </p:cNvPr>
-          <p:cNvSpPr>
-            <a:spLocks noGrp="1"/>
-          </p:cNvSpPr>
-          <p:nvPr>
-            <p:ph type="title"/>
-          </p:nvPr>
+          <p:cNvPr id="315" name="Vielen Dank"/>
+          <p:cNvSpPr txBox="1"/>
+          <p:nvPr/>
         </p:nvSpPr>
-        <p:spPr/>
+        <p:spPr>
+          <a:xfrm>
+            <a:off x="8478643" y="6068040"/>
+            <a:ext cx="7426713" cy="1579920"/>
+          </a:xfrm>
+          <a:prstGeom prst="rect">
+            <a:avLst/>
+          </a:prstGeom>
+          <a:noFill/>
+          <a:ln w="12700" cap="flat">
+            <a:noFill/>
+            <a:miter lim="400000"/>
+          </a:ln>
+          <a:effectLst/>
+          <a:extLst>
+            <a:ext uri="{C572A759-6A51-4108-AA02-DFA0A04FC94B}">
+              <ma14:wrappingTextBoxFlag xmlns:ma14="http://schemas.microsoft.com/office/mac/drawingml/2011/main" xmlns:a14="http://schemas.microsoft.com/office/drawing/2010/main" xmlns:m="http://schemas.openxmlformats.org/officeDocument/2006/math" xmlns="" val="1"/>
+            </a:ext>
+          </a:extLst>
+        </p:spPr>
         <p:txBody>
-          <a:bodyPr/>
-          <a:lstStyle/>
+          <a:bodyPr wrap="none" lIns="50800" tIns="50800" rIns="50800" bIns="50800" numCol="1" anchor="ctr">
+            <a:spAutoFit/>
+          </a:bodyPr>
+          <a:lstStyle>
+            <a:lvl1pPr>
+              <a:defRPr sz="9600" b="0"/>
+            </a:lvl1pPr>
+          </a:lstStyle>
           <a:p>
             <a:r>
-              <a:rPr lang="en-GB" dirty="0"/>
-              <a:t>Kotlin/Native</a:t>
+              <a:rPr lang="de-DE" dirty="0">
+                <a:latin typeface="+mj-lt"/>
+              </a:rPr>
+              <a:t>Questions 🤔</a:t>
             </a:r>
-          </a:p>
-        </p:txBody>
-      </p:sp>
-      <p:sp>
-        <p:nvSpPr>
-          <p:cNvPr id="3" name="Textplatzhalter 2">
-            <a:extLst>
-              <a:ext uri="{FF2B5EF4-FFF2-40B4-BE49-F238E27FC236}">
-                <a16:creationId xmlns:a16="http://schemas.microsoft.com/office/drawing/2014/main" id="{0F64DEAD-67EA-DE69-601D-BBF213A734E0}"/>
-              </a:ext>
-            </a:extLst>
-          </p:cNvPr>
-          <p:cNvSpPr>
-            <a:spLocks noGrp="1"/>
-          </p:cNvSpPr>
-          <p:nvPr>
-            <p:ph type="body" sz="half" idx="4294967295"/>
-          </p:nvPr>
-        </p:nvSpPr>
-        <p:spPr/>
-        <p:txBody>
-          <a:bodyPr/>
-          <a:lstStyle/>
-          <a:p>
-            <a:r>
-              <a:rPr lang="en-GB" dirty="0"/>
-              <a:t>Compiles Kotlin into native code</a:t>
-            </a:r>
-          </a:p>
-          <a:p>
-            <a:r>
-              <a:rPr lang="en-GB" dirty="0"/>
-              <a:t>LLVM-based backend for the Kotlin compiler</a:t>
-            </a:r>
-          </a:p>
-          <a:p>
-            <a:r>
-              <a:rPr lang="en-GB" dirty="0"/>
-              <a:t>Provides</a:t>
-            </a:r>
-          </a:p>
-          <a:p>
-            <a:pPr lvl="1"/>
-            <a:r>
-              <a:rPr lang="en-GB" dirty="0"/>
-              <a:t>native implementations of the Kotlin standard libraries</a:t>
-            </a:r>
-          </a:p>
-          <a:p>
-            <a:pPr lvl="1"/>
-            <a:r>
-              <a:rPr lang="en-GB" dirty="0"/>
-              <a:t>interop to the platform</a:t>
-            </a:r>
-          </a:p>
-          <a:p>
-            <a:pPr lvl="1"/>
-            <a:r>
-              <a:rPr lang="en-GB" dirty="0"/>
-              <a:t>bindings for platform-specific libraries</a:t>
-            </a:r>
+            <a:endParaRPr dirty="0">
+              <a:latin typeface="+mj-lt"/>
+            </a:endParaRPr>
           </a:p>
         </p:txBody>
       </p:sp>
     </p:spTree>
-    <p:extLst>
-      <p:ext uri="{BB962C8B-B14F-4D97-AF65-F5344CB8AC3E}">
-        <p14:creationId xmlns:p14="http://schemas.microsoft.com/office/powerpoint/2010/main" val="864821450"/>
-      </p:ext>
-    </p:extLst>
   </p:cSld>
   <p:clrMapOvr>
     <a:masterClrMapping/>
@@ -2212,651 +2382,7 @@
 </p:sld>
 </file>
 
-<file path=ppt/slides/slide11.xml><?xml version="1.0" encoding="utf-8"?>
-<p:sld xmlns:a="http://schemas.openxmlformats.org/drawingml/2006/main" xmlns:r="http://schemas.openxmlformats.org/officeDocument/2006/relationships" xmlns:p="http://schemas.openxmlformats.org/presentationml/2006/main">
-  <p:cSld>
-    <p:spTree>
-      <p:nvGrpSpPr>
-        <p:cNvPr id="1" name=""/>
-        <p:cNvGrpSpPr/>
-        <p:nvPr/>
-      </p:nvGrpSpPr>
-      <p:grpSpPr>
-        <a:xfrm>
-          <a:off x="0" y="0"/>
-          <a:ext cx="0" cy="0"/>
-          <a:chOff x="0" y="0"/>
-          <a:chExt cx="0" cy="0"/>
-        </a:xfrm>
-      </p:grpSpPr>
-      <p:sp>
-        <p:nvSpPr>
-          <p:cNvPr id="7" name="Textplatzhalter 6">
-            <a:extLst>
-              <a:ext uri="{FF2B5EF4-FFF2-40B4-BE49-F238E27FC236}">
-                <a16:creationId xmlns:a16="http://schemas.microsoft.com/office/drawing/2014/main" id="{984F3EE1-6598-93D5-2A4A-D93DDCA3372D}"/>
-              </a:ext>
-            </a:extLst>
-          </p:cNvPr>
-          <p:cNvSpPr>
-            <a:spLocks noGrp="1"/>
-          </p:cNvSpPr>
-          <p:nvPr>
-            <p:ph type="body" sz="half" idx="4294967295"/>
-          </p:nvPr>
-        </p:nvSpPr>
-        <p:spPr>
-          <a:xfrm>
-            <a:off x="1689100" y="381000"/>
-            <a:ext cx="18153380" cy="12827000"/>
-          </a:xfrm>
-        </p:spPr>
-        <p:txBody>
-          <a:bodyPr/>
-          <a:lstStyle/>
-          <a:p>
-            <a:r>
-              <a:rPr lang="en-GB" dirty="0"/>
-              <a:t>Based on platform and target, Kotlin/Native creates</a:t>
-            </a:r>
-          </a:p>
-          <a:p>
-            <a:pPr lvl="1"/>
-            <a:r>
-              <a:rPr lang="en-GB" dirty="0"/>
-              <a:t>executables</a:t>
-            </a:r>
-          </a:p>
-          <a:p>
-            <a:pPr lvl="1"/>
-            <a:r>
-              <a:rPr lang="en-GB" dirty="0"/>
-              <a:t>static or dynamic libraries with headers for C and C++ projects</a:t>
-            </a:r>
-          </a:p>
-          <a:p>
-            <a:pPr lvl="1"/>
-            <a:r>
-              <a:rPr lang="en-GB" dirty="0"/>
-              <a:t>Apple frameworks for Objective-C and Swift projects</a:t>
-            </a:r>
-          </a:p>
-          <a:p>
-            <a:r>
-              <a:rPr lang="en-GB" dirty="0"/>
-              <a:t>Kotlin code can consume</a:t>
-            </a:r>
-          </a:p>
-          <a:p>
-            <a:pPr lvl="1"/>
-            <a:r>
-              <a:rPr lang="en-GB" dirty="0"/>
-              <a:t>existing static or dynamic C libraries</a:t>
-            </a:r>
-          </a:p>
-          <a:p>
-            <a:pPr lvl="1"/>
-            <a:r>
-              <a:rPr lang="en-GB" dirty="0"/>
-              <a:t>Swift and Objective-C frameworks</a:t>
-            </a:r>
-          </a:p>
-        </p:txBody>
-      </p:sp>
-    </p:spTree>
-    <p:extLst>
-      <p:ext uri="{BB962C8B-B14F-4D97-AF65-F5344CB8AC3E}">
-        <p14:creationId xmlns:p14="http://schemas.microsoft.com/office/powerpoint/2010/main" val="2321757936"/>
-      </p:ext>
-    </p:extLst>
-  </p:cSld>
-  <p:clrMapOvr>
-    <a:masterClrMapping/>
-  </p:clrMapOvr>
-  <p:transition spd="med">
-    <p:pull/>
-  </p:transition>
-</p:sld>
-</file>
-
-<file path=ppt/slides/slide12.xml><?xml version="1.0" encoding="utf-8"?>
-<p:sld xmlns:a="http://schemas.openxmlformats.org/drawingml/2006/main" xmlns:r="http://schemas.openxmlformats.org/officeDocument/2006/relationships" xmlns:p="http://schemas.openxmlformats.org/presentationml/2006/main">
-  <p:cSld>
-    <p:spTree>
-      <p:nvGrpSpPr>
-        <p:cNvPr id="1" name=""/>
-        <p:cNvGrpSpPr/>
-        <p:nvPr/>
-      </p:nvGrpSpPr>
-      <p:grpSpPr>
-        <a:xfrm>
-          <a:off x="0" y="0"/>
-          <a:ext cx="0" cy="0"/>
-          <a:chOff x="0" y="0"/>
-          <a:chExt cx="0" cy="0"/>
-        </a:xfrm>
-      </p:grpSpPr>
-      <p:sp>
-        <p:nvSpPr>
-          <p:cNvPr id="2" name="Textplatzhalter 1">
-            <a:extLst>
-              <a:ext uri="{FF2B5EF4-FFF2-40B4-BE49-F238E27FC236}">
-                <a16:creationId xmlns:a16="http://schemas.microsoft.com/office/drawing/2014/main" id="{64B7BD04-8D00-5E99-E96F-E76677388A61}"/>
-              </a:ext>
-            </a:extLst>
-          </p:cNvPr>
-          <p:cNvSpPr>
-            <a:spLocks noGrp="1"/>
-          </p:cNvSpPr>
-          <p:nvPr>
-            <p:ph type="body" sz="half" idx="4294967295"/>
-          </p:nvPr>
-        </p:nvSpPr>
-        <p:spPr/>
-        <p:txBody>
-          <a:bodyPr/>
-          <a:lstStyle/>
-          <a:p>
-            <a:r>
-              <a:rPr lang="en-GB" dirty="0"/>
-              <a:t>Not important for Compose for Desktop (based on the JVM)</a:t>
-            </a:r>
-          </a:p>
-          <a:p>
-            <a:r>
-              <a:rPr lang="en-GB" dirty="0"/>
-              <a:t>Will be when Compose for iOS arrives</a:t>
-            </a:r>
-          </a:p>
-        </p:txBody>
-      </p:sp>
-    </p:spTree>
-    <p:extLst>
-      <p:ext uri="{BB962C8B-B14F-4D97-AF65-F5344CB8AC3E}">
-        <p14:creationId xmlns:p14="http://schemas.microsoft.com/office/powerpoint/2010/main" val="463140000"/>
-      </p:ext>
-    </p:extLst>
-  </p:cSld>
-  <p:clrMapOvr>
-    <a:masterClrMapping/>
-  </p:clrMapOvr>
-  <p:transition spd="med">
-    <p:pull/>
-  </p:transition>
-</p:sld>
-</file>
-
-<file path=ppt/slides/slide13.xml><?xml version="1.0" encoding="utf-8"?>
-<p:sld xmlns:a="http://schemas.openxmlformats.org/drawingml/2006/main" xmlns:r="http://schemas.openxmlformats.org/officeDocument/2006/relationships" xmlns:p="http://schemas.openxmlformats.org/presentationml/2006/main">
-  <p:cSld>
-    <p:spTree>
-      <p:nvGrpSpPr>
-        <p:cNvPr id="1" name=""/>
-        <p:cNvGrpSpPr/>
-        <p:nvPr/>
-      </p:nvGrpSpPr>
-      <p:grpSpPr>
-        <a:xfrm>
-          <a:off x="0" y="0"/>
-          <a:ext cx="0" cy="0"/>
-          <a:chOff x="0" y="0"/>
-          <a:chExt cx="0" cy="0"/>
-        </a:xfrm>
-      </p:grpSpPr>
-      <p:sp>
-        <p:nvSpPr>
-          <p:cNvPr id="2" name="Titel 1">
-            <a:extLst>
-              <a:ext uri="{FF2B5EF4-FFF2-40B4-BE49-F238E27FC236}">
-                <a16:creationId xmlns:a16="http://schemas.microsoft.com/office/drawing/2014/main" id="{B9642032-810F-0F2D-9FEB-9BA0F5E1E1EE}"/>
-              </a:ext>
-            </a:extLst>
-          </p:cNvPr>
-          <p:cNvSpPr>
-            <a:spLocks noGrp="1"/>
-          </p:cNvSpPr>
-          <p:nvPr>
-            <p:ph type="title"/>
-          </p:nvPr>
-        </p:nvSpPr>
-        <p:spPr/>
-        <p:txBody>
-          <a:bodyPr/>
-          <a:lstStyle/>
-          <a:p>
-            <a:r>
-              <a:rPr lang="en-GB" dirty="0"/>
-              <a:t>Tooling-related terms</a:t>
-            </a:r>
-          </a:p>
-        </p:txBody>
-      </p:sp>
-      <p:sp>
-        <p:nvSpPr>
-          <p:cNvPr id="3" name="Textplatzhalter 2">
-            <a:extLst>
-              <a:ext uri="{FF2B5EF4-FFF2-40B4-BE49-F238E27FC236}">
-                <a16:creationId xmlns:a16="http://schemas.microsoft.com/office/drawing/2014/main" id="{B47EC360-56E0-F9FF-C1C5-191E9370BCF0}"/>
-              </a:ext>
-            </a:extLst>
-          </p:cNvPr>
-          <p:cNvSpPr>
-            <a:spLocks noGrp="1"/>
-          </p:cNvSpPr>
-          <p:nvPr>
-            <p:ph type="body" sz="half" idx="4294967295"/>
-          </p:nvPr>
-        </p:nvSpPr>
-        <p:spPr/>
-        <p:txBody>
-          <a:bodyPr/>
-          <a:lstStyle/>
-          <a:p>
-            <a:r>
-              <a:rPr lang="en-GB" dirty="0"/>
-              <a:t>Projects are structured using </a:t>
-            </a:r>
-            <a:r>
-              <a:rPr lang="en-GB" b="1" dirty="0"/>
-              <a:t>source sets</a:t>
-            </a:r>
-          </a:p>
-          <a:p>
-            <a:r>
-              <a:rPr lang="en-GB" dirty="0"/>
-              <a:t>Typically two branches</a:t>
-            </a:r>
-          </a:p>
-          <a:p>
-            <a:pPr lvl="1"/>
-            <a:r>
-              <a:rPr lang="en-GB" b="1" dirty="0"/>
-              <a:t>main</a:t>
-            </a:r>
-            <a:r>
-              <a:rPr lang="en-GB" dirty="0"/>
-              <a:t> for the code</a:t>
-            </a:r>
-          </a:p>
-          <a:p>
-            <a:pPr lvl="1"/>
-            <a:r>
-              <a:rPr lang="en-GB" b="1" dirty="0"/>
-              <a:t>test</a:t>
-            </a:r>
-            <a:r>
-              <a:rPr lang="en-GB" dirty="0"/>
-              <a:t> for unit tests</a:t>
-            </a:r>
-          </a:p>
-        </p:txBody>
-      </p:sp>
-    </p:spTree>
-    <p:extLst>
-      <p:ext uri="{BB962C8B-B14F-4D97-AF65-F5344CB8AC3E}">
-        <p14:creationId xmlns:p14="http://schemas.microsoft.com/office/powerpoint/2010/main" val="1297990573"/>
-      </p:ext>
-    </p:extLst>
-  </p:cSld>
-  <p:clrMapOvr>
-    <a:masterClrMapping/>
-  </p:clrMapOvr>
-  <p:transition spd="med">
-    <p:pull/>
-  </p:transition>
-</p:sld>
-</file>
-
-<file path=ppt/slides/slide14.xml><?xml version="1.0" encoding="utf-8"?>
-<p:sld xmlns:a="http://schemas.openxmlformats.org/drawingml/2006/main" xmlns:r="http://schemas.openxmlformats.org/officeDocument/2006/relationships" xmlns:p="http://schemas.openxmlformats.org/presentationml/2006/main">
-  <p:cSld>
-    <p:spTree>
-      <p:nvGrpSpPr>
-        <p:cNvPr id="1" name=""/>
-        <p:cNvGrpSpPr/>
-        <p:nvPr/>
-      </p:nvGrpSpPr>
-      <p:grpSpPr>
-        <a:xfrm>
-          <a:off x="0" y="0"/>
-          <a:ext cx="0" cy="0"/>
-          <a:chOff x="0" y="0"/>
-          <a:chExt cx="0" cy="0"/>
-        </a:xfrm>
-      </p:grpSpPr>
-      <p:sp>
-        <p:nvSpPr>
-          <p:cNvPr id="4" name="Titel 3">
-            <a:extLst>
-              <a:ext uri="{FF2B5EF4-FFF2-40B4-BE49-F238E27FC236}">
-                <a16:creationId xmlns:a16="http://schemas.microsoft.com/office/drawing/2014/main" id="{255D7BA0-B459-3C9A-6444-4D06645715DB}"/>
-              </a:ext>
-            </a:extLst>
-          </p:cNvPr>
-          <p:cNvSpPr>
-            <a:spLocks noGrp="1"/>
-          </p:cNvSpPr>
-          <p:nvPr>
-            <p:ph type="title"/>
-          </p:nvPr>
-        </p:nvSpPr>
-        <p:spPr/>
-        <p:txBody>
-          <a:bodyPr/>
-          <a:lstStyle/>
-          <a:p>
-            <a:r>
-              <a:rPr lang="en-GB" dirty="0"/>
-              <a:t>Targets</a:t>
-            </a:r>
-          </a:p>
-        </p:txBody>
-      </p:sp>
-      <p:sp>
-        <p:nvSpPr>
-          <p:cNvPr id="3" name="Textplatzhalter 2">
-            <a:extLst>
-              <a:ext uri="{FF2B5EF4-FFF2-40B4-BE49-F238E27FC236}">
-                <a16:creationId xmlns:a16="http://schemas.microsoft.com/office/drawing/2014/main" id="{E22F424D-42D7-878E-E400-615ACFE8716D}"/>
-              </a:ext>
-            </a:extLst>
-          </p:cNvPr>
-          <p:cNvSpPr>
-            <a:spLocks noGrp="1"/>
-          </p:cNvSpPr>
-          <p:nvPr>
-            <p:ph type="body" sz="half" idx="4294967295"/>
-          </p:nvPr>
-        </p:nvSpPr>
-        <p:spPr/>
-        <p:txBody>
-          <a:bodyPr/>
-          <a:lstStyle/>
-          <a:p>
-            <a:r>
-              <a:rPr lang="en-GB" dirty="0"/>
-              <a:t>Build, test, and package artefacts for a platform</a:t>
-            </a:r>
-          </a:p>
-          <a:p>
-            <a:r>
-              <a:rPr lang="en-GB" dirty="0"/>
-              <a:t>Are fuelled by one or more source sets</a:t>
-            </a:r>
-          </a:p>
-          <a:p>
-            <a:r>
-              <a:rPr lang="en-GB" dirty="0"/>
-              <a:t>Consist of one or more compilations</a:t>
-            </a:r>
-          </a:p>
-        </p:txBody>
-      </p:sp>
-    </p:spTree>
-    <p:extLst>
-      <p:ext uri="{BB962C8B-B14F-4D97-AF65-F5344CB8AC3E}">
-        <p14:creationId xmlns:p14="http://schemas.microsoft.com/office/powerpoint/2010/main" val="1472415937"/>
-      </p:ext>
-    </p:extLst>
-  </p:cSld>
-  <p:clrMapOvr>
-    <a:masterClrMapping/>
-  </p:clrMapOvr>
-  <p:transition spd="med">
-    <p:pull/>
-  </p:transition>
-</p:sld>
-</file>
-
-<file path=ppt/slides/slide15.xml><?xml version="1.0" encoding="utf-8"?>
-<p:sld xmlns:a="http://schemas.openxmlformats.org/drawingml/2006/main" xmlns:r="http://schemas.openxmlformats.org/officeDocument/2006/relationships" xmlns:p="http://schemas.openxmlformats.org/presentationml/2006/main">
-  <p:cSld>
-    <p:spTree>
-      <p:nvGrpSpPr>
-        <p:cNvPr id="1" name=""/>
-        <p:cNvGrpSpPr/>
-        <p:nvPr/>
-      </p:nvGrpSpPr>
-      <p:grpSpPr>
-        <a:xfrm>
-          <a:off x="0" y="0"/>
-          <a:ext cx="0" cy="0"/>
-          <a:chOff x="0" y="0"/>
-          <a:chExt cx="0" cy="0"/>
-        </a:xfrm>
-      </p:grpSpPr>
-      <p:sp>
-        <p:nvSpPr>
-          <p:cNvPr id="4" name="Titel 3">
-            <a:extLst>
-              <a:ext uri="{FF2B5EF4-FFF2-40B4-BE49-F238E27FC236}">
-                <a16:creationId xmlns:a16="http://schemas.microsoft.com/office/drawing/2014/main" id="{46730A7B-428B-79B8-E9DF-4D77082E1193}"/>
-              </a:ext>
-            </a:extLst>
-          </p:cNvPr>
-          <p:cNvSpPr>
-            <a:spLocks noGrp="1"/>
-          </p:cNvSpPr>
-          <p:nvPr>
-            <p:ph type="title"/>
-          </p:nvPr>
-        </p:nvSpPr>
-        <p:spPr/>
-        <p:txBody>
-          <a:bodyPr/>
-          <a:lstStyle/>
-          <a:p>
-            <a:r>
-              <a:rPr lang="en-GB" dirty="0"/>
-              <a:t>Compilations</a:t>
-            </a:r>
-          </a:p>
-        </p:txBody>
-      </p:sp>
-      <p:sp>
-        <p:nvSpPr>
-          <p:cNvPr id="3" name="Textplatzhalter 2">
-            <a:extLst>
-              <a:ext uri="{FF2B5EF4-FFF2-40B4-BE49-F238E27FC236}">
-                <a16:creationId xmlns:a16="http://schemas.microsoft.com/office/drawing/2014/main" id="{CABD9C34-2065-21E1-E8D4-CBD67043CED0}"/>
-              </a:ext>
-            </a:extLst>
-          </p:cNvPr>
-          <p:cNvSpPr>
-            <a:spLocks noGrp="1"/>
-          </p:cNvSpPr>
-          <p:nvPr>
-            <p:ph type="body" sz="half" idx="4294967295"/>
-          </p:nvPr>
-        </p:nvSpPr>
-        <p:spPr/>
-        <p:txBody>
-          <a:bodyPr/>
-          <a:lstStyle/>
-          <a:p>
-            <a:r>
-              <a:rPr lang="en-GB" dirty="0"/>
-              <a:t>Structure code regarding usage (test, production)</a:t>
-            </a:r>
-          </a:p>
-          <a:p>
-            <a:r>
-              <a:rPr lang="en-GB" dirty="0"/>
-              <a:t>Standard compilations: main and test</a:t>
-            </a:r>
-          </a:p>
-          <a:p>
-            <a:r>
-              <a:rPr lang="en-GB" dirty="0"/>
-              <a:t>Each compilation has a default source set</a:t>
-            </a:r>
-          </a:p>
-          <a:p>
-            <a:r>
-              <a:rPr lang="en-GB" dirty="0"/>
-              <a:t>If needed custom compilations can be configured</a:t>
-            </a:r>
-          </a:p>
-        </p:txBody>
-      </p:sp>
-    </p:spTree>
-    <p:extLst>
-      <p:ext uri="{BB962C8B-B14F-4D97-AF65-F5344CB8AC3E}">
-        <p14:creationId xmlns:p14="http://schemas.microsoft.com/office/powerpoint/2010/main" val="2077557950"/>
-      </p:ext>
-    </p:extLst>
-  </p:cSld>
-  <p:clrMapOvr>
-    <a:masterClrMapping/>
-  </p:clrMapOvr>
-  <p:transition spd="med">
-    <p:pull/>
-  </p:transition>
-</p:sld>
-</file>
-
-<file path=ppt/slides/slide16.xml><?xml version="1.0" encoding="utf-8"?>
-<p:sld xmlns:a="http://schemas.openxmlformats.org/drawingml/2006/main" xmlns:r="http://schemas.openxmlformats.org/officeDocument/2006/relationships" xmlns:p="http://schemas.openxmlformats.org/presentationml/2006/main">
-  <p:cSld>
-    <p:spTree>
-      <p:nvGrpSpPr>
-        <p:cNvPr id="1" name=""/>
-        <p:cNvGrpSpPr/>
-        <p:nvPr/>
-      </p:nvGrpSpPr>
-      <p:grpSpPr>
-        <a:xfrm>
-          <a:off x="0" y="0"/>
-          <a:ext cx="0" cy="0"/>
-          <a:chOff x="0" y="0"/>
-          <a:chExt cx="0" cy="0"/>
-        </a:xfrm>
-      </p:grpSpPr>
-      <p:sp>
-        <p:nvSpPr>
-          <p:cNvPr id="2" name="Titel 1">
-            <a:extLst>
-              <a:ext uri="{FF2B5EF4-FFF2-40B4-BE49-F238E27FC236}">
-                <a16:creationId xmlns:a16="http://schemas.microsoft.com/office/drawing/2014/main" id="{7E8C5BAB-8E66-4867-BED1-32CE790DCE7C}"/>
-              </a:ext>
-            </a:extLst>
-          </p:cNvPr>
-          <p:cNvSpPr>
-            <a:spLocks noGrp="1"/>
-          </p:cNvSpPr>
-          <p:nvPr>
-            <p:ph type="title"/>
-          </p:nvPr>
-        </p:nvSpPr>
-        <p:spPr/>
-        <p:txBody>
-          <a:bodyPr/>
-          <a:lstStyle/>
-          <a:p>
-            <a:r>
-              <a:rPr lang="en-GB" dirty="0"/>
-              <a:t>Target multiple platforms</a:t>
-            </a:r>
-          </a:p>
-        </p:txBody>
-      </p:sp>
-      <p:sp>
-        <p:nvSpPr>
-          <p:cNvPr id="3" name="Textplatzhalter 2">
-            <a:extLst>
-              <a:ext uri="{FF2B5EF4-FFF2-40B4-BE49-F238E27FC236}">
-                <a16:creationId xmlns:a16="http://schemas.microsoft.com/office/drawing/2014/main" id="{711CA3DE-E329-DC11-6F17-D4B346E100D5}"/>
-              </a:ext>
-            </a:extLst>
-          </p:cNvPr>
-          <p:cNvSpPr>
-            <a:spLocks noGrp="1"/>
-          </p:cNvSpPr>
-          <p:nvPr>
-            <p:ph type="body" sz="half" idx="4294967295"/>
-          </p:nvPr>
-        </p:nvSpPr>
-        <p:spPr/>
-        <p:txBody>
-          <a:bodyPr/>
-          <a:lstStyle/>
-          <a:p>
-            <a:r>
-              <a:rPr lang="en-GB" dirty="0"/>
-              <a:t>Re-use code across platforms</a:t>
-            </a:r>
-          </a:p>
-          <a:p>
-            <a:r>
-              <a:rPr lang="en-GB" dirty="0"/>
-              <a:t>Implement platform-specific features as platform-specific code</a:t>
-            </a:r>
-          </a:p>
-          <a:p>
-            <a:r>
-              <a:rPr lang="en-GB" dirty="0"/>
-              <a:t>Common (shared) code is in </a:t>
-            </a:r>
-            <a:r>
-              <a:rPr lang="en-GB" b="1" dirty="0" err="1"/>
-              <a:t>kotlinMain</a:t>
-            </a:r>
-            <a:endParaRPr lang="en-GB" b="1" dirty="0"/>
-          </a:p>
-          <a:p>
-            <a:r>
-              <a:rPr lang="en-GB" dirty="0"/>
-              <a:t>Platform specific code is in </a:t>
-            </a:r>
-            <a:r>
-              <a:rPr lang="en-GB" b="1" dirty="0" err="1"/>
-              <a:t>xyzMain</a:t>
-            </a:r>
-            <a:endParaRPr lang="en-GB" b="1" dirty="0"/>
-          </a:p>
-          <a:p>
-            <a:r>
-              <a:rPr lang="en-GB" dirty="0"/>
-              <a:t>Kotlin supports implementing for more than one platform with </a:t>
-            </a:r>
-            <a:r>
-              <a:rPr lang="en-GB" dirty="0">
-                <a:latin typeface="Courier New" panose="02070309020205020404" pitchFamily="49" charset="0"/>
-                <a:cs typeface="Courier New" panose="02070309020205020404" pitchFamily="49" charset="0"/>
-              </a:rPr>
-              <a:t>expect</a:t>
-            </a:r>
-            <a:r>
-              <a:rPr lang="en-GB" dirty="0"/>
-              <a:t> and </a:t>
-            </a:r>
-            <a:r>
-              <a:rPr lang="en-GB" dirty="0">
-                <a:latin typeface="Courier New" panose="02070309020205020404" pitchFamily="49" charset="0"/>
-                <a:cs typeface="Courier New" panose="02070309020205020404" pitchFamily="49" charset="0"/>
-              </a:rPr>
-              <a:t>actual</a:t>
-            </a:r>
-          </a:p>
-        </p:txBody>
-      </p:sp>
-    </p:spTree>
-    <p:extLst>
-      <p:ext uri="{BB962C8B-B14F-4D97-AF65-F5344CB8AC3E}">
-        <p14:creationId xmlns:p14="http://schemas.microsoft.com/office/powerpoint/2010/main" val="580966842"/>
-      </p:ext>
-    </p:extLst>
-  </p:cSld>
-  <p:clrMapOvr>
-    <a:masterClrMapping/>
-  </p:clrMapOvr>
-  <p:transition spd="med">
-    <p:pull/>
-  </p:transition>
-</p:sld>
-</file>
-
-<file path=ppt/slides/slide17.xml><?xml version="1.0" encoding="utf-8"?>
+<file path=ppt/slides/slide3.xml><?xml version="1.0" encoding="utf-8"?>
 <p:sld xmlns:a="http://schemas.openxmlformats.org/drawingml/2006/main" xmlns:r="http://schemas.openxmlformats.org/officeDocument/2006/relationships" xmlns:p="http://schemas.openxmlformats.org/presentationml/2006/main">
   <p:cSld>
     <p:spTree>
@@ -2875,55 +2401,100 @@
       </p:grpSpPr>
       <p:pic>
         <p:nvPicPr>
-          <p:cNvPr id="3074" name="Picture 2" descr="brown bread on clear glass display counter">
+          <p:cNvPr id="3" name="Picture 2">
             <a:extLst>
               <a:ext uri="{FF2B5EF4-FFF2-40B4-BE49-F238E27FC236}">
-                <a16:creationId xmlns:a16="http://schemas.microsoft.com/office/drawing/2014/main" id="{A35D36DC-13BF-19DD-E056-C3AEA80371A4}"/>
+                <a16:creationId xmlns:a16="http://schemas.microsoft.com/office/drawing/2014/main" id="{235467B1-F0E4-01E3-F635-EAE4A4A4FE2A}"/>
               </a:ext>
             </a:extLst>
           </p:cNvPr>
           <p:cNvPicPr>
-            <a:picLocks noChangeAspect="1" noChangeArrowheads="1"/>
+            <a:picLocks noChangeAspect="1"/>
           </p:cNvPicPr>
           <p:nvPr/>
         </p:nvPicPr>
-        <p:blipFill rotWithShape="1">
-          <a:blip r:embed="rId2" cstate="screen">
-            <a:extLst>
-              <a:ext uri="{28A0092B-C50C-407E-A947-70E740481C1C}">
-                <a14:useLocalDpi xmlns:a14="http://schemas.microsoft.com/office/drawing/2010/main"/>
-              </a:ext>
-            </a:extLst>
-          </a:blip>
-          <a:srcRect/>
-          <a:stretch/>
+        <p:blipFill>
+          <a:blip r:embed="rId2"/>
+          <a:stretch>
+            <a:fillRect/>
+          </a:stretch>
         </p:blipFill>
-        <p:spPr bwMode="auto">
+        <p:spPr>
           <a:xfrm>
-            <a:off x="0" y="0"/>
-            <a:ext cx="24581224" cy="13716000"/>
+            <a:off x="388209" y="1309815"/>
+            <a:ext cx="7543800" cy="10058400"/>
           </a:xfrm>
           <a:prstGeom prst="rect">
             <a:avLst/>
           </a:prstGeom>
-          <a:noFill/>
-          <a:extLst>
-            <a:ext uri="{909E8E84-426E-40DD-AFC4-6F175D3DCCD1}">
-              <a14:hiddenFill xmlns:a14="http://schemas.microsoft.com/office/drawing/2010/main">
-                <a:solidFill>
-                  <a:srgbClr val="FFFFFF"/>
-                </a:solidFill>
-              </a14:hiddenFill>
-            </a:ext>
-          </a:extLst>
+        </p:spPr>
+      </p:pic>
+      <p:pic>
+        <p:nvPicPr>
+          <p:cNvPr id="4" name="Picture 3">
+            <a:extLst>
+              <a:ext uri="{FF2B5EF4-FFF2-40B4-BE49-F238E27FC236}">
+                <a16:creationId xmlns:a16="http://schemas.microsoft.com/office/drawing/2014/main" id="{51184C64-F701-79E6-7E25-A2A1B50DA0F6}"/>
+              </a:ext>
+            </a:extLst>
+          </p:cNvPr>
+          <p:cNvPicPr>
+            <a:picLocks noChangeAspect="1"/>
+          </p:cNvPicPr>
+          <p:nvPr/>
+        </p:nvPicPr>
+        <p:blipFill>
+          <a:blip r:embed="rId3"/>
+          <a:stretch>
+            <a:fillRect/>
+          </a:stretch>
+        </p:blipFill>
+        <p:spPr>
+          <a:xfrm>
+            <a:off x="8420100" y="1309815"/>
+            <a:ext cx="7543800" cy="10058400"/>
+          </a:xfrm>
+          <a:prstGeom prst="rect">
+            <a:avLst/>
+          </a:prstGeom>
+        </p:spPr>
+      </p:pic>
+      <p:pic>
+        <p:nvPicPr>
+          <p:cNvPr id="5" name="Picture 4">
+            <a:extLst>
+              <a:ext uri="{FF2B5EF4-FFF2-40B4-BE49-F238E27FC236}">
+                <a16:creationId xmlns:a16="http://schemas.microsoft.com/office/drawing/2014/main" id="{084D6761-C382-CB2B-3668-5EC7AC44D0DF}"/>
+              </a:ext>
+            </a:extLst>
+          </p:cNvPr>
+          <p:cNvPicPr>
+            <a:picLocks noChangeAspect="1"/>
+          </p:cNvPicPr>
+          <p:nvPr/>
+        </p:nvPicPr>
+        <p:blipFill>
+          <a:blip r:embed="rId4"/>
+          <a:stretch>
+            <a:fillRect/>
+          </a:stretch>
+        </p:blipFill>
+        <p:spPr>
+          <a:xfrm>
+            <a:off x="16451991" y="1309815"/>
+            <a:ext cx="7543800" cy="10058400"/>
+          </a:xfrm>
+          <a:prstGeom prst="rect">
+            <a:avLst/>
+          </a:prstGeom>
         </p:spPr>
       </p:pic>
       <p:sp>
         <p:nvSpPr>
-          <p:cNvPr id="4" name="Textfeld 3">
+          <p:cNvPr id="7" name="TextBox 6">
             <a:extLst>
               <a:ext uri="{FF2B5EF4-FFF2-40B4-BE49-F238E27FC236}">
-                <a16:creationId xmlns:a16="http://schemas.microsoft.com/office/drawing/2014/main" id="{2391E337-6156-AC79-C285-CA4AA4BD7173}"/>
+                <a16:creationId xmlns:a16="http://schemas.microsoft.com/office/drawing/2014/main" id="{B375C25E-A3CF-2CFE-F82C-6FD9E43C8346}"/>
               </a:ext>
             </a:extLst>
           </p:cNvPr>
@@ -2932,8 +2503,8 @@
         </p:nvSpPr>
         <p:spPr>
           <a:xfrm>
-            <a:off x="1479174" y="1038839"/>
-            <a:ext cx="4114802" cy="1579920"/>
+            <a:off x="4160109" y="11575188"/>
+            <a:ext cx="16063782" cy="830997"/>
           </a:xfrm>
           <a:prstGeom prst="rect">
             <a:avLst/>
@@ -2959,119 +2530,25 @@
           <a:fontRef idx="none"/>
         </p:style>
         <p:txBody>
-          <a:bodyPr rot="0" spcFirstLastPara="1" vertOverflow="overflow" horzOverflow="overflow" vert="horz" wrap="square" lIns="50800" tIns="50800" rIns="50800" bIns="50800" numCol="1" spcCol="38100" rtlCol="0" anchor="ctr">
+          <a:bodyPr wrap="square">
             <a:spAutoFit/>
           </a:bodyPr>
           <a:lstStyle/>
           <a:p>
-            <a:pPr marL="0" marR="0" indent="0" algn="l" defTabSz="825500" rtl="0" fontAlgn="auto" latinLnBrk="0" hangingPunct="0">
-              <a:lnSpc>
-                <a:spcPct val="100000"/>
-              </a:lnSpc>
-              <a:spcBef>
-                <a:spcPts val="0"/>
-              </a:spcBef>
-              <a:spcAft>
-                <a:spcPts val="0"/>
-              </a:spcAft>
-              <a:buClrTx/>
-              <a:buSzTx/>
-              <a:buFontTx/>
-              <a:buNone/>
-              <a:tabLst/>
-            </a:pPr>
             <a:r>
-              <a:rPr kumimoji="0" lang="en-US" sz="9600" b="0" i="0" u="none" strike="noStrike" cap="none" spc="0" normalizeH="0" baseline="0" dirty="0">
-                <a:ln>
-                  <a:noFill/>
-                </a:ln>
-                <a:solidFill>
-                  <a:schemeClr val="bg1"/>
-                </a:solidFill>
-                <a:effectLst/>
-                <a:uFillTx/>
-                <a:latin typeface="+mj-lt"/>
-                <a:ea typeface="Helvetica Neue"/>
-                <a:cs typeface="Helvetica Neue"/>
-                <a:sym typeface="Helvetica Neue"/>
+              <a:rPr lang="en-001" sz="4800" dirty="0">
+                <a:latin typeface="+mn-ea"/>
+                <a:ea typeface="+mn-ea"/>
               </a:rPr>
-              <a:t>Demo</a:t>
+              <a:t>https://github.com/tkuenneth/CodeScanToClipboard</a:t>
             </a:r>
-          </a:p>
-        </p:txBody>
-      </p:sp>
-      <p:sp>
-        <p:nvSpPr>
-          <p:cNvPr id="6" name="https://unsplash.com/photos/QgeIMfZJgFs">
-            <a:extLst>
-              <a:ext uri="{FF2B5EF4-FFF2-40B4-BE49-F238E27FC236}">
-                <a16:creationId xmlns:a16="http://schemas.microsoft.com/office/drawing/2014/main" id="{FAA14030-C353-4EDD-6537-BD8E91F76353}"/>
-              </a:ext>
-            </a:extLst>
-          </p:cNvPr>
-          <p:cNvSpPr txBox="1"/>
-          <p:nvPr/>
-        </p:nvSpPr>
-        <p:spPr>
-          <a:xfrm>
-            <a:off x="0" y="13155550"/>
-            <a:ext cx="8890000" cy="560450"/>
-          </a:xfrm>
-          <a:prstGeom prst="rect">
-            <a:avLst/>
-          </a:prstGeom>
-          <a:ln w="12700">
-            <a:miter lim="400000"/>
-          </a:ln>
-          <a:extLst>
-            <a:ext uri="{C572A759-6A51-4108-AA02-DFA0A04FC94B}">
-              <ma14:wrappingTextBoxFlag xmlns:ma14="http://schemas.microsoft.com/office/mac/drawingml/2011/main" xmlns:a14="http://schemas.microsoft.com/office/drawing/2010/main" xmlns:m="http://schemas.openxmlformats.org/officeDocument/2006/math" xmlns="" val="1"/>
-            </a:ext>
-          </a:extLst>
-        </p:spPr>
-        <p:txBody>
-          <a:bodyPr lIns="50800" tIns="50800" rIns="50800" bIns="50800" anchor="ctr">
-            <a:spAutoFit/>
-          </a:bodyPr>
-          <a:lstStyle>
-            <a:lvl1pPr algn="r">
-              <a:defRPr>
-                <a:solidFill>
-                  <a:srgbClr val="FFFFFF"/>
-                </a:solidFill>
-              </a:defRPr>
-            </a:lvl1pPr>
-          </a:lstStyle>
-          <a:p>
-            <a:pPr algn="l"/>
-            <a:r>
-              <a:rPr lang="de-DE" dirty="0"/>
-              <a:t>https://</a:t>
-            </a:r>
-            <a:r>
-              <a:rPr lang="de-DE" dirty="0" err="1"/>
-              <a:t>unsplash.com</a:t>
-            </a:r>
-            <a:r>
-              <a:rPr lang="de-DE" dirty="0"/>
-              <a:t>/</a:t>
-            </a:r>
-            <a:r>
-              <a:rPr lang="de-DE" dirty="0" err="1"/>
-              <a:t>photos</a:t>
-            </a:r>
-            <a:r>
-              <a:rPr lang="de-DE" dirty="0"/>
-              <a:t>/ZIjdTtJ4YOs</a:t>
-            </a:r>
-            <a:endParaRPr dirty="0"/>
           </a:p>
         </p:txBody>
       </p:sp>
     </p:spTree>
     <p:extLst>
       <p:ext uri="{BB962C8B-B14F-4D97-AF65-F5344CB8AC3E}">
-        <p14:creationId xmlns:p14="http://schemas.microsoft.com/office/powerpoint/2010/main" val="2844253953"/>
+        <p14:creationId xmlns:p14="http://schemas.microsoft.com/office/powerpoint/2010/main" val="35328081"/>
       </p:ext>
     </p:extLst>
   </p:cSld>
@@ -3084,7 +2561,7 @@
 </p:sld>
 </file>
 
-<file path=ppt/slides/slide18.xml><?xml version="1.0" encoding="utf-8"?>
+<file path=ppt/slides/slide4.xml><?xml version="1.0" encoding="utf-8"?>
 <p:sld xmlns:a="http://schemas.openxmlformats.org/drawingml/2006/main" xmlns:r="http://schemas.openxmlformats.org/officeDocument/2006/relationships" xmlns:p="http://schemas.openxmlformats.org/presentationml/2006/main">
   <p:cSld>
     <p:spTree>
@@ -3143,8 +2620,8 @@
         </p:nvSpPr>
         <p:spPr>
           <a:xfrm>
-            <a:off x="12192000" y="4590712"/>
-            <a:ext cx="9728625" cy="4534575"/>
+            <a:off x="12284974" y="6068039"/>
+            <a:ext cx="9542676" cy="1579920"/>
           </a:xfrm>
           <a:prstGeom prst="rect">
             <a:avLst/>
@@ -3157,7 +2634,7 @@
           <a:effectLst/>
           <a:extLst>
             <a:ext uri="{C572A759-6A51-4108-AA02-DFA0A04FC94B}">
-              <ma14:wrappingTextBoxFlag xmlns:ma14="http://schemas.microsoft.com/office/mac/drawingml/2011/main" xmlns:a14="http://schemas.microsoft.com/office/drawing/2010/main" xmlns:m="http://schemas.openxmlformats.org/officeDocument/2006/math" xmlns="" val="1"/>
+              <ma14:wrappingTextBoxFlag xmlns="" xmlns:m="http://schemas.openxmlformats.org/officeDocument/2006/math" xmlns:a14="http://schemas.microsoft.com/office/drawing/2010/main" xmlns:ma14="http://schemas.microsoft.com/office/mac/drawingml/2011/main" val="1"/>
             </a:ext>
           </a:extLst>
         </p:spPr>
@@ -3170,20 +2647,6 @@
               <a:defRPr sz="9600" b="0"/>
             </a:lvl1pPr>
           </a:lstStyle>
-          <a:p>
-            <a:pPr algn="l"/>
-            <a:r>
-              <a:rPr lang="de-DE" dirty="0">
-                <a:latin typeface="+mj-lt"/>
-              </a:rPr>
-              <a:t>Questions…?</a:t>
-            </a:r>
-          </a:p>
-          <a:p>
-            <a:endParaRPr lang="de-DE" dirty="0">
-              <a:latin typeface="+mj-lt"/>
-            </a:endParaRPr>
-          </a:p>
           <a:p>
             <a:r>
               <a:rPr lang="de-DE" dirty="0">
@@ -3198,1585 +2661,6 @@
         </p:txBody>
       </p:sp>
     </p:spTree>
-  </p:cSld>
-  <p:clrMapOvr>
-    <a:masterClrMapping/>
-  </p:clrMapOvr>
-  <p:transition spd="med">
-    <p:pull/>
-  </p:transition>
-</p:sld>
-</file>
-
-<file path=ppt/slides/slide2.xml><?xml version="1.0" encoding="utf-8"?>
-<p:sld xmlns:a="http://schemas.openxmlformats.org/drawingml/2006/main" xmlns:r="http://schemas.openxmlformats.org/officeDocument/2006/relationships" xmlns:p="http://schemas.openxmlformats.org/presentationml/2006/main">
-  <p:cSld>
-    <p:spTree>
-      <p:nvGrpSpPr>
-        <p:cNvPr id="1" name=""/>
-        <p:cNvGrpSpPr/>
-        <p:nvPr/>
-      </p:nvGrpSpPr>
-      <p:grpSpPr>
-        <a:xfrm>
-          <a:off x="0" y="0"/>
-          <a:ext cx="0" cy="0"/>
-          <a:chOff x="0" y="0"/>
-          <a:chExt cx="0" cy="0"/>
-        </a:xfrm>
-      </p:grpSpPr>
-      <p:sp>
-        <p:nvSpPr>
-          <p:cNvPr id="2" name="Titel 1">
-            <a:extLst>
-              <a:ext uri="{FF2B5EF4-FFF2-40B4-BE49-F238E27FC236}">
-                <a16:creationId xmlns:a16="http://schemas.microsoft.com/office/drawing/2014/main" id="{3A441235-4753-B750-92CA-44BC46A9AEFB}"/>
-              </a:ext>
-            </a:extLst>
-          </p:cNvPr>
-          <p:cNvSpPr>
-            <a:spLocks noGrp="1"/>
-          </p:cNvSpPr>
-          <p:nvPr>
-            <p:ph type="title"/>
-          </p:nvPr>
-        </p:nvSpPr>
-        <p:spPr/>
-        <p:txBody>
-          <a:bodyPr/>
-          <a:lstStyle/>
-          <a:p>
-            <a:r>
-              <a:rPr lang="en-US"/>
-              <a:t>Let‘s recap</a:t>
-            </a:r>
-          </a:p>
-        </p:txBody>
-      </p:sp>
-      <p:sp>
-        <p:nvSpPr>
-          <p:cNvPr id="3" name="Textplatzhalter 2">
-            <a:extLst>
-              <a:ext uri="{FF2B5EF4-FFF2-40B4-BE49-F238E27FC236}">
-                <a16:creationId xmlns:a16="http://schemas.microsoft.com/office/drawing/2014/main" id="{A6408B5E-B271-333B-D00F-41A1328EC40D}"/>
-              </a:ext>
-            </a:extLst>
-          </p:cNvPr>
-          <p:cNvSpPr>
-            <a:spLocks noGrp="1"/>
-          </p:cNvSpPr>
-          <p:nvPr>
-            <p:ph type="body" sz="half" idx="4294967295"/>
-          </p:nvPr>
-        </p:nvSpPr>
-        <p:spPr/>
-        <p:txBody>
-          <a:bodyPr/>
-          <a:lstStyle/>
-          <a:p>
-            <a:r>
-              <a:rPr lang="en-US"/>
-              <a:t>Jetpack Compose is Android‘s new native UI toolkit</a:t>
-            </a:r>
-          </a:p>
-          <a:p>
-            <a:r>
-              <a:rPr lang="en-US"/>
-              <a:t>It uses Kotlin functions</a:t>
-            </a:r>
-          </a:p>
-          <a:p>
-            <a:r>
-              <a:rPr lang="en-US"/>
-              <a:t>The UI is declared based on state</a:t>
-            </a:r>
-          </a:p>
-        </p:txBody>
-      </p:sp>
-    </p:spTree>
-    <p:extLst>
-      <p:ext uri="{BB962C8B-B14F-4D97-AF65-F5344CB8AC3E}">
-        <p14:creationId xmlns:p14="http://schemas.microsoft.com/office/powerpoint/2010/main" val="2021403755"/>
-      </p:ext>
-    </p:extLst>
-  </p:cSld>
-  <p:clrMapOvr>
-    <a:masterClrMapping/>
-  </p:clrMapOvr>
-  <p:transition spd="med">
-    <p:pull/>
-  </p:transition>
-</p:sld>
-</file>
-
-<file path=ppt/slides/slide3.xml><?xml version="1.0" encoding="utf-8"?>
-<p:sld xmlns:a="http://schemas.openxmlformats.org/drawingml/2006/main" xmlns:r="http://schemas.openxmlformats.org/officeDocument/2006/relationships" xmlns:p="http://schemas.openxmlformats.org/presentationml/2006/main">
-  <p:cSld>
-    <p:spTree>
-      <p:nvGrpSpPr>
-        <p:cNvPr id="1" name=""/>
-        <p:cNvGrpSpPr/>
-        <p:nvPr/>
-      </p:nvGrpSpPr>
-      <p:grpSpPr>
-        <a:xfrm>
-          <a:off x="0" y="0"/>
-          <a:ext cx="0" cy="0"/>
-          <a:chOff x="0" y="0"/>
-          <a:chExt cx="0" cy="0"/>
-        </a:xfrm>
-      </p:grpSpPr>
-      <p:sp>
-        <p:nvSpPr>
-          <p:cNvPr id="4" name="Textplatzhalter 3">
-            <a:extLst>
-              <a:ext uri="{FF2B5EF4-FFF2-40B4-BE49-F238E27FC236}">
-                <a16:creationId xmlns:a16="http://schemas.microsoft.com/office/drawing/2014/main" id="{C16004F5-A207-2064-ED88-441E78A46E41}"/>
-              </a:ext>
-            </a:extLst>
-          </p:cNvPr>
-          <p:cNvSpPr>
-            <a:spLocks noGrp="1"/>
-          </p:cNvSpPr>
-          <p:nvPr>
-            <p:ph type="body" sz="half" idx="4294967295"/>
-          </p:nvPr>
-        </p:nvSpPr>
-        <p:spPr/>
-        <p:txBody>
-          <a:bodyPr/>
-          <a:lstStyle/>
-          <a:p>
-            <a:r>
-              <a:rPr lang="en-US"/>
-              <a:t>Compose hierarchies are hosted within activities or fragments</a:t>
-            </a:r>
-          </a:p>
-          <a:p>
-            <a:r>
-              <a:rPr lang="en-US"/>
-              <a:t>Compose can use resources, still not tightly coupled with rest of system</a:t>
-            </a:r>
-          </a:p>
-          <a:p>
-            <a:r>
-              <a:rPr lang="en-US"/>
-              <a:t>Distributed as a set of libraries – not part of the Android platform</a:t>
-            </a:r>
-          </a:p>
-        </p:txBody>
-      </p:sp>
-    </p:spTree>
-    <p:extLst>
-      <p:ext uri="{BB962C8B-B14F-4D97-AF65-F5344CB8AC3E}">
-        <p14:creationId xmlns:p14="http://schemas.microsoft.com/office/powerpoint/2010/main" val="3941362118"/>
-      </p:ext>
-    </p:extLst>
-  </p:cSld>
-  <p:clrMapOvr>
-    <a:masterClrMapping/>
-  </p:clrMapOvr>
-  <p:transition spd="med">
-    <p:pull/>
-  </p:transition>
-</p:sld>
-</file>
-
-<file path=ppt/slides/slide4.xml><?xml version="1.0" encoding="utf-8"?>
-<p:sld xmlns:a="http://schemas.openxmlformats.org/drawingml/2006/main" xmlns:r="http://schemas.openxmlformats.org/officeDocument/2006/relationships" xmlns:p="http://schemas.openxmlformats.org/presentationml/2006/main">
-  <p:cSld>
-    <p:spTree>
-      <p:nvGrpSpPr>
-        <p:cNvPr id="1" name=""/>
-        <p:cNvGrpSpPr/>
-        <p:nvPr/>
-      </p:nvGrpSpPr>
-      <p:grpSpPr>
-        <a:xfrm>
-          <a:off x="0" y="0"/>
-          <a:ext cx="0" cy="0"/>
-          <a:chOff x="0" y="0"/>
-          <a:chExt cx="0" cy="0"/>
-        </a:xfrm>
-      </p:grpSpPr>
-      <p:sp>
-        <p:nvSpPr>
-          <p:cNvPr id="2" name="Textplatzhalter 1">
-            <a:extLst>
-              <a:ext uri="{FF2B5EF4-FFF2-40B4-BE49-F238E27FC236}">
-                <a16:creationId xmlns:a16="http://schemas.microsoft.com/office/drawing/2014/main" id="{EF63ED91-F63F-61CF-6B94-C6A91108AE05}"/>
-              </a:ext>
-            </a:extLst>
-          </p:cNvPr>
-          <p:cNvSpPr>
-            <a:spLocks noGrp="1"/>
-          </p:cNvSpPr>
-          <p:nvPr>
-            <p:ph type="body" sz="half" idx="4294967295"/>
-          </p:nvPr>
-        </p:nvSpPr>
-        <p:spPr/>
-        <p:txBody>
-          <a:bodyPr/>
-          <a:lstStyle/>
-          <a:p>
-            <a:r>
-              <a:rPr lang="en-US" dirty="0"/>
-              <a:t>Wouldn‘t it be cool to re-use Jetpack Compose skills on other platforms?</a:t>
-            </a:r>
-          </a:p>
-          <a:p>
-            <a:r>
-              <a:rPr lang="en-US" dirty="0"/>
-              <a:t>Flutter started as a mobile framework</a:t>
-            </a:r>
-          </a:p>
-          <a:p>
-            <a:r>
-              <a:rPr lang="en-US" dirty="0"/>
-              <a:t>Now embraces the Desktop and the Web, too</a:t>
-            </a:r>
-          </a:p>
-          <a:p>
-            <a:r>
-              <a:rPr lang="en-US" dirty="0"/>
-              <a:t>JetBrains thought it would </a:t>
-            </a:r>
-            <a:r>
-              <a:rPr lang="de-DE" dirty="0"/>
-              <a:t>😎</a:t>
-            </a:r>
-            <a:endParaRPr lang="en-US" dirty="0"/>
-          </a:p>
-        </p:txBody>
-      </p:sp>
-    </p:spTree>
-    <p:extLst>
-      <p:ext uri="{BB962C8B-B14F-4D97-AF65-F5344CB8AC3E}">
-        <p14:creationId xmlns:p14="http://schemas.microsoft.com/office/powerpoint/2010/main" val="4259518782"/>
-      </p:ext>
-    </p:extLst>
-  </p:cSld>
-  <p:clrMapOvr>
-    <a:masterClrMapping/>
-  </p:clrMapOvr>
-  <p:transition spd="med">
-    <p:pull/>
-  </p:transition>
-</p:sld>
-</file>
-
-<file path=ppt/slides/slide5.xml><?xml version="1.0" encoding="utf-8"?>
-<p:sld xmlns:a="http://schemas.openxmlformats.org/drawingml/2006/main" xmlns:r="http://schemas.openxmlformats.org/officeDocument/2006/relationships" xmlns:p="http://schemas.openxmlformats.org/presentationml/2006/main">
-  <p:cSld>
-    <p:spTree>
-      <p:nvGrpSpPr>
-        <p:cNvPr id="1" name=""/>
-        <p:cNvGrpSpPr/>
-        <p:nvPr/>
-      </p:nvGrpSpPr>
-      <p:grpSpPr>
-        <a:xfrm>
-          <a:off x="0" y="0"/>
-          <a:ext cx="0" cy="0"/>
-          <a:chOff x="0" y="0"/>
-          <a:chExt cx="0" cy="0"/>
-        </a:xfrm>
-      </p:grpSpPr>
-      <p:pic>
-        <p:nvPicPr>
-          <p:cNvPr id="1026" name="Picture 2" descr="birds eye view of brown building">
-            <a:extLst>
-              <a:ext uri="{FF2B5EF4-FFF2-40B4-BE49-F238E27FC236}">
-                <a16:creationId xmlns:a16="http://schemas.microsoft.com/office/drawing/2014/main" id="{EC077B41-1933-3B28-6BE5-E061CF8933DF}"/>
-              </a:ext>
-            </a:extLst>
-          </p:cNvPr>
-          <p:cNvPicPr>
-            <a:picLocks noChangeAspect="1" noChangeArrowheads="1"/>
-          </p:cNvPicPr>
-          <p:nvPr/>
-        </p:nvPicPr>
-        <p:blipFill rotWithShape="1">
-          <a:blip r:embed="rId2" cstate="screen">
-            <a:extLst>
-              <a:ext uri="{28A0092B-C50C-407E-A947-70E740481C1C}">
-                <a14:useLocalDpi xmlns:a14="http://schemas.microsoft.com/office/drawing/2010/main"/>
-              </a:ext>
-            </a:extLst>
-          </a:blip>
-          <a:srcRect/>
-          <a:stretch/>
-        </p:blipFill>
-        <p:spPr bwMode="auto">
-          <a:xfrm>
-            <a:off x="0" y="0"/>
-            <a:ext cx="24383999" cy="13716000"/>
-          </a:xfrm>
-          <a:prstGeom prst="rect">
-            <a:avLst/>
-          </a:prstGeom>
-          <a:noFill/>
-          <a:extLst>
-            <a:ext uri="{909E8E84-426E-40DD-AFC4-6F175D3DCCD1}">
-              <a14:hiddenFill xmlns:a14="http://schemas.microsoft.com/office/drawing/2010/main">
-                <a:solidFill>
-                  <a:srgbClr val="FFFFFF"/>
-                </a:solidFill>
-              </a14:hiddenFill>
-            </a:ext>
-          </a:extLst>
-        </p:spPr>
-      </p:pic>
-      <p:sp>
-        <p:nvSpPr>
-          <p:cNvPr id="4" name="Textfeld 3">
-            <a:extLst>
-              <a:ext uri="{FF2B5EF4-FFF2-40B4-BE49-F238E27FC236}">
-                <a16:creationId xmlns:a16="http://schemas.microsoft.com/office/drawing/2014/main" id="{2391E337-6156-AC79-C285-CA4AA4BD7173}"/>
-              </a:ext>
-            </a:extLst>
-          </p:cNvPr>
-          <p:cNvSpPr txBox="1"/>
-          <p:nvPr/>
-        </p:nvSpPr>
-        <p:spPr>
-          <a:xfrm>
-            <a:off x="268939" y="5329376"/>
-            <a:ext cx="7799294" cy="3057247"/>
-          </a:xfrm>
-          <a:prstGeom prst="rect">
-            <a:avLst/>
-          </a:prstGeom>
-          <a:noFill/>
-          <a:ln w="12700" cap="flat">
-            <a:noFill/>
-            <a:miter lim="400000"/>
-          </a:ln>
-          <a:effectLst/>
-          <a:sp3d/>
-        </p:spPr>
-        <p:style>
-          <a:lnRef idx="0">
-            <a:scrgbClr r="0" g="0" b="0"/>
-          </a:lnRef>
-          <a:fillRef idx="0">
-            <a:scrgbClr r="0" g="0" b="0"/>
-          </a:fillRef>
-          <a:effectRef idx="0">
-            <a:scrgbClr r="0" g="0" b="0"/>
-          </a:effectRef>
-          <a:fontRef idx="none"/>
-        </p:style>
-        <p:txBody>
-          <a:bodyPr rot="0" spcFirstLastPara="1" vertOverflow="overflow" horzOverflow="overflow" vert="horz" wrap="square" lIns="50800" tIns="50800" rIns="50800" bIns="50800" numCol="1" spcCol="38100" rtlCol="0" anchor="ctr">
-            <a:spAutoFit/>
-          </a:bodyPr>
-          <a:lstStyle/>
-          <a:p>
-            <a:pPr marL="0" marR="0" indent="0" defTabSz="825500" rtl="0" fontAlgn="auto" latinLnBrk="0" hangingPunct="0">
-              <a:lnSpc>
-                <a:spcPct val="100000"/>
-              </a:lnSpc>
-              <a:spcBef>
-                <a:spcPts val="0"/>
-              </a:spcBef>
-              <a:spcAft>
-                <a:spcPts val="0"/>
-              </a:spcAft>
-              <a:buClrTx/>
-              <a:buSzTx/>
-              <a:buFontTx/>
-              <a:buNone/>
-              <a:tabLst/>
-            </a:pPr>
-            <a:r>
-              <a:rPr kumimoji="0" lang="en-US" sz="9600" b="0" i="0" u="none" strike="noStrike" cap="none" spc="0" normalizeH="0" baseline="0" dirty="0">
-                <a:ln>
-                  <a:noFill/>
-                </a:ln>
-                <a:solidFill>
-                  <a:schemeClr val="bg1"/>
-                </a:solidFill>
-                <a:effectLst/>
-                <a:uFillTx/>
-                <a:latin typeface="+mj-lt"/>
-                <a:ea typeface="Helvetica Neue"/>
-                <a:cs typeface="Helvetica Neue"/>
-                <a:sym typeface="Helvetica Neue"/>
-              </a:rPr>
-              <a:t>Compose Multiplatform</a:t>
-            </a:r>
-          </a:p>
-        </p:txBody>
-      </p:sp>
-      <p:sp>
-        <p:nvSpPr>
-          <p:cNvPr id="6" name="https://unsplash.com/photos/QgeIMfZJgFs">
-            <a:extLst>
-              <a:ext uri="{FF2B5EF4-FFF2-40B4-BE49-F238E27FC236}">
-                <a16:creationId xmlns:a16="http://schemas.microsoft.com/office/drawing/2014/main" id="{FAA14030-C353-4EDD-6537-BD8E91F76353}"/>
-              </a:ext>
-            </a:extLst>
-          </p:cNvPr>
-          <p:cNvSpPr txBox="1"/>
-          <p:nvPr/>
-        </p:nvSpPr>
-        <p:spPr>
-          <a:xfrm>
-            <a:off x="0" y="13155550"/>
-            <a:ext cx="8890000" cy="560450"/>
-          </a:xfrm>
-          <a:prstGeom prst="rect">
-            <a:avLst/>
-          </a:prstGeom>
-          <a:ln w="12700">
-            <a:miter lim="400000"/>
-          </a:ln>
-          <a:extLst>
-            <a:ext uri="{C572A759-6A51-4108-AA02-DFA0A04FC94B}">
-              <ma14:wrappingTextBoxFlag xmlns:ma14="http://schemas.microsoft.com/office/mac/drawingml/2011/main" xmlns:a14="http://schemas.microsoft.com/office/drawing/2010/main" xmlns:m="http://schemas.openxmlformats.org/officeDocument/2006/math" xmlns="" val="1"/>
-            </a:ext>
-          </a:extLst>
-        </p:spPr>
-        <p:txBody>
-          <a:bodyPr lIns="50800" tIns="50800" rIns="50800" bIns="50800" anchor="ctr">
-            <a:spAutoFit/>
-          </a:bodyPr>
-          <a:lstStyle>
-            <a:lvl1pPr algn="r">
-              <a:defRPr>
-                <a:solidFill>
-                  <a:srgbClr val="FFFFFF"/>
-                </a:solidFill>
-              </a:defRPr>
-            </a:lvl1pPr>
-          </a:lstStyle>
-          <a:p>
-            <a:pPr algn="l"/>
-            <a:r>
-              <a:rPr lang="de-DE" dirty="0"/>
-              <a:t>https://</a:t>
-            </a:r>
-            <a:r>
-              <a:rPr lang="de-DE" dirty="0" err="1"/>
-              <a:t>unsplash.com</a:t>
-            </a:r>
-            <a:r>
-              <a:rPr lang="de-DE" dirty="0"/>
-              <a:t>/</a:t>
-            </a:r>
-            <a:r>
-              <a:rPr lang="de-DE" dirty="0" err="1"/>
-              <a:t>photos</a:t>
-            </a:r>
-            <a:r>
-              <a:rPr lang="de-DE" dirty="0"/>
-              <a:t>/</a:t>
-            </a:r>
-            <a:r>
-              <a:rPr lang="de-DE" dirty="0" err="1"/>
-              <a:t>wfvUPYFeyvo</a:t>
-            </a:r>
-            <a:endParaRPr dirty="0"/>
-          </a:p>
-        </p:txBody>
-      </p:sp>
-      <p:sp>
-        <p:nvSpPr>
-          <p:cNvPr id="2" name="Textfeld 1">
-            <a:extLst>
-              <a:ext uri="{FF2B5EF4-FFF2-40B4-BE49-F238E27FC236}">
-                <a16:creationId xmlns:a16="http://schemas.microsoft.com/office/drawing/2014/main" id="{0FB0B285-22C1-1B0E-EEC1-2B262117B44E}"/>
-              </a:ext>
-            </a:extLst>
-          </p:cNvPr>
-          <p:cNvSpPr txBox="1"/>
-          <p:nvPr/>
-        </p:nvSpPr>
-        <p:spPr>
-          <a:xfrm>
-            <a:off x="15889107" y="3852049"/>
-            <a:ext cx="8225954" cy="6011902"/>
-          </a:xfrm>
-          <a:prstGeom prst="rect">
-            <a:avLst/>
-          </a:prstGeom>
-          <a:noFill/>
-          <a:ln w="12700" cap="flat">
-            <a:noFill/>
-            <a:miter lim="400000"/>
-          </a:ln>
-          <a:effectLst/>
-          <a:sp3d/>
-        </p:spPr>
-        <p:style>
-          <a:lnRef idx="0">
-            <a:scrgbClr r="0" g="0" b="0"/>
-          </a:lnRef>
-          <a:fillRef idx="0">
-            <a:scrgbClr r="0" g="0" b="0"/>
-          </a:fillRef>
-          <a:effectRef idx="0">
-            <a:scrgbClr r="0" g="0" b="0"/>
-          </a:effectRef>
-          <a:fontRef idx="none"/>
-        </p:style>
-        <p:txBody>
-          <a:bodyPr rot="0" spcFirstLastPara="1" vertOverflow="overflow" horzOverflow="overflow" vert="horz" wrap="square" lIns="50800" tIns="50800" rIns="50800" bIns="50800" numCol="1" spcCol="38100" rtlCol="0" anchor="ctr">
-            <a:spAutoFit/>
-          </a:bodyPr>
-          <a:lstStyle/>
-          <a:p>
-            <a:pPr marL="0" marR="0" indent="0" defTabSz="825500" rtl="0" fontAlgn="auto" latinLnBrk="0" hangingPunct="0">
-              <a:lnSpc>
-                <a:spcPct val="100000"/>
-              </a:lnSpc>
-              <a:spcBef>
-                <a:spcPts val="0"/>
-              </a:spcBef>
-              <a:spcAft>
-                <a:spcPts val="0"/>
-              </a:spcAft>
-              <a:buClrTx/>
-              <a:buSzTx/>
-              <a:buFontTx/>
-              <a:buNone/>
-              <a:tabLst/>
-            </a:pPr>
-            <a:r>
-              <a:rPr kumimoji="0" lang="en-US" sz="9600" b="0" i="0" u="none" strike="noStrike" cap="none" spc="0" normalizeH="0" baseline="0" dirty="0">
-                <a:ln>
-                  <a:noFill/>
-                </a:ln>
-                <a:solidFill>
-                  <a:schemeClr val="bg1"/>
-                </a:solidFill>
-                <a:effectLst/>
-                <a:uFillTx/>
-                <a:latin typeface="+mj-lt"/>
-                <a:ea typeface="Helvetica Neue"/>
-                <a:cs typeface="Helvetica Neue"/>
-                <a:sym typeface="Helvetica Neue"/>
-              </a:rPr>
-              <a:t>Fast, reactive Desktop and Web UI framework</a:t>
-            </a:r>
-          </a:p>
-        </p:txBody>
-      </p:sp>
-    </p:spTree>
-    <p:extLst>
-      <p:ext uri="{BB962C8B-B14F-4D97-AF65-F5344CB8AC3E}">
-        <p14:creationId xmlns:p14="http://schemas.microsoft.com/office/powerpoint/2010/main" val="278507504"/>
-      </p:ext>
-    </p:extLst>
-  </p:cSld>
-  <p:clrMapOvr>
-    <a:masterClrMapping/>
-  </p:clrMapOvr>
-  <p:transition spd="med">
-    <p:pull/>
-  </p:transition>
-</p:sld>
-</file>
-
-<file path=ppt/slides/slide6.xml><?xml version="1.0" encoding="utf-8"?>
-<p:sld xmlns:a="http://schemas.openxmlformats.org/drawingml/2006/main" xmlns:r="http://schemas.openxmlformats.org/officeDocument/2006/relationships" xmlns:p="http://schemas.openxmlformats.org/presentationml/2006/main">
-  <p:cSld>
-    <p:spTree>
-      <p:nvGrpSpPr>
-        <p:cNvPr id="1" name=""/>
-        <p:cNvGrpSpPr/>
-        <p:nvPr/>
-      </p:nvGrpSpPr>
-      <p:grpSpPr>
-        <a:xfrm>
-          <a:off x="0" y="0"/>
-          <a:ext cx="0" cy="0"/>
-          <a:chOff x="0" y="0"/>
-          <a:chExt cx="0" cy="0"/>
-        </a:xfrm>
-      </p:grpSpPr>
-      <p:sp>
-        <p:nvSpPr>
-          <p:cNvPr id="2" name="Textplatzhalter 1">
-            <a:extLst>
-              <a:ext uri="{FF2B5EF4-FFF2-40B4-BE49-F238E27FC236}">
-                <a16:creationId xmlns:a16="http://schemas.microsoft.com/office/drawing/2014/main" id="{87B1E116-2482-A7B5-CC4C-B5DA94E2E48C}"/>
-              </a:ext>
-            </a:extLst>
-          </p:cNvPr>
-          <p:cNvSpPr>
-            <a:spLocks noGrp="1"/>
-          </p:cNvSpPr>
-          <p:nvPr>
-            <p:ph type="body" sz="half" idx="4294967295"/>
-          </p:nvPr>
-        </p:nvSpPr>
-        <p:spPr/>
-        <p:txBody>
-          <a:bodyPr/>
-          <a:lstStyle/>
-          <a:p>
-            <a:r>
-              <a:rPr lang="en-GB" dirty="0"/>
-              <a:t>UI code sharing between Android, Desktop and Web</a:t>
-            </a:r>
-          </a:p>
-          <a:p>
-            <a:r>
-              <a:rPr lang="en-GB" dirty="0"/>
-              <a:t>Future versions might even include iOS</a:t>
-            </a:r>
-          </a:p>
-        </p:txBody>
-      </p:sp>
-    </p:spTree>
-    <p:extLst>
-      <p:ext uri="{BB962C8B-B14F-4D97-AF65-F5344CB8AC3E}">
-        <p14:creationId xmlns:p14="http://schemas.microsoft.com/office/powerpoint/2010/main" val="2435211595"/>
-      </p:ext>
-    </p:extLst>
-  </p:cSld>
-  <p:clrMapOvr>
-    <a:masterClrMapping/>
-  </p:clrMapOvr>
-  <p:transition spd="med">
-    <p:pull/>
-  </p:transition>
-</p:sld>
-</file>
-
-<file path=ppt/slides/slide7.xml><?xml version="1.0" encoding="utf-8"?>
-<p:sld xmlns:a="http://schemas.openxmlformats.org/drawingml/2006/main" xmlns:r="http://schemas.openxmlformats.org/officeDocument/2006/relationships" xmlns:p="http://schemas.openxmlformats.org/presentationml/2006/main">
-  <p:cSld>
-    <p:spTree>
-      <p:nvGrpSpPr>
-        <p:cNvPr id="1" name=""/>
-        <p:cNvGrpSpPr/>
-        <p:nvPr/>
-      </p:nvGrpSpPr>
-      <p:grpSpPr>
-        <a:xfrm>
-          <a:off x="0" y="0"/>
-          <a:ext cx="0" cy="0"/>
-          <a:chOff x="0" y="0"/>
-          <a:chExt cx="0" cy="0"/>
-        </a:xfrm>
-      </p:grpSpPr>
-      <p:pic>
-        <p:nvPicPr>
-          <p:cNvPr id="2050" name="Picture 2" descr="black and white heart shaped textile">
-            <a:extLst>
-              <a:ext uri="{FF2B5EF4-FFF2-40B4-BE49-F238E27FC236}">
-                <a16:creationId xmlns:a16="http://schemas.microsoft.com/office/drawing/2014/main" id="{14BE4452-FE11-9C9A-3F43-C150FC551FFD}"/>
-              </a:ext>
-            </a:extLst>
-          </p:cNvPr>
-          <p:cNvPicPr>
-            <a:picLocks noChangeAspect="1" noChangeArrowheads="1"/>
-          </p:cNvPicPr>
-          <p:nvPr/>
-        </p:nvPicPr>
-        <p:blipFill rotWithShape="1">
-          <a:blip r:embed="rId2" cstate="screen">
-            <a:extLst>
-              <a:ext uri="{28A0092B-C50C-407E-A947-70E740481C1C}">
-                <a14:useLocalDpi xmlns:a14="http://schemas.microsoft.com/office/drawing/2010/main"/>
-              </a:ext>
-            </a:extLst>
-          </a:blip>
-          <a:srcRect/>
-          <a:stretch/>
-        </p:blipFill>
-        <p:spPr bwMode="auto">
-          <a:xfrm>
-            <a:off x="0" y="0"/>
-            <a:ext cx="24384000" cy="13716440"/>
-          </a:xfrm>
-          <a:prstGeom prst="rect">
-            <a:avLst/>
-          </a:prstGeom>
-          <a:noFill/>
-          <a:extLst>
-            <a:ext uri="{909E8E84-426E-40DD-AFC4-6F175D3DCCD1}">
-              <a14:hiddenFill xmlns:a14="http://schemas.microsoft.com/office/drawing/2010/main">
-                <a:solidFill>
-                  <a:srgbClr val="FFFFFF"/>
-                </a:solidFill>
-              </a14:hiddenFill>
-            </a:ext>
-          </a:extLst>
-        </p:spPr>
-      </p:pic>
-      <p:sp>
-        <p:nvSpPr>
-          <p:cNvPr id="3" name="https://unsplash.com/photos/QgeIMfZJgFs">
-            <a:extLst>
-              <a:ext uri="{FF2B5EF4-FFF2-40B4-BE49-F238E27FC236}">
-                <a16:creationId xmlns:a16="http://schemas.microsoft.com/office/drawing/2014/main" id="{ED1062C9-92BC-52A8-65E5-851B68D910BA}"/>
-              </a:ext>
-            </a:extLst>
-          </p:cNvPr>
-          <p:cNvSpPr txBox="1"/>
-          <p:nvPr/>
-        </p:nvSpPr>
-        <p:spPr>
-          <a:xfrm>
-            <a:off x="0" y="13155550"/>
-            <a:ext cx="8890000" cy="560450"/>
-          </a:xfrm>
-          <a:prstGeom prst="rect">
-            <a:avLst/>
-          </a:prstGeom>
-          <a:ln w="12700">
-            <a:miter lim="400000"/>
-          </a:ln>
-          <a:extLst>
-            <a:ext uri="{C572A759-6A51-4108-AA02-DFA0A04FC94B}">
-              <ma14:wrappingTextBoxFlag xmlns:ma14="http://schemas.microsoft.com/office/mac/drawingml/2011/main" xmlns:a14="http://schemas.microsoft.com/office/drawing/2010/main" xmlns:m="http://schemas.openxmlformats.org/officeDocument/2006/math" xmlns="" val="1"/>
-            </a:ext>
-          </a:extLst>
-        </p:spPr>
-        <p:txBody>
-          <a:bodyPr lIns="50800" tIns="50800" rIns="50800" bIns="50800" anchor="ctr">
-            <a:spAutoFit/>
-          </a:bodyPr>
-          <a:lstStyle>
-            <a:lvl1pPr algn="r">
-              <a:defRPr>
-                <a:solidFill>
-                  <a:srgbClr val="FFFFFF"/>
-                </a:solidFill>
-              </a:defRPr>
-            </a:lvl1pPr>
-          </a:lstStyle>
-          <a:p>
-            <a:pPr algn="l"/>
-            <a:r>
-              <a:rPr lang="de-DE" dirty="0">
-                <a:solidFill>
-                  <a:schemeClr val="tx1"/>
-                </a:solidFill>
-              </a:rPr>
-              <a:t>https://</a:t>
-            </a:r>
-            <a:r>
-              <a:rPr lang="de-DE" dirty="0" err="1">
-                <a:solidFill>
-                  <a:schemeClr val="tx1"/>
-                </a:solidFill>
-              </a:rPr>
-              <a:t>unsplash.com</a:t>
-            </a:r>
-            <a:r>
-              <a:rPr lang="de-DE" dirty="0">
-                <a:solidFill>
-                  <a:schemeClr val="tx1"/>
-                </a:solidFill>
-              </a:rPr>
-              <a:t>/</a:t>
-            </a:r>
-            <a:r>
-              <a:rPr lang="de-DE" dirty="0" err="1">
-                <a:solidFill>
-                  <a:schemeClr val="tx1"/>
-                </a:solidFill>
-              </a:rPr>
-              <a:t>photos</a:t>
-            </a:r>
-            <a:r>
-              <a:rPr lang="de-DE" dirty="0">
-                <a:solidFill>
-                  <a:schemeClr val="tx1"/>
-                </a:solidFill>
-              </a:rPr>
-              <a:t>/LuaT29bdjMA</a:t>
-            </a:r>
-            <a:endParaRPr dirty="0">
-              <a:solidFill>
-                <a:schemeClr val="tx1"/>
-              </a:solidFill>
-            </a:endParaRPr>
-          </a:p>
-        </p:txBody>
-      </p:sp>
-      <p:sp>
-        <p:nvSpPr>
-          <p:cNvPr id="4" name="Textplatzhalter 1">
-            <a:extLst>
-              <a:ext uri="{FF2B5EF4-FFF2-40B4-BE49-F238E27FC236}">
-                <a16:creationId xmlns:a16="http://schemas.microsoft.com/office/drawing/2014/main" id="{3A1FA302-9A8B-78B8-8634-EDF5E8E3BCAD}"/>
-              </a:ext>
-            </a:extLst>
-          </p:cNvPr>
-          <p:cNvSpPr>
-            <a:spLocks noGrp="1"/>
-          </p:cNvSpPr>
-          <p:nvPr>
-            <p:ph type="body" sz="half" idx="4294967295"/>
-          </p:nvPr>
-        </p:nvSpPr>
-        <p:spPr>
-          <a:xfrm>
-            <a:off x="17554295" y="6562168"/>
-            <a:ext cx="5419912" cy="1488139"/>
-          </a:xfrm>
-        </p:spPr>
-        <p:style>
-          <a:lnRef idx="0">
-            <a:schemeClr val="dk1"/>
-          </a:lnRef>
-          <a:fillRef idx="3">
-            <a:schemeClr val="dk1"/>
-          </a:fillRef>
-          <a:effectRef idx="3">
-            <a:schemeClr val="dk1"/>
-          </a:effectRef>
-          <a:fontRef idx="minor">
-            <a:schemeClr val="lt1"/>
-          </a:fontRef>
-        </p:style>
-        <p:txBody>
-          <a:bodyPr/>
-          <a:lstStyle/>
-          <a:p>
-            <a:pPr marL="0" indent="0" algn="ctr">
-              <a:buNone/>
-            </a:pPr>
-            <a:r>
-              <a:rPr lang="en-US" dirty="0"/>
-              <a:t>Jetpack Compose</a:t>
-            </a:r>
-          </a:p>
-        </p:txBody>
-      </p:sp>
-      <p:sp>
-        <p:nvSpPr>
-          <p:cNvPr id="5" name="Textplatzhalter 1">
-            <a:extLst>
-              <a:ext uri="{FF2B5EF4-FFF2-40B4-BE49-F238E27FC236}">
-                <a16:creationId xmlns:a16="http://schemas.microsoft.com/office/drawing/2014/main" id="{09746BB3-92B6-390B-5171-0C83B22DA7E3}"/>
-              </a:ext>
-            </a:extLst>
-          </p:cNvPr>
-          <p:cNvSpPr>
-            <a:spLocks noGrp="1"/>
-          </p:cNvSpPr>
-          <p:nvPr>
-            <p:ph type="body" sz="half" idx="4294967295"/>
-          </p:nvPr>
-        </p:nvSpPr>
-        <p:spPr>
-          <a:xfrm>
-            <a:off x="2649444" y="2779058"/>
-            <a:ext cx="5419912" cy="1488139"/>
-          </a:xfrm>
-        </p:spPr>
-        <p:style>
-          <a:lnRef idx="0">
-            <a:schemeClr val="dk1"/>
-          </a:lnRef>
-          <a:fillRef idx="3">
-            <a:schemeClr val="dk1"/>
-          </a:fillRef>
-          <a:effectRef idx="3">
-            <a:schemeClr val="dk1"/>
-          </a:effectRef>
-          <a:fontRef idx="minor">
-            <a:schemeClr val="lt1"/>
-          </a:fontRef>
-        </p:style>
-        <p:txBody>
-          <a:bodyPr/>
-          <a:lstStyle/>
-          <a:p>
-            <a:pPr marL="0" indent="0" algn="ctr">
-              <a:buNone/>
-            </a:pPr>
-            <a:r>
-              <a:rPr lang="en-US" dirty="0"/>
-              <a:t>Kotlin Multiplatform</a:t>
-            </a:r>
-          </a:p>
-        </p:txBody>
-      </p:sp>
-      <p:sp>
-        <p:nvSpPr>
-          <p:cNvPr id="6" name="Textplatzhalter 1">
-            <a:extLst>
-              <a:ext uri="{FF2B5EF4-FFF2-40B4-BE49-F238E27FC236}">
-                <a16:creationId xmlns:a16="http://schemas.microsoft.com/office/drawing/2014/main" id="{C5EDB328-8FC3-6C74-511C-7D69F7540711}"/>
-              </a:ext>
-            </a:extLst>
-          </p:cNvPr>
-          <p:cNvSpPr>
-            <a:spLocks noGrp="1"/>
-          </p:cNvSpPr>
-          <p:nvPr>
-            <p:ph type="body" sz="half" idx="4294967295"/>
-          </p:nvPr>
-        </p:nvSpPr>
-        <p:spPr>
-          <a:xfrm>
-            <a:off x="6772088" y="5562226"/>
-            <a:ext cx="5419912" cy="1488139"/>
-          </a:xfrm>
-        </p:spPr>
-        <p:style>
-          <a:lnRef idx="0">
-            <a:schemeClr val="dk1"/>
-          </a:lnRef>
-          <a:fillRef idx="3">
-            <a:schemeClr val="dk1"/>
-          </a:fillRef>
-          <a:effectRef idx="3">
-            <a:schemeClr val="dk1"/>
-          </a:effectRef>
-          <a:fontRef idx="minor">
-            <a:schemeClr val="lt1"/>
-          </a:fontRef>
-        </p:style>
-        <p:txBody>
-          <a:bodyPr/>
-          <a:lstStyle/>
-          <a:p>
-            <a:pPr marL="0" indent="0" algn="ctr">
-              <a:buNone/>
-            </a:pPr>
-            <a:r>
-              <a:rPr lang="en-US" dirty="0">
-                <a:solidFill>
-                  <a:schemeClr val="bg1"/>
-                </a:solidFill>
-              </a:rPr>
-              <a:t>Kotlin/Native</a:t>
-            </a:r>
-          </a:p>
-        </p:txBody>
-      </p:sp>
-      <p:sp>
-        <p:nvSpPr>
-          <p:cNvPr id="8" name="Textplatzhalter 1">
-            <a:extLst>
-              <a:ext uri="{FF2B5EF4-FFF2-40B4-BE49-F238E27FC236}">
-                <a16:creationId xmlns:a16="http://schemas.microsoft.com/office/drawing/2014/main" id="{1B0F373C-6B91-1290-EF7B-ECDB542EB040}"/>
-              </a:ext>
-            </a:extLst>
-          </p:cNvPr>
-          <p:cNvSpPr>
-            <a:spLocks noGrp="1"/>
-          </p:cNvSpPr>
-          <p:nvPr>
-            <p:ph type="body" sz="half" idx="4294967295"/>
-          </p:nvPr>
-        </p:nvSpPr>
-        <p:spPr>
-          <a:xfrm>
-            <a:off x="14270037" y="717178"/>
-            <a:ext cx="2998881" cy="1488139"/>
-          </a:xfrm>
-        </p:spPr>
-        <p:style>
-          <a:lnRef idx="0">
-            <a:schemeClr val="dk1"/>
-          </a:lnRef>
-          <a:fillRef idx="3">
-            <a:schemeClr val="dk1"/>
-          </a:fillRef>
-          <a:effectRef idx="3">
-            <a:schemeClr val="dk1"/>
-          </a:effectRef>
-          <a:fontRef idx="minor">
-            <a:schemeClr val="lt1"/>
-          </a:fontRef>
-        </p:style>
-        <p:txBody>
-          <a:bodyPr/>
-          <a:lstStyle/>
-          <a:p>
-            <a:pPr marL="0" indent="0" algn="ctr">
-              <a:buNone/>
-            </a:pPr>
-            <a:r>
-              <a:rPr lang="en-US" dirty="0"/>
-              <a:t>JVM</a:t>
-            </a:r>
-          </a:p>
-        </p:txBody>
-      </p:sp>
-      <p:sp>
-        <p:nvSpPr>
-          <p:cNvPr id="9" name="Textplatzhalter 1">
-            <a:extLst>
-              <a:ext uri="{FF2B5EF4-FFF2-40B4-BE49-F238E27FC236}">
-                <a16:creationId xmlns:a16="http://schemas.microsoft.com/office/drawing/2014/main" id="{27F5C31C-5894-1E03-FA21-6C347CD74D63}"/>
-              </a:ext>
-            </a:extLst>
-          </p:cNvPr>
-          <p:cNvSpPr>
-            <a:spLocks noGrp="1"/>
-          </p:cNvSpPr>
-          <p:nvPr>
-            <p:ph type="body" sz="half" idx="4294967295"/>
-          </p:nvPr>
-        </p:nvSpPr>
-        <p:spPr>
-          <a:xfrm>
-            <a:off x="1446119" y="8884244"/>
-            <a:ext cx="2998881" cy="1488139"/>
-          </a:xfrm>
-        </p:spPr>
-        <p:style>
-          <a:lnRef idx="0">
-            <a:schemeClr val="dk1"/>
-          </a:lnRef>
-          <a:fillRef idx="3">
-            <a:schemeClr val="dk1"/>
-          </a:fillRef>
-          <a:effectRef idx="3">
-            <a:schemeClr val="dk1"/>
-          </a:effectRef>
-          <a:fontRef idx="minor">
-            <a:schemeClr val="lt1"/>
-          </a:fontRef>
-        </p:style>
-        <p:txBody>
-          <a:bodyPr/>
-          <a:lstStyle/>
-          <a:p>
-            <a:pPr marL="0" indent="0" algn="ctr">
-              <a:buNone/>
-            </a:pPr>
-            <a:r>
-              <a:rPr lang="en-US" dirty="0"/>
-              <a:t>Platform</a:t>
-            </a:r>
-          </a:p>
-        </p:txBody>
-      </p:sp>
-      <p:sp>
-        <p:nvSpPr>
-          <p:cNvPr id="10" name="Textplatzhalter 1">
-            <a:extLst>
-              <a:ext uri="{FF2B5EF4-FFF2-40B4-BE49-F238E27FC236}">
-                <a16:creationId xmlns:a16="http://schemas.microsoft.com/office/drawing/2014/main" id="{4FBA9D23-C292-BBE1-E9F0-AC425C450DEA}"/>
-              </a:ext>
-            </a:extLst>
-          </p:cNvPr>
-          <p:cNvSpPr>
-            <a:spLocks noGrp="1"/>
-          </p:cNvSpPr>
-          <p:nvPr>
-            <p:ph type="body" sz="half" idx="4294967295"/>
-          </p:nvPr>
-        </p:nvSpPr>
-        <p:spPr>
-          <a:xfrm>
-            <a:off x="14979090" y="9628313"/>
-            <a:ext cx="2998881" cy="1488139"/>
-          </a:xfrm>
-        </p:spPr>
-        <p:style>
-          <a:lnRef idx="0">
-            <a:schemeClr val="dk1"/>
-          </a:lnRef>
-          <a:fillRef idx="3">
-            <a:schemeClr val="dk1"/>
-          </a:fillRef>
-          <a:effectRef idx="3">
-            <a:schemeClr val="dk1"/>
-          </a:effectRef>
-          <a:fontRef idx="minor">
-            <a:schemeClr val="lt1"/>
-          </a:fontRef>
-        </p:style>
-        <p:txBody>
-          <a:bodyPr/>
-          <a:lstStyle/>
-          <a:p>
-            <a:pPr marL="0" indent="0" algn="ctr">
-              <a:buNone/>
-            </a:pPr>
-            <a:r>
-              <a:rPr lang="en-US" dirty="0"/>
-              <a:t>Target</a:t>
-            </a:r>
-          </a:p>
-        </p:txBody>
-      </p:sp>
-      <p:sp>
-        <p:nvSpPr>
-          <p:cNvPr id="11" name="Textplatzhalter 1">
-            <a:extLst>
-              <a:ext uri="{FF2B5EF4-FFF2-40B4-BE49-F238E27FC236}">
-                <a16:creationId xmlns:a16="http://schemas.microsoft.com/office/drawing/2014/main" id="{195B7576-F7B8-50DA-BCEA-A1EFCB02BF91}"/>
-              </a:ext>
-            </a:extLst>
-          </p:cNvPr>
-          <p:cNvSpPr>
-            <a:spLocks noGrp="1"/>
-          </p:cNvSpPr>
-          <p:nvPr>
-            <p:ph type="body" sz="half" idx="4294967295"/>
-          </p:nvPr>
-        </p:nvSpPr>
-        <p:spPr>
-          <a:xfrm>
-            <a:off x="17265370" y="3962180"/>
-            <a:ext cx="2998881" cy="1488139"/>
-          </a:xfrm>
-        </p:spPr>
-        <p:style>
-          <a:lnRef idx="0">
-            <a:schemeClr val="dk1"/>
-          </a:lnRef>
-          <a:fillRef idx="3">
-            <a:schemeClr val="dk1"/>
-          </a:fillRef>
-          <a:effectRef idx="3">
-            <a:schemeClr val="dk1"/>
-          </a:effectRef>
-          <a:fontRef idx="minor">
-            <a:schemeClr val="lt1"/>
-          </a:fontRef>
-        </p:style>
-        <p:txBody>
-          <a:bodyPr/>
-          <a:lstStyle/>
-          <a:p>
-            <a:pPr marL="0" indent="0" algn="ctr">
-              <a:buNone/>
-            </a:pPr>
-            <a:r>
-              <a:rPr lang="en-US" dirty="0"/>
-              <a:t>JS</a:t>
-            </a:r>
-          </a:p>
-        </p:txBody>
-      </p:sp>
-      <p:sp>
-        <p:nvSpPr>
-          <p:cNvPr id="12" name="Textplatzhalter 1">
-            <a:extLst>
-              <a:ext uri="{FF2B5EF4-FFF2-40B4-BE49-F238E27FC236}">
-                <a16:creationId xmlns:a16="http://schemas.microsoft.com/office/drawing/2014/main" id="{511AB69A-60F2-D59A-AEA4-4064E95ACA33}"/>
-              </a:ext>
-            </a:extLst>
-          </p:cNvPr>
-          <p:cNvSpPr>
-            <a:spLocks noGrp="1"/>
-          </p:cNvSpPr>
-          <p:nvPr>
-            <p:ph type="body" sz="half" idx="4294967295"/>
-          </p:nvPr>
-        </p:nvSpPr>
-        <p:spPr>
-          <a:xfrm>
-            <a:off x="6517995" y="10927978"/>
-            <a:ext cx="6848382" cy="1488139"/>
-          </a:xfrm>
-        </p:spPr>
-        <p:style>
-          <a:lnRef idx="0">
-            <a:schemeClr val="dk1"/>
-          </a:lnRef>
-          <a:fillRef idx="3">
-            <a:schemeClr val="dk1"/>
-          </a:fillRef>
-          <a:effectRef idx="3">
-            <a:schemeClr val="dk1"/>
-          </a:effectRef>
-          <a:fontRef idx="minor">
-            <a:schemeClr val="lt1"/>
-          </a:fontRef>
-        </p:style>
-        <p:txBody>
-          <a:bodyPr/>
-          <a:lstStyle/>
-          <a:p>
-            <a:pPr marL="0" indent="0" algn="ctr">
-              <a:buNone/>
-            </a:pPr>
-            <a:r>
-              <a:rPr lang="en-US" dirty="0">
-                <a:solidFill>
-                  <a:schemeClr val="bg1"/>
-                </a:solidFill>
-              </a:rPr>
-              <a:t>Compose for Desktop</a:t>
-            </a:r>
-          </a:p>
-        </p:txBody>
-      </p:sp>
-    </p:spTree>
-    <p:extLst>
-      <p:ext uri="{BB962C8B-B14F-4D97-AF65-F5344CB8AC3E}">
-        <p14:creationId xmlns:p14="http://schemas.microsoft.com/office/powerpoint/2010/main" val="2462351485"/>
-      </p:ext>
-    </p:extLst>
-  </p:cSld>
-  <p:clrMapOvr>
-    <a:masterClrMapping/>
-  </p:clrMapOvr>
-  <p:transition spd="med">
-    <p:pull/>
-  </p:transition>
-</p:sld>
-</file>
-
-<file path=ppt/slides/slide8.xml><?xml version="1.0" encoding="utf-8"?>
-<p:sld xmlns:a="http://schemas.openxmlformats.org/drawingml/2006/main" xmlns:r="http://schemas.openxmlformats.org/officeDocument/2006/relationships" xmlns:p="http://schemas.openxmlformats.org/presentationml/2006/main">
-  <p:cSld>
-    <p:spTree>
-      <p:nvGrpSpPr>
-        <p:cNvPr id="1" name=""/>
-        <p:cNvGrpSpPr/>
-        <p:nvPr/>
-      </p:nvGrpSpPr>
-      <p:grpSpPr>
-        <a:xfrm>
-          <a:off x="0" y="0"/>
-          <a:ext cx="0" cy="0"/>
-          <a:chOff x="0" y="0"/>
-          <a:chExt cx="0" cy="0"/>
-        </a:xfrm>
-      </p:grpSpPr>
-      <p:sp>
-        <p:nvSpPr>
-          <p:cNvPr id="211" name="Foliennummer"/>
-          <p:cNvSpPr txBox="1">
-            <a:spLocks noGrp="1"/>
-          </p:cNvSpPr>
-          <p:nvPr>
-            <p:ph type="sldNum" sz="quarter" idx="4294967295"/>
-          </p:nvPr>
-        </p:nvSpPr>
-        <p:spPr>
-          <a:xfrm>
-            <a:off x="11959031" y="13081000"/>
-            <a:ext cx="453238" cy="461059"/>
-          </a:xfrm>
-          <a:prstGeom prst="rect">
-            <a:avLst/>
-          </a:prstGeom>
-          <a:extLst>
-            <a:ext uri="{C572A759-6A51-4108-AA02-DFA0A04FC94B}">
-              <ma14:wrappingTextBoxFlag xmlns:ma14="http://schemas.microsoft.com/office/mac/drawingml/2011/main" xmlns:a14="http://schemas.microsoft.com/office/drawing/2010/main" xmlns:m="http://schemas.openxmlformats.org/officeDocument/2006/math" xmlns="" val="1"/>
-            </a:ext>
-          </a:extLst>
-        </p:spPr>
-        <p:txBody>
-          <a:bodyPr/>
-          <a:lstStyle/>
-          <a:p>
-            <a:fld id="{86CB4B4D-7CA3-9044-876B-883B54F8677D}" type="slidenum">
-              <a:t>8</a:t>
-            </a:fld>
-            <a:endParaRPr/>
-          </a:p>
-        </p:txBody>
-      </p:sp>
-      <p:pic>
-        <p:nvPicPr>
-          <p:cNvPr id="212" name="Bild" descr="Bild"/>
-          <p:cNvPicPr>
-            <a:picLocks noChangeAspect="1"/>
-          </p:cNvPicPr>
-          <p:nvPr/>
-        </p:nvPicPr>
-        <p:blipFill>
-          <a:blip r:embed="rId2" cstate="email">
-            <a:extLst>
-              <a:ext uri="{28A0092B-C50C-407E-A947-70E740481C1C}">
-                <a14:useLocalDpi xmlns:a14="http://schemas.microsoft.com/office/drawing/2010/main"/>
-              </a:ext>
-            </a:extLst>
-          </a:blip>
-          <a:srcRect/>
-          <a:stretch>
-            <a:fillRect/>
-          </a:stretch>
-        </p:blipFill>
-        <p:spPr>
-          <a:xfrm>
-            <a:off x="0" y="3050778"/>
-            <a:ext cx="24384157" cy="7614386"/>
-          </a:xfrm>
-          <a:prstGeom prst="rect">
-            <a:avLst/>
-          </a:prstGeom>
-          <a:ln w="12700">
-            <a:miter lim="400000"/>
-          </a:ln>
-        </p:spPr>
-      </p:pic>
-      <p:sp>
-        <p:nvSpPr>
-          <p:cNvPr id="213" name="https://unsplash.com/photos/i--IN3cvEjg"/>
-          <p:cNvSpPr txBox="1"/>
-          <p:nvPr/>
-        </p:nvSpPr>
-        <p:spPr>
-          <a:xfrm>
-            <a:off x="0" y="10104714"/>
-            <a:ext cx="7536943" cy="560450"/>
-          </a:xfrm>
-          <a:prstGeom prst="rect">
-            <a:avLst/>
-          </a:prstGeom>
-          <a:ln w="12700">
-            <a:miter lim="400000"/>
-          </a:ln>
-          <a:extLst>
-            <a:ext uri="{C572A759-6A51-4108-AA02-DFA0A04FC94B}">
-              <ma14:wrappingTextBoxFlag xmlns:ma14="http://schemas.microsoft.com/office/mac/drawingml/2011/main" xmlns:a14="http://schemas.microsoft.com/office/drawing/2010/main" xmlns:m="http://schemas.openxmlformats.org/officeDocument/2006/math" xmlns="" val="1"/>
-            </a:ext>
-          </a:extLst>
-        </p:spPr>
-        <p:txBody>
-          <a:bodyPr wrap="none" lIns="50800" tIns="50800" rIns="50800" bIns="50800" anchor="ctr">
-            <a:spAutoFit/>
-          </a:bodyPr>
-          <a:lstStyle>
-            <a:lvl1pPr>
-              <a:defRPr>
-                <a:solidFill>
-                  <a:srgbClr val="FFFFFF"/>
-                </a:solidFill>
-              </a:defRPr>
-            </a:lvl1pPr>
-          </a:lstStyle>
-          <a:p>
-            <a:pPr algn="l"/>
-            <a:r>
-              <a:rPr dirty="0"/>
-              <a:t>https://unsplash.com/photos/i--IN3cvEjg</a:t>
-            </a:r>
-          </a:p>
-        </p:txBody>
-      </p:sp>
-    </p:spTree>
-  </p:cSld>
-  <p:clrMapOvr>
-    <a:masterClrMapping/>
-  </p:clrMapOvr>
-  <p:transition spd="med">
-    <p:pull/>
-  </p:transition>
-</p:sld>
-</file>
-
-<file path=ppt/slides/slide9.xml><?xml version="1.0" encoding="utf-8"?>
-<p:sld xmlns:a="http://schemas.openxmlformats.org/drawingml/2006/main" xmlns:r="http://schemas.openxmlformats.org/officeDocument/2006/relationships" xmlns:p="http://schemas.openxmlformats.org/presentationml/2006/main">
-  <p:cSld>
-    <p:spTree>
-      <p:nvGrpSpPr>
-        <p:cNvPr id="1" name=""/>
-        <p:cNvGrpSpPr/>
-        <p:nvPr/>
-      </p:nvGrpSpPr>
-      <p:grpSpPr>
-        <a:xfrm>
-          <a:off x="0" y="0"/>
-          <a:ext cx="0" cy="0"/>
-          <a:chOff x="0" y="0"/>
-          <a:chExt cx="0" cy="0"/>
-        </a:xfrm>
-      </p:grpSpPr>
-      <p:pic>
-        <p:nvPicPr>
-          <p:cNvPr id="3" name="Picture 2" descr="Kotlin Multiplatform">
-            <a:extLst>
-              <a:ext uri="{FF2B5EF4-FFF2-40B4-BE49-F238E27FC236}">
-                <a16:creationId xmlns:a16="http://schemas.microsoft.com/office/drawing/2014/main" id="{0066AA42-7F12-0B98-E9D1-A4D063BACD07}"/>
-              </a:ext>
-            </a:extLst>
-          </p:cNvPr>
-          <p:cNvPicPr>
-            <a:picLocks noChangeAspect="1" noChangeArrowheads="1"/>
-          </p:cNvPicPr>
-          <p:nvPr/>
-        </p:nvPicPr>
-        <p:blipFill rotWithShape="1">
-          <a:blip r:embed="rId2" cstate="screen">
-            <a:extLst>
-              <a:ext uri="{28A0092B-C50C-407E-A947-70E740481C1C}">
-                <a14:useLocalDpi xmlns:a14="http://schemas.microsoft.com/office/drawing/2010/main"/>
-              </a:ext>
-            </a:extLst>
-          </a:blip>
-          <a:srcRect t="5477" b="4003"/>
-          <a:stretch/>
-        </p:blipFill>
-        <p:spPr bwMode="auto">
-          <a:xfrm>
-            <a:off x="12395200" y="1159241"/>
-            <a:ext cx="11988800" cy="10967212"/>
-          </a:xfrm>
-          <a:prstGeom prst="rect">
-            <a:avLst/>
-          </a:prstGeom>
-          <a:noFill/>
-          <a:extLst>
-            <a:ext uri="{909E8E84-426E-40DD-AFC4-6F175D3DCCD1}">
-              <a14:hiddenFill xmlns:a14="http://schemas.microsoft.com/office/drawing/2010/main">
-                <a:solidFill>
-                  <a:srgbClr val="FFFFFF"/>
-                </a:solidFill>
-              </a14:hiddenFill>
-            </a:ext>
-          </a:extLst>
-        </p:spPr>
-      </p:pic>
-      <p:sp>
-        <p:nvSpPr>
-          <p:cNvPr id="2" name="Textplatzhalter 1">
-            <a:extLst>
-              <a:ext uri="{FF2B5EF4-FFF2-40B4-BE49-F238E27FC236}">
-                <a16:creationId xmlns:a16="http://schemas.microsoft.com/office/drawing/2014/main" id="{10FC9CD6-5E9C-A8BE-FC43-AA2998AC5864}"/>
-              </a:ext>
-            </a:extLst>
-          </p:cNvPr>
-          <p:cNvSpPr>
-            <a:spLocks noGrp="1"/>
-          </p:cNvSpPr>
-          <p:nvPr>
-            <p:ph type="body" sz="half" idx="4294967295"/>
-          </p:nvPr>
-        </p:nvSpPr>
-        <p:spPr>
-          <a:xfrm>
-            <a:off x="1021836" y="1463685"/>
-            <a:ext cx="12175181" cy="10788629"/>
-          </a:xfrm>
-        </p:spPr>
-        <p:txBody>
-          <a:bodyPr/>
-          <a:lstStyle/>
-          <a:p>
-            <a:r>
-              <a:rPr lang="en-GB" b="1" dirty="0"/>
-              <a:t>Kotlin Multiplatform</a:t>
-            </a:r>
-            <a:r>
-              <a:rPr lang="en-GB" dirty="0"/>
-              <a:t>: Apps for more than one platform</a:t>
-            </a:r>
-          </a:p>
-          <a:p>
-            <a:pPr lvl="1"/>
-            <a:r>
-              <a:rPr lang="en-GB" dirty="0"/>
-              <a:t>Plugin, Gradle integration</a:t>
-            </a:r>
-          </a:p>
-          <a:p>
-            <a:pPr lvl="1"/>
-            <a:r>
-              <a:rPr lang="en-GB" dirty="0"/>
-              <a:t>Project structure</a:t>
-            </a:r>
-          </a:p>
-          <a:p>
-            <a:r>
-              <a:rPr lang="en-GB" b="1" dirty="0"/>
-              <a:t>Kotlin/Native</a:t>
-            </a:r>
-            <a:r>
-              <a:rPr lang="en-GB" dirty="0"/>
-              <a:t>: Apps for devices without a virtual machine</a:t>
-            </a:r>
-          </a:p>
-          <a:p>
-            <a:pPr lvl="1"/>
-            <a:r>
-              <a:rPr lang="en-GB" dirty="0"/>
-              <a:t>Target architecture</a:t>
-            </a:r>
-          </a:p>
-          <a:p>
-            <a:pPr lvl="1"/>
-            <a:r>
-              <a:rPr lang="en-GB" dirty="0"/>
-              <a:t>Integration</a:t>
-            </a:r>
-          </a:p>
-        </p:txBody>
-      </p:sp>
-      <p:sp>
-        <p:nvSpPr>
-          <p:cNvPr id="4" name="Textfeld 3">
-            <a:extLst>
-              <a:ext uri="{FF2B5EF4-FFF2-40B4-BE49-F238E27FC236}">
-                <a16:creationId xmlns:a16="http://schemas.microsoft.com/office/drawing/2014/main" id="{0F825C16-3951-36A9-2DD4-9FE25B34C663}"/>
-              </a:ext>
-            </a:extLst>
-          </p:cNvPr>
-          <p:cNvSpPr txBox="1"/>
-          <p:nvPr/>
-        </p:nvSpPr>
-        <p:spPr>
-          <a:xfrm>
-            <a:off x="11988801" y="12230842"/>
-            <a:ext cx="11988800" cy="400110"/>
-          </a:xfrm>
-          <a:prstGeom prst="rect">
-            <a:avLst/>
-          </a:prstGeom>
-          <a:noFill/>
-          <a:ln w="12700" cap="flat">
-            <a:noFill/>
-            <a:miter lim="400000"/>
-          </a:ln>
-          <a:effectLst/>
-          <a:sp3d/>
-        </p:spPr>
-        <p:style>
-          <a:lnRef idx="0">
-            <a:scrgbClr r="0" g="0" b="0"/>
-          </a:lnRef>
-          <a:fillRef idx="0">
-            <a:scrgbClr r="0" g="0" b="0"/>
-          </a:fillRef>
-          <a:effectRef idx="0">
-            <a:scrgbClr r="0" g="0" b="0"/>
-          </a:effectRef>
-          <a:fontRef idx="none"/>
-        </p:style>
-        <p:txBody>
-          <a:bodyPr wrap="square">
-            <a:spAutoFit/>
-          </a:bodyPr>
-          <a:lstStyle/>
-          <a:p>
-            <a:pPr algn="r"/>
-            <a:r>
-              <a:rPr lang="en-GB" sz="2000"/>
-              <a:t>https://</a:t>
-            </a:r>
-            <a:r>
-              <a:rPr lang="en-GB" sz="2000" err="1"/>
-              <a:t>kotlinlang.org</a:t>
-            </a:r>
-            <a:r>
-              <a:rPr lang="en-GB" sz="2000"/>
-              <a:t>/docs/</a:t>
-            </a:r>
-            <a:r>
-              <a:rPr lang="en-GB" sz="2000" err="1"/>
-              <a:t>multiplatform.html#how-kotlin-multiplatform-works</a:t>
-            </a:r>
-            <a:endParaRPr lang="en-GB" sz="2000"/>
-          </a:p>
-        </p:txBody>
-      </p:sp>
-    </p:spTree>
-    <p:extLst>
-      <p:ext uri="{BB962C8B-B14F-4D97-AF65-F5344CB8AC3E}">
-        <p14:creationId xmlns:p14="http://schemas.microsoft.com/office/powerpoint/2010/main" val="1288003666"/>
-      </p:ext>
-    </p:extLst>
   </p:cSld>
   <p:clrMapOvr>
     <a:masterClrMapping/>
